--- a/Test.pptx
+++ b/Test.pptx
@@ -2999,8 +2999,8 @@
         </p:nvSpPr>
         <p:spPr>
           <a:xfrm>
-            <a:off x="1523880" y="1122480"/>
-            <a:ext cx="9142920" cy="2386440"/>
+            <a:off x="609480" y="273600"/>
+            <a:ext cx="10972440" cy="1144800"/>
           </a:xfrm>
           <a:prstGeom prst="rect">
             <a:avLst/>
@@ -3010,6 +3010,20 @@
           <a:bodyPr lIns="0" rIns="0" tIns="0" bIns="0" anchor="ctr"/>
           <a:p>
             <a:pPr algn="ctr"/>
+            <a:r>
+              <a:rPr b="0" lang="en-GB" sz="4400" spc="-1" strike="noStrike">
+                <a:solidFill>
+                  <a:srgbClr val="000000"/>
+                </a:solidFill>
+                <a:uFill>
+                  <a:solidFill>
+                    <a:srgbClr val="ffffff"/>
+                  </a:solidFill>
+                </a:uFill>
+                <a:latin typeface="Arial"/>
+              </a:rPr>
+              <a:t>Click to edit the title text format</a:t>
+            </a:r>
             <a:endParaRPr b="0" lang="en-GB" sz="4400" spc="-1" strike="noStrike">
               <a:solidFill>
                 <a:srgbClr val="000000"/>
@@ -3037,7 +3051,7 @@
         <p:spPr>
           <a:xfrm>
             <a:off x="609480" y="1604520"/>
-            <a:ext cx="10971720" cy="3976560"/>
+            <a:ext cx="10972440" cy="3977280"/>
           </a:xfrm>
           <a:prstGeom prst="rect">
             <a:avLst/>
@@ -3055,7 +3069,7 @@
               <a:buChar char=""/>
             </a:pPr>
             <a:r>
-              <a:rPr b="0" lang="en-GB" sz="1800" spc="-1" strike="noStrike">
+              <a:rPr b="0" lang="en-GB" sz="3200" spc="-1" strike="noStrike">
                 <a:solidFill>
                   <a:srgbClr val="000000"/>
                 </a:solidFill>
@@ -3068,7 +3082,7 @@
               </a:rPr>
               <a:t>Click to edit the outline text format</a:t>
             </a:r>
-            <a:endParaRPr b="0" lang="en-GB" sz="1800" spc="-1" strike="noStrike">
+            <a:endParaRPr b="0" lang="en-GB" sz="3200" spc="-1" strike="noStrike">
               <a:solidFill>
                 <a:srgbClr val="000000"/>
               </a:solidFill>
@@ -3090,7 +3104,7 @@
               <a:buChar char=""/>
             </a:pPr>
             <a:r>
-              <a:rPr b="0" lang="en-GB" sz="1800" spc="-1" strike="noStrike">
+              <a:rPr b="0" lang="en-GB" sz="2800" spc="-1" strike="noStrike">
                 <a:solidFill>
                   <a:srgbClr val="000000"/>
                 </a:solidFill>
@@ -3103,7 +3117,7 @@
               </a:rPr>
               <a:t>Second Outline Level</a:t>
             </a:r>
-            <a:endParaRPr b="0" lang="en-GB" sz="1800" spc="-1" strike="noStrike">
+            <a:endParaRPr b="0" lang="en-GB" sz="2800" spc="-1" strike="noStrike">
               <a:solidFill>
                 <a:srgbClr val="000000"/>
               </a:solidFill>
@@ -3125,7 +3139,7 @@
               <a:buChar char=""/>
             </a:pPr>
             <a:r>
-              <a:rPr b="0" lang="en-GB" sz="1800" spc="-1" strike="noStrike">
+              <a:rPr b="0" lang="en-GB" sz="2400" spc="-1" strike="noStrike">
                 <a:solidFill>
                   <a:srgbClr val="000000"/>
                 </a:solidFill>
@@ -3138,7 +3152,7 @@
               </a:rPr>
               <a:t>Third Outline Level</a:t>
             </a:r>
-            <a:endParaRPr b="0" lang="en-GB" sz="1800" spc="-1" strike="noStrike">
+            <a:endParaRPr b="0" lang="en-GB" sz="2400" spc="-1" strike="noStrike">
               <a:solidFill>
                 <a:srgbClr val="000000"/>
               </a:solidFill>
@@ -3160,7 +3174,7 @@
               <a:buChar char=""/>
             </a:pPr>
             <a:r>
-              <a:rPr b="0" lang="en-GB" sz="1800" spc="-1" strike="noStrike">
+              <a:rPr b="0" lang="en-GB" sz="2000" spc="-1" strike="noStrike">
                 <a:solidFill>
                   <a:srgbClr val="000000"/>
                 </a:solidFill>
@@ -3173,7 +3187,7 @@
               </a:rPr>
               <a:t>Fourth Outline Level</a:t>
             </a:r>
-            <a:endParaRPr b="0" lang="en-GB" sz="1800" spc="-1" strike="noStrike">
+            <a:endParaRPr b="0" lang="en-GB" sz="2000" spc="-1" strike="noStrike">
               <a:solidFill>
                 <a:srgbClr val="000000"/>
               </a:solidFill>
@@ -3195,7 +3209,7 @@
               <a:buChar char=""/>
             </a:pPr>
             <a:r>
-              <a:rPr b="0" lang="en-GB" sz="1800" spc="-1" strike="noStrike">
+              <a:rPr b="0" lang="en-GB" sz="2000" spc="-1" strike="noStrike">
                 <a:solidFill>
                   <a:srgbClr val="000000"/>
                 </a:solidFill>
@@ -3208,7 +3222,7 @@
               </a:rPr>
               <a:t>Fifth Outline Level</a:t>
             </a:r>
-            <a:endParaRPr b="0" lang="en-GB" sz="1800" spc="-1" strike="noStrike">
+            <a:endParaRPr b="0" lang="en-GB" sz="2000" spc="-1" strike="noStrike">
               <a:solidFill>
                 <a:srgbClr val="000000"/>
               </a:solidFill>
@@ -3230,7 +3244,7 @@
               <a:buChar char=""/>
             </a:pPr>
             <a:r>
-              <a:rPr b="0" lang="en-GB" sz="1800" spc="-1" strike="noStrike">
+              <a:rPr b="0" lang="en-GB" sz="2000" spc="-1" strike="noStrike">
                 <a:solidFill>
                   <a:srgbClr val="000000"/>
                 </a:solidFill>
@@ -3243,7 +3257,7 @@
               </a:rPr>
               <a:t>Sixth Outline Level</a:t>
             </a:r>
-            <a:endParaRPr b="0" lang="en-GB" sz="1800" spc="-1" strike="noStrike">
+            <a:endParaRPr b="0" lang="en-GB" sz="2000" spc="-1" strike="noStrike">
               <a:solidFill>
                 <a:srgbClr val="000000"/>
               </a:solidFill>
@@ -3265,7 +3279,7 @@
               <a:buChar char=""/>
             </a:pPr>
             <a:r>
-              <a:rPr b="0" lang="en-GB" sz="1800" spc="-1" strike="noStrike">
+              <a:rPr b="0" lang="en-GB" sz="2000" spc="-1" strike="noStrike">
                 <a:solidFill>
                   <a:srgbClr val="000000"/>
                 </a:solidFill>
@@ -3278,7 +3292,7 @@
               </a:rPr>
               <a:t>Seventh Outline Level</a:t>
             </a:r>
-            <a:endParaRPr b="0" lang="en-GB" sz="1800" spc="-1" strike="noStrike">
+            <a:endParaRPr b="0" lang="en-GB" sz="2000" spc="-1" strike="noStrike">
               <a:solidFill>
                 <a:srgbClr val="000000"/>
               </a:solidFill>
@@ -3700,8 +3714,8 @@
         </p:nvSpPr>
         <p:spPr>
           <a:xfrm rot="21575400">
-            <a:off x="956880" y="361440"/>
-            <a:ext cx="10151280" cy="6152400"/>
+            <a:off x="956520" y="361080"/>
+            <a:ext cx="10150920" cy="6152040"/>
           </a:xfrm>
           <a:prstGeom prst="rect">
             <a:avLst/>
@@ -3739,7 +3753,7 @@
         </p:nvGraphicFramePr>
         <p:xfrm>
           <a:off x="2607840" y="1127880"/>
-          <a:ext cx="8192160" cy="3912120"/>
+          <a:ext cx="8191800" cy="3911760"/>
         </p:xfrm>
         <a:graphic>
           <a:graphicData uri="http://schemas.openxmlformats.org/drawingml/2006/table">
@@ -4203,7 +4217,7 @@
         </p:nvGraphicFramePr>
         <p:xfrm>
           <a:off x="1932480" y="1127880"/>
-          <a:ext cx="479880" cy="3984120"/>
+          <a:ext cx="479880" cy="3983760"/>
         </p:xfrm>
         <a:graphic>
           <a:graphicData uri="http://schemas.openxmlformats.org/drawingml/2006/table">
@@ -4215,7 +4229,7 @@
               <a:tr h="879120">
                 <a:tc>
                   <a:txBody>
-                    <a:bodyPr anchor="ctr"/>
+                    <a:bodyPr/>
                     <a:p>
                       <a:pPr algn="ctr">
                         <a:lnSpc>
@@ -4279,7 +4293,7 @@
               <a:tr h="1034640">
                 <a:tc>
                   <a:txBody>
-                    <a:bodyPr anchor="ctr"/>
+                    <a:bodyPr/>
                     <a:p>
                       <a:pPr algn="ctr">
                         <a:lnSpc>
@@ -4343,7 +4357,7 @@
               <a:tr h="1034640">
                 <a:tc>
                   <a:txBody>
-                    <a:bodyPr anchor="ctr"/>
+                    <a:bodyPr/>
                     <a:p>
                       <a:pPr algn="ctr">
                         <a:lnSpc>
@@ -4407,7 +4421,7 @@
               <a:tr h="1035720">
                 <a:tc>
                   <a:txBody>
-                    <a:bodyPr anchor="ctr"/>
+                    <a:bodyPr/>
                     <a:p>
                       <a:pPr algn="ctr">
                         <a:lnSpc>
@@ -4480,7 +4494,7 @@
         </p:nvGraphicFramePr>
         <p:xfrm>
           <a:off x="2658960" y="5331960"/>
-          <a:ext cx="8141040" cy="424800"/>
+          <a:ext cx="8140680" cy="424800"/>
         </p:xfrm>
         <a:graphic>
           <a:graphicData uri="http://schemas.openxmlformats.org/drawingml/2006/table">
@@ -4495,7 +4509,7 @@
               <a:tr h="425160">
                 <a:tc>
                   <a:txBody>
-                    <a:bodyPr anchor="ctr"/>
+                    <a:bodyPr/>
                     <a:p>
                       <a:pPr algn="ctr">
                         <a:lnSpc>
@@ -4557,7 +4571,7 @@
                 </a:tc>
                 <a:tc>
                   <a:txBody>
-                    <a:bodyPr anchor="ctr"/>
+                    <a:bodyPr/>
                     <a:p>
                       <a:pPr algn="ctr">
                         <a:lnSpc>
@@ -4619,7 +4633,7 @@
                 </a:tc>
                 <a:tc>
                   <a:txBody>
-                    <a:bodyPr anchor="ctr"/>
+                    <a:bodyPr/>
                     <a:p>
                       <a:pPr algn="ctr">
                         <a:lnSpc>
@@ -4681,7 +4695,7 @@
                 </a:tc>
                 <a:tc>
                   <a:txBody>
-                    <a:bodyPr anchor="ctr"/>
+                    <a:bodyPr/>
                     <a:p>
                       <a:pPr algn="ctr">
                         <a:lnSpc>
@@ -4754,8 +4768,8 @@
         </p:nvSpPr>
         <p:spPr>
           <a:xfrm rot="16200000">
-            <a:off x="106200" y="2840400"/>
-            <a:ext cx="2676240" cy="584640"/>
+            <a:off x="106200" y="2840760"/>
+            <a:ext cx="2675880" cy="584280"/>
           </a:xfrm>
           <a:prstGeom prst="rect">
             <a:avLst/>
@@ -4822,7 +4836,7 @@
         <p:spPr>
           <a:xfrm>
             <a:off x="5114880" y="5949720"/>
-            <a:ext cx="3112920" cy="492840"/>
+            <a:ext cx="3112560" cy="492480"/>
           </a:xfrm>
           <a:prstGeom prst="rect">
             <a:avLst/>
@@ -4889,7 +4903,7 @@
         <p:spPr>
           <a:xfrm>
             <a:off x="1512000" y="596160"/>
-            <a:ext cx="9294120" cy="295560"/>
+            <a:ext cx="9293760" cy="295200"/>
           </a:xfrm>
           <a:prstGeom prst="rect">
             <a:avLst/>
@@ -5004,8 +5018,8 @@
         </p:nvSpPr>
         <p:spPr>
           <a:xfrm rot="2400">
-            <a:off x="1582920" y="500400"/>
-            <a:ext cx="8999280" cy="1367280"/>
+            <a:off x="1582560" y="500040"/>
+            <a:ext cx="8998920" cy="1366920"/>
           </a:xfrm>
           <a:prstGeom prst="rect">
             <a:avLst/>
@@ -5031,7 +5045,7 @@
         <p:spPr>
           <a:xfrm>
             <a:off x="609480" y="2160000"/>
-            <a:ext cx="10971720" cy="3959280"/>
+            <a:ext cx="10971360" cy="3958920"/>
           </a:xfrm>
           <a:prstGeom prst="rect">
             <a:avLst/>
@@ -5050,7 +5064,7 @@
         <p:txBody>
           <a:bodyPr lIns="0" rIns="0" tIns="0" bIns="0"/>
           <a:p>
-            <a:pPr marL="432000" indent="-323280">
+            <a:pPr marL="432000" indent="-322920">
               <a:lnSpc>
                 <a:spcPct val="100000"/>
               </a:lnSpc>
@@ -5089,7 +5103,7 @@
             </a:endParaRPr>
           </a:p>
           <a:p>
-            <a:pPr marL="432000" indent="-323280">
+            <a:pPr marL="432000" indent="-322920">
               <a:lnSpc>
                 <a:spcPct val="100000"/>
               </a:lnSpc>
@@ -5128,7 +5142,7 @@
             </a:endParaRPr>
           </a:p>
           <a:p>
-            <a:pPr marL="432000" indent="-323280">
+            <a:pPr marL="432000" indent="-322920">
               <a:lnSpc>
                 <a:spcPct val="100000"/>
               </a:lnSpc>
@@ -5191,7 +5205,7 @@
               <a:tr h="668160">
                 <a:tc>
                   <a:txBody>
-                    <a:bodyPr lIns="90000" rIns="90000" tIns="46800" bIns="46800"/>
+                    <a:bodyPr lIns="90000" rIns="90000"/>
                     <a:p>
                       <a:pPr algn="ctr">
                         <a:lnSpc>
@@ -5212,7 +5226,7 @@
                         </a:rPr>
                         <a:t>2-2</a:t>
                       </a:r>
-                      <a:endParaRPr b="0" lang="en-GB" sz="2600" spc="-1" strike="noStrike">
+                      <a:endParaRPr b="0" lang="en-GB" sz="1800" spc="-1" strike="noStrike">
                         <a:solidFill>
                           <a:srgbClr val="000000"/>
                         </a:solidFill>
@@ -5253,7 +5267,7 @@
                 </a:tc>
                 <a:tc>
                   <a:txBody>
-                    <a:bodyPr lIns="90000" rIns="90000" tIns="46800" bIns="46800"/>
+                    <a:bodyPr lIns="90000" rIns="90000"/>
                     <a:p>
                       <a:pPr algn="ctr">
                         <a:lnSpc>
@@ -5274,7 +5288,7 @@
                         </a:rPr>
                         <a:t>2-4</a:t>
                       </a:r>
-                      <a:endParaRPr b="0" lang="en-GB" sz="2600" spc="-1" strike="noStrike">
+                      <a:endParaRPr b="0" lang="en-GB" sz="1800" spc="-1" strike="noStrike">
                         <a:solidFill>
                           <a:srgbClr val="000000"/>
                         </a:solidFill>
@@ -5315,7 +5329,7 @@
                 </a:tc>
                 <a:tc>
                   <a:txBody>
-                    <a:bodyPr lIns="90000" rIns="90000" tIns="46800" bIns="46800"/>
+                    <a:bodyPr lIns="90000" rIns="90000"/>
                     <a:p>
                       <a:pPr algn="ctr">
                         <a:lnSpc>
@@ -5336,7 +5350,7 @@
                         </a:rPr>
                         <a:t>2-7</a:t>
                       </a:r>
-                      <a:endParaRPr b="0" lang="en-GB" sz="2600" spc="-1" strike="noStrike">
+                      <a:endParaRPr b="0" lang="en-GB" sz="1800" spc="-1" strike="noStrike">
                         <a:solidFill>
                           <a:srgbClr val="000000"/>
                         </a:solidFill>
@@ -5377,7 +5391,7 @@
                 </a:tc>
                 <a:tc>
                   <a:txBody>
-                    <a:bodyPr lIns="90000" rIns="90000" tIns="46800" bIns="46800"/>
+                    <a:bodyPr lIns="90000" rIns="90000"/>
                     <a:p>
                       <a:pPr algn="ctr">
                         <a:lnSpc>
@@ -5398,7 +5412,7 @@
                         </a:rPr>
                         <a:t>2-10</a:t>
                       </a:r>
-                      <a:endParaRPr b="0" lang="en-GB" sz="2600" spc="-1" strike="noStrike">
+                      <a:endParaRPr b="0" lang="en-GB" sz="1800" spc="-1" strike="noStrike">
                         <a:solidFill>
                           <a:srgbClr val="000000"/>
                         </a:solidFill>
@@ -5440,8 +5454,778 @@
               </a:tr>
               <a:tr h="668160">
                 <a:tc>
+                  <a:tcPr marL="90000" marR="90000">
+                    <a:lnL w="720">
+                      <a:solidFill>
+                        <a:srgbClr val="ffffff"/>
+                      </a:solidFill>
+                    </a:lnL>
+                    <a:lnR w="720">
+                      <a:solidFill>
+                        <a:srgbClr val="ffffff"/>
+                      </a:solidFill>
+                    </a:lnR>
+                    <a:lnT w="720">
+                      <a:solidFill>
+                        <a:srgbClr val="ffffff"/>
+                      </a:solidFill>
+                    </a:lnT>
+                    <a:lnB w="720">
+                      <a:solidFill>
+                        <a:srgbClr val="ffffff"/>
+                      </a:solidFill>
+                    </a:lnB>
+                    <a:solidFill>
+                      <a:srgbClr val="ccccff"/>
+                    </a:solidFill>
+                  </a:tcPr>
+                </a:tc>
+                <a:tc>
+                  <a:tcPr marL="90000" marR="90000">
+                    <a:lnL w="720">
+                      <a:solidFill>
+                        <a:srgbClr val="ffffff"/>
+                      </a:solidFill>
+                    </a:lnL>
+                    <a:lnR w="720">
+                      <a:solidFill>
+                        <a:srgbClr val="ffffff"/>
+                      </a:solidFill>
+                    </a:lnR>
+                    <a:lnT w="720">
+                      <a:solidFill>
+                        <a:srgbClr val="ffffff"/>
+                      </a:solidFill>
+                    </a:lnT>
+                    <a:lnB w="720">
+                      <a:solidFill>
+                        <a:srgbClr val="ffffff"/>
+                      </a:solidFill>
+                    </a:lnB>
+                    <a:solidFill>
+                      <a:srgbClr val="ccccff"/>
+                    </a:solidFill>
+                  </a:tcPr>
+                </a:tc>
+                <a:tc>
+                  <a:tcPr marL="90000" marR="90000">
+                    <a:lnL w="720">
+                      <a:solidFill>
+                        <a:srgbClr val="ffffff"/>
+                      </a:solidFill>
+                    </a:lnL>
+                    <a:lnR w="720">
+                      <a:solidFill>
+                        <a:srgbClr val="ffffff"/>
+                      </a:solidFill>
+                    </a:lnR>
+                    <a:lnT w="720">
+                      <a:solidFill>
+                        <a:srgbClr val="ffffff"/>
+                      </a:solidFill>
+                    </a:lnT>
+                    <a:lnB w="720">
+                      <a:solidFill>
+                        <a:srgbClr val="ffffff"/>
+                      </a:solidFill>
+                    </a:lnB>
+                    <a:solidFill>
+                      <a:srgbClr val="ccccff"/>
+                    </a:solidFill>
+                  </a:tcPr>
+                </a:tc>
+                <a:tc>
+                  <a:tcPr marL="90000" marR="90000">
+                    <a:lnL w="720">
+                      <a:solidFill>
+                        <a:srgbClr val="ffffff"/>
+                      </a:solidFill>
+                    </a:lnL>
+                    <a:lnR w="720">
+                      <a:solidFill>
+                        <a:srgbClr val="ffffff"/>
+                      </a:solidFill>
+                    </a:lnR>
+                    <a:lnT w="720">
+                      <a:solidFill>
+                        <a:srgbClr val="ffffff"/>
+                      </a:solidFill>
+                    </a:lnT>
+                    <a:lnB w="720">
+                      <a:solidFill>
+                        <a:srgbClr val="ffffff"/>
+                      </a:solidFill>
+                    </a:lnB>
+                    <a:solidFill>
+                      <a:srgbClr val="ccccff"/>
+                    </a:solidFill>
+                  </a:tcPr>
+                </a:tc>
+              </a:tr>
+              <a:tr h="668160">
+                <a:tc>
+                  <a:tcPr marL="90000" marR="90000">
+                    <a:lnL w="720">
+                      <a:solidFill>
+                        <a:srgbClr val="ffffff"/>
+                      </a:solidFill>
+                    </a:lnL>
+                    <a:lnR w="720">
+                      <a:solidFill>
+                        <a:srgbClr val="ffffff"/>
+                      </a:solidFill>
+                    </a:lnR>
+                    <a:lnT w="720">
+                      <a:solidFill>
+                        <a:srgbClr val="ffffff"/>
+                      </a:solidFill>
+                    </a:lnT>
+                    <a:lnB w="720">
+                      <a:solidFill>
+                        <a:srgbClr val="ffffff"/>
+                      </a:solidFill>
+                    </a:lnB>
+                    <a:solidFill>
+                      <a:srgbClr val="e6e6ff"/>
+                    </a:solidFill>
+                  </a:tcPr>
+                </a:tc>
+                <a:tc>
+                  <a:tcPr marL="90000" marR="90000">
+                    <a:lnL w="720">
+                      <a:solidFill>
+                        <a:srgbClr val="ffffff"/>
+                      </a:solidFill>
+                    </a:lnL>
+                    <a:lnR w="720">
+                      <a:solidFill>
+                        <a:srgbClr val="ffffff"/>
+                      </a:solidFill>
+                    </a:lnR>
+                    <a:lnT w="720">
+                      <a:solidFill>
+                        <a:srgbClr val="ffffff"/>
+                      </a:solidFill>
+                    </a:lnT>
+                    <a:lnB w="720">
+                      <a:solidFill>
+                        <a:srgbClr val="ffffff"/>
+                      </a:solidFill>
+                    </a:lnB>
+                    <a:solidFill>
+                      <a:srgbClr val="e6e6ff"/>
+                    </a:solidFill>
+                  </a:tcPr>
+                </a:tc>
+                <a:tc>
+                  <a:tcPr marL="90000" marR="90000">
+                    <a:lnL w="720">
+                      <a:solidFill>
+                        <a:srgbClr val="ffffff"/>
+                      </a:solidFill>
+                    </a:lnL>
+                    <a:lnR w="720">
+                      <a:solidFill>
+                        <a:srgbClr val="ffffff"/>
+                      </a:solidFill>
+                    </a:lnR>
+                    <a:lnT w="720">
+                      <a:solidFill>
+                        <a:srgbClr val="ffffff"/>
+                      </a:solidFill>
+                    </a:lnT>
+                    <a:lnB w="720">
+                      <a:solidFill>
+                        <a:srgbClr val="ffffff"/>
+                      </a:solidFill>
+                    </a:lnB>
+                    <a:solidFill>
+                      <a:srgbClr val="e6e6ff"/>
+                    </a:solidFill>
+                  </a:tcPr>
+                </a:tc>
+                <a:tc>
+                  <a:tcPr marL="90000" marR="90000">
+                    <a:lnL w="720">
+                      <a:solidFill>
+                        <a:srgbClr val="ffffff"/>
+                      </a:solidFill>
+                    </a:lnL>
+                    <a:lnR w="720">
+                      <a:solidFill>
+                        <a:srgbClr val="ffffff"/>
+                      </a:solidFill>
+                    </a:lnR>
+                    <a:lnT w="720">
+                      <a:solidFill>
+                        <a:srgbClr val="ffffff"/>
+                      </a:solidFill>
+                    </a:lnT>
+                    <a:lnB w="720">
+                      <a:solidFill>
+                        <a:srgbClr val="ffffff"/>
+                      </a:solidFill>
+                    </a:lnB>
+                    <a:solidFill>
+                      <a:srgbClr val="e6e6ff"/>
+                    </a:solidFill>
+                  </a:tcPr>
+                </a:tc>
+              </a:tr>
+              <a:tr h="668160">
+                <a:tc>
+                  <a:tcPr marL="90000" marR="90000">
+                    <a:lnL w="720">
+                      <a:solidFill>
+                        <a:srgbClr val="ffffff"/>
+                      </a:solidFill>
+                    </a:lnL>
+                    <a:lnR w="720">
+                      <a:solidFill>
+                        <a:srgbClr val="ffffff"/>
+                      </a:solidFill>
+                    </a:lnR>
+                    <a:lnT w="720">
+                      <a:solidFill>
+                        <a:srgbClr val="ffffff"/>
+                      </a:solidFill>
+                    </a:lnT>
+                    <a:lnB w="720">
+                      <a:solidFill>
+                        <a:srgbClr val="ffffff"/>
+                      </a:solidFill>
+                    </a:lnB>
+                    <a:solidFill>
+                      <a:srgbClr val="ccccff"/>
+                    </a:solidFill>
+                  </a:tcPr>
+                </a:tc>
+                <a:tc>
+                  <a:tcPr marL="90000" marR="90000">
+                    <a:lnL w="720">
+                      <a:solidFill>
+                        <a:srgbClr val="ffffff"/>
+                      </a:solidFill>
+                    </a:lnL>
+                    <a:lnR w="720">
+                      <a:solidFill>
+                        <a:srgbClr val="ffffff"/>
+                      </a:solidFill>
+                    </a:lnR>
+                    <a:lnT w="720">
+                      <a:solidFill>
+                        <a:srgbClr val="ffffff"/>
+                      </a:solidFill>
+                    </a:lnT>
+                    <a:lnB w="720">
+                      <a:solidFill>
+                        <a:srgbClr val="ffffff"/>
+                      </a:solidFill>
+                    </a:lnB>
+                    <a:solidFill>
+                      <a:srgbClr val="ccccff"/>
+                    </a:solidFill>
+                  </a:tcPr>
+                </a:tc>
+                <a:tc>
+                  <a:tcPr marL="90000" marR="90000">
+                    <a:lnL w="720">
+                      <a:solidFill>
+                        <a:srgbClr val="ffffff"/>
+                      </a:solidFill>
+                    </a:lnL>
+                    <a:lnR w="720">
+                      <a:solidFill>
+                        <a:srgbClr val="ffffff"/>
+                      </a:solidFill>
+                    </a:lnR>
+                    <a:lnT w="720">
+                      <a:solidFill>
+                        <a:srgbClr val="ffffff"/>
+                      </a:solidFill>
+                    </a:lnT>
+                    <a:lnB w="720">
+                      <a:solidFill>
+                        <a:srgbClr val="ffffff"/>
+                      </a:solidFill>
+                    </a:lnB>
+                    <a:solidFill>
+                      <a:srgbClr val="ccccff"/>
+                    </a:solidFill>
+                  </a:tcPr>
+                </a:tc>
+                <a:tc>
+                  <a:tcPr marL="90000" marR="90000">
+                    <a:lnL w="720">
+                      <a:solidFill>
+                        <a:srgbClr val="ffffff"/>
+                      </a:solidFill>
+                    </a:lnL>
+                    <a:lnR w="720">
+                      <a:solidFill>
+                        <a:srgbClr val="ffffff"/>
+                      </a:solidFill>
+                    </a:lnR>
+                    <a:lnT w="720">
+                      <a:solidFill>
+                        <a:srgbClr val="ffffff"/>
+                      </a:solidFill>
+                    </a:lnT>
+                    <a:lnB w="720">
+                      <a:solidFill>
+                        <a:srgbClr val="ffffff"/>
+                      </a:solidFill>
+                    </a:lnB>
+                    <a:solidFill>
+                      <a:srgbClr val="ccccff"/>
+                    </a:solidFill>
+                  </a:tcPr>
+                </a:tc>
+              </a:tr>
+              <a:tr h="668160">
+                <a:tc>
+                  <a:tcPr marL="90000" marR="90000">
+                    <a:lnL w="720">
+                      <a:solidFill>
+                        <a:srgbClr val="ffffff"/>
+                      </a:solidFill>
+                    </a:lnL>
+                    <a:lnR w="720">
+                      <a:solidFill>
+                        <a:srgbClr val="ffffff"/>
+                      </a:solidFill>
+                    </a:lnR>
+                    <a:lnT w="720">
+                      <a:solidFill>
+                        <a:srgbClr val="ffffff"/>
+                      </a:solidFill>
+                    </a:lnT>
+                    <a:lnB w="720">
+                      <a:solidFill>
+                        <a:srgbClr val="ffffff"/>
+                      </a:solidFill>
+                    </a:lnB>
+                    <a:solidFill>
+                      <a:srgbClr val="e6e6ff"/>
+                    </a:solidFill>
+                  </a:tcPr>
+                </a:tc>
+                <a:tc>
+                  <a:tcPr marL="90000" marR="90000">
+                    <a:lnL w="720">
+                      <a:solidFill>
+                        <a:srgbClr val="ffffff"/>
+                      </a:solidFill>
+                    </a:lnL>
+                    <a:lnR w="720">
+                      <a:solidFill>
+                        <a:srgbClr val="ffffff"/>
+                      </a:solidFill>
+                    </a:lnR>
+                    <a:lnT w="720">
+                      <a:solidFill>
+                        <a:srgbClr val="ffffff"/>
+                      </a:solidFill>
+                    </a:lnT>
+                    <a:lnB w="720">
+                      <a:solidFill>
+                        <a:srgbClr val="ffffff"/>
+                      </a:solidFill>
+                    </a:lnB>
+                    <a:solidFill>
+                      <a:srgbClr val="e6e6ff"/>
+                    </a:solidFill>
+                  </a:tcPr>
+                </a:tc>
+                <a:tc>
+                  <a:tcPr marL="90000" marR="90000">
+                    <a:lnL w="720">
+                      <a:solidFill>
+                        <a:srgbClr val="ffffff"/>
+                      </a:solidFill>
+                    </a:lnL>
+                    <a:lnR w="720">
+                      <a:solidFill>
+                        <a:srgbClr val="ffffff"/>
+                      </a:solidFill>
+                    </a:lnR>
+                    <a:lnT w="720">
+                      <a:solidFill>
+                        <a:srgbClr val="ffffff"/>
+                      </a:solidFill>
+                    </a:lnT>
+                    <a:lnB w="720">
+                      <a:solidFill>
+                        <a:srgbClr val="ffffff"/>
+                      </a:solidFill>
+                    </a:lnB>
+                    <a:solidFill>
+                      <a:srgbClr val="e6e6ff"/>
+                    </a:solidFill>
+                  </a:tcPr>
+                </a:tc>
+                <a:tc>
+                  <a:tcPr marL="90000" marR="90000">
+                    <a:lnL w="720">
+                      <a:solidFill>
+                        <a:srgbClr val="ffffff"/>
+                      </a:solidFill>
+                    </a:lnL>
+                    <a:lnR w="720">
+                      <a:solidFill>
+                        <a:srgbClr val="ffffff"/>
+                      </a:solidFill>
+                    </a:lnR>
+                    <a:lnT w="720">
+                      <a:solidFill>
+                        <a:srgbClr val="ffffff"/>
+                      </a:solidFill>
+                    </a:lnT>
+                    <a:lnB w="720">
+                      <a:solidFill>
+                        <a:srgbClr val="ffffff"/>
+                      </a:solidFill>
+                    </a:lnB>
+                    <a:solidFill>
+                      <a:srgbClr val="e6e6ff"/>
+                    </a:solidFill>
+                  </a:tcPr>
+                </a:tc>
+              </a:tr>
+              <a:tr h="668160">
+                <a:tc>
+                  <a:tcPr marL="90000" marR="90000">
+                    <a:lnL w="720">
+                      <a:solidFill>
+                        <a:srgbClr val="ffffff"/>
+                      </a:solidFill>
+                    </a:lnL>
+                    <a:lnR w="720">
+                      <a:solidFill>
+                        <a:srgbClr val="ffffff"/>
+                      </a:solidFill>
+                    </a:lnR>
+                    <a:lnT w="720">
+                      <a:solidFill>
+                        <a:srgbClr val="ffffff"/>
+                      </a:solidFill>
+                    </a:lnT>
+                    <a:lnB w="720">
+                      <a:solidFill>
+                        <a:srgbClr val="ffffff"/>
+                      </a:solidFill>
+                    </a:lnB>
+                    <a:solidFill>
+                      <a:srgbClr val="ccccff"/>
+                    </a:solidFill>
+                  </a:tcPr>
+                </a:tc>
+                <a:tc>
+                  <a:tcPr marL="90000" marR="90000">
+                    <a:lnL w="720">
+                      <a:solidFill>
+                        <a:srgbClr val="ffffff"/>
+                      </a:solidFill>
+                    </a:lnL>
+                    <a:lnR w="720">
+                      <a:solidFill>
+                        <a:srgbClr val="ffffff"/>
+                      </a:solidFill>
+                    </a:lnR>
+                    <a:lnT w="720">
+                      <a:solidFill>
+                        <a:srgbClr val="ffffff"/>
+                      </a:solidFill>
+                    </a:lnT>
+                    <a:lnB w="720">
+                      <a:solidFill>
+                        <a:srgbClr val="ffffff"/>
+                      </a:solidFill>
+                    </a:lnB>
+                    <a:solidFill>
+                      <a:srgbClr val="ccccff"/>
+                    </a:solidFill>
+                  </a:tcPr>
+                </a:tc>
+                <a:tc>
+                  <a:tcPr marL="90000" marR="90000">
+                    <a:lnL w="720">
+                      <a:solidFill>
+                        <a:srgbClr val="ffffff"/>
+                      </a:solidFill>
+                    </a:lnL>
+                    <a:lnR w="720">
+                      <a:solidFill>
+                        <a:srgbClr val="ffffff"/>
+                      </a:solidFill>
+                    </a:lnR>
+                    <a:lnT w="720">
+                      <a:solidFill>
+                        <a:srgbClr val="ffffff"/>
+                      </a:solidFill>
+                    </a:lnT>
+                    <a:lnB w="720">
+                      <a:solidFill>
+                        <a:srgbClr val="ffffff"/>
+                      </a:solidFill>
+                    </a:lnB>
+                    <a:solidFill>
+                      <a:srgbClr val="ccccff"/>
+                    </a:solidFill>
+                  </a:tcPr>
+                </a:tc>
+                <a:tc>
+                  <a:tcPr marL="90000" marR="90000">
+                    <a:lnL w="720">
+                      <a:solidFill>
+                        <a:srgbClr val="ffffff"/>
+                      </a:solidFill>
+                    </a:lnL>
+                    <a:lnR w="720">
+                      <a:solidFill>
+                        <a:srgbClr val="ffffff"/>
+                      </a:solidFill>
+                    </a:lnR>
+                    <a:lnT w="720">
+                      <a:solidFill>
+                        <a:srgbClr val="ffffff"/>
+                      </a:solidFill>
+                    </a:lnT>
+                    <a:lnB w="720">
+                      <a:solidFill>
+                        <a:srgbClr val="ffffff"/>
+                      </a:solidFill>
+                    </a:lnB>
+                    <a:solidFill>
+                      <a:srgbClr val="ccccff"/>
+                    </a:solidFill>
+                  </a:tcPr>
+                </a:tc>
+              </a:tr>
+              <a:tr h="668160">
+                <a:tc>
+                  <a:tcPr marL="90000" marR="90000">
+                    <a:lnL w="720">
+                      <a:solidFill>
+                        <a:srgbClr val="ffffff"/>
+                      </a:solidFill>
+                    </a:lnL>
+                    <a:lnR w="720">
+                      <a:solidFill>
+                        <a:srgbClr val="ffffff"/>
+                      </a:solidFill>
+                    </a:lnR>
+                    <a:lnT w="720">
+                      <a:solidFill>
+                        <a:srgbClr val="ffffff"/>
+                      </a:solidFill>
+                    </a:lnT>
+                    <a:lnB w="720">
+                      <a:solidFill>
+                        <a:srgbClr val="ffffff"/>
+                      </a:solidFill>
+                    </a:lnB>
+                    <a:solidFill>
+                      <a:srgbClr val="e6e6ff"/>
+                    </a:solidFill>
+                  </a:tcPr>
+                </a:tc>
+                <a:tc>
+                  <a:tcPr marL="90000" marR="90000">
+                    <a:lnL w="720">
+                      <a:solidFill>
+                        <a:srgbClr val="ffffff"/>
+                      </a:solidFill>
+                    </a:lnL>
+                    <a:lnR w="720">
+                      <a:solidFill>
+                        <a:srgbClr val="ffffff"/>
+                      </a:solidFill>
+                    </a:lnR>
+                    <a:lnT w="720">
+                      <a:solidFill>
+                        <a:srgbClr val="ffffff"/>
+                      </a:solidFill>
+                    </a:lnT>
+                    <a:lnB w="720">
+                      <a:solidFill>
+                        <a:srgbClr val="ffffff"/>
+                      </a:solidFill>
+                    </a:lnB>
+                    <a:solidFill>
+                      <a:srgbClr val="e6e6ff"/>
+                    </a:solidFill>
+                  </a:tcPr>
+                </a:tc>
+                <a:tc>
+                  <a:tcPr marL="90000" marR="90000">
+                    <a:lnL w="720">
+                      <a:solidFill>
+                        <a:srgbClr val="ffffff"/>
+                      </a:solidFill>
+                    </a:lnL>
+                    <a:lnR w="720">
+                      <a:solidFill>
+                        <a:srgbClr val="ffffff"/>
+                      </a:solidFill>
+                    </a:lnR>
+                    <a:lnT w="720">
+                      <a:solidFill>
+                        <a:srgbClr val="ffffff"/>
+                      </a:solidFill>
+                    </a:lnT>
+                    <a:lnB w="720">
+                      <a:solidFill>
+                        <a:srgbClr val="ffffff"/>
+                      </a:solidFill>
+                    </a:lnB>
+                    <a:solidFill>
+                      <a:srgbClr val="e6e6ff"/>
+                    </a:solidFill>
+                  </a:tcPr>
+                </a:tc>
+                <a:tc>
+                  <a:tcPr marL="90000" marR="90000">
+                    <a:lnL w="720">
+                      <a:solidFill>
+                        <a:srgbClr val="ffffff"/>
+                      </a:solidFill>
+                    </a:lnL>
+                    <a:lnR w="720">
+                      <a:solidFill>
+                        <a:srgbClr val="ffffff"/>
+                      </a:solidFill>
+                    </a:lnR>
+                    <a:lnT w="720">
+                      <a:solidFill>
+                        <a:srgbClr val="ffffff"/>
+                      </a:solidFill>
+                    </a:lnT>
+                    <a:lnB w="720">
+                      <a:solidFill>
+                        <a:srgbClr val="ffffff"/>
+                      </a:solidFill>
+                    </a:lnB>
+                    <a:solidFill>
+                      <a:srgbClr val="e6e6ff"/>
+                    </a:solidFill>
+                  </a:tcPr>
+                </a:tc>
+              </a:tr>
+              <a:tr h="668160">
+                <a:tc>
+                  <a:tcPr marL="90000" marR="90000">
+                    <a:lnL w="720">
+                      <a:solidFill>
+                        <a:srgbClr val="ffffff"/>
+                      </a:solidFill>
+                    </a:lnL>
+                    <a:lnR w="720">
+                      <a:solidFill>
+                        <a:srgbClr val="ffffff"/>
+                      </a:solidFill>
+                    </a:lnR>
+                    <a:lnT w="720">
+                      <a:solidFill>
+                        <a:srgbClr val="ffffff"/>
+                      </a:solidFill>
+                    </a:lnT>
+                    <a:lnB w="720">
+                      <a:solidFill>
+                        <a:srgbClr val="ffffff"/>
+                      </a:solidFill>
+                    </a:lnB>
+                    <a:solidFill>
+                      <a:srgbClr val="ccccff"/>
+                    </a:solidFill>
+                  </a:tcPr>
+                </a:tc>
+                <a:tc>
+                  <a:tcPr marL="90000" marR="90000">
+                    <a:lnL w="720">
+                      <a:solidFill>
+                        <a:srgbClr val="ffffff"/>
+                      </a:solidFill>
+                    </a:lnL>
+                    <a:lnR w="720">
+                      <a:solidFill>
+                        <a:srgbClr val="ffffff"/>
+                      </a:solidFill>
+                    </a:lnR>
+                    <a:lnT w="720">
+                      <a:solidFill>
+                        <a:srgbClr val="ffffff"/>
+                      </a:solidFill>
+                    </a:lnT>
+                    <a:lnB w="720">
+                      <a:solidFill>
+                        <a:srgbClr val="ffffff"/>
+                      </a:solidFill>
+                    </a:lnB>
+                    <a:solidFill>
+                      <a:srgbClr val="ccccff"/>
+                    </a:solidFill>
+                  </a:tcPr>
+                </a:tc>
+                <a:tc>
+                  <a:tcPr marL="90000" marR="90000">
+                    <a:lnL w="720">
+                      <a:solidFill>
+                        <a:srgbClr val="ffffff"/>
+                      </a:solidFill>
+                    </a:lnL>
+                    <a:lnR w="720">
+                      <a:solidFill>
+                        <a:srgbClr val="ffffff"/>
+                      </a:solidFill>
+                    </a:lnR>
+                    <a:lnT w="720">
+                      <a:solidFill>
+                        <a:srgbClr val="ffffff"/>
+                      </a:solidFill>
+                    </a:lnT>
+                    <a:lnB w="720">
+                      <a:solidFill>
+                        <a:srgbClr val="ffffff"/>
+                      </a:solidFill>
+                    </a:lnB>
+                    <a:solidFill>
+                      <a:srgbClr val="ccccff"/>
+                    </a:solidFill>
+                  </a:tcPr>
+                </a:tc>
+                <a:tc>
+                  <a:tcPr marL="90000" marR="90000">
+                    <a:lnL w="720">
+                      <a:solidFill>
+                        <a:srgbClr val="ffffff"/>
+                      </a:solidFill>
+                    </a:lnL>
+                    <a:lnR w="720">
+                      <a:solidFill>
+                        <a:srgbClr val="ffffff"/>
+                      </a:solidFill>
+                    </a:lnR>
+                    <a:lnT w="720">
+                      <a:solidFill>
+                        <a:srgbClr val="ffffff"/>
+                      </a:solidFill>
+                    </a:lnT>
+                    <a:lnB w="720">
+                      <a:solidFill>
+                        <a:srgbClr val="ffffff"/>
+                      </a:solidFill>
+                    </a:lnB>
+                    <a:solidFill>
+                      <a:srgbClr val="ccccff"/>
+                    </a:solidFill>
+                  </a:tcPr>
+                </a:tc>
+              </a:tr>
+              <a:tr h="668160">
+                <a:tc gridSpan="4">
                   <a:txBody>
-                    <a:bodyPr lIns="90000" rIns="90000" tIns="46800" bIns="46800"/>
+                    <a:bodyPr lIns="90000" rIns="90000" anchor="ctr"/>
                     <a:p>
                       <a:pPr algn="ctr">
                         <a:lnSpc>
@@ -5460,9 +6244,9 @@
                           </a:uFill>
                           <a:latin typeface="Arial"/>
                         </a:rPr>
-                        <a:t>4.9</a:t>
+                        <a:t>Total</a:t>
                       </a:r>
-                      <a:endParaRPr b="0" lang="en-GB" sz="2600" spc="-1" strike="noStrike">
+                      <a:endParaRPr b="0" lang="en-GB" sz="1800" spc="-1" strike="noStrike">
                         <a:solidFill>
                           <a:srgbClr val="000000"/>
                         </a:solidFill>
@@ -5497,1126 +6281,34 @@
                       </a:solidFill>
                     </a:lnB>
                     <a:solidFill>
-                      <a:srgbClr val="ccccff"/>
-                    </a:solidFill>
-                  </a:tcPr>
-                </a:tc>
-                <a:tc>
-                  <a:tcPr marL="90000" marR="90000">
-                    <a:lnL w="720">
-                      <a:solidFill>
-                        <a:srgbClr val="ffffff"/>
-                      </a:solidFill>
-                    </a:lnL>
-                    <a:lnR w="720">
-                      <a:solidFill>
-                        <a:srgbClr val="ffffff"/>
-                      </a:solidFill>
-                    </a:lnR>
-                    <a:lnT w="720">
-                      <a:solidFill>
-                        <a:srgbClr val="ffffff"/>
-                      </a:solidFill>
-                    </a:lnT>
-                    <a:lnB w="720">
-                      <a:solidFill>
-                        <a:srgbClr val="ffffff"/>
-                      </a:solidFill>
-                    </a:lnB>
-                    <a:solidFill>
-                      <a:srgbClr val="ccccff"/>
-                    </a:solidFill>
-                  </a:tcPr>
-                </a:tc>
-                <a:tc>
-                  <a:tcPr marL="90000" marR="90000">
-                    <a:lnL w="720">
-                      <a:solidFill>
-                        <a:srgbClr val="ffffff"/>
-                      </a:solidFill>
-                    </a:lnL>
-                    <a:lnR w="720">
-                      <a:solidFill>
-                        <a:srgbClr val="ffffff"/>
-                      </a:solidFill>
-                    </a:lnR>
-                    <a:lnT w="720">
-                      <a:solidFill>
-                        <a:srgbClr val="ffffff"/>
-                      </a:solidFill>
-                    </a:lnT>
-                    <a:lnB w="720">
-                      <a:solidFill>
-                        <a:srgbClr val="ffffff"/>
-                      </a:solidFill>
-                    </a:lnB>
-                    <a:solidFill>
-                      <a:srgbClr val="ccccff"/>
-                    </a:solidFill>
-                  </a:tcPr>
-                </a:tc>
-                <a:tc>
-                  <a:tcPr marL="90000" marR="90000">
-                    <a:lnL w="720">
-                      <a:solidFill>
-                        <a:srgbClr val="ffffff"/>
-                      </a:solidFill>
-                    </a:lnL>
-                    <a:lnR w="720">
-                      <a:solidFill>
-                        <a:srgbClr val="ffffff"/>
-                      </a:solidFill>
-                    </a:lnR>
-                    <a:lnT w="720">
-                      <a:solidFill>
-                        <a:srgbClr val="ffffff"/>
-                      </a:solidFill>
-                    </a:lnT>
-                    <a:lnB w="720">
-                      <a:solidFill>
-                        <a:srgbClr val="ffffff"/>
-                      </a:solidFill>
-                    </a:lnB>
-                    <a:solidFill>
-                      <a:srgbClr val="ccccff"/>
-                    </a:solidFill>
-                  </a:tcPr>
-                </a:tc>
-              </a:tr>
-              <a:tr h="668160">
-                <a:tc>
-                  <a:txBody>
-                    <a:bodyPr lIns="90000" rIns="90000" tIns="46800" bIns="46800"/>
-                    <a:p>
-                      <a:pPr algn="ctr"/>
-                      <a:r>
-                        <a:rPr b="0" lang="en-GB" sz="2600" spc="-1" strike="noStrike">
-                          <a:solidFill>
-                            <a:srgbClr val="000000"/>
-                          </a:solidFill>
-                          <a:uFill>
-                            <a:solidFill>
-                              <a:srgbClr val="ffffff"/>
-                            </a:solidFill>
-                          </a:uFill>
-                          <a:latin typeface="Arial"/>
-                        </a:rPr>
-                        <a:t>16.9</a:t>
-                      </a:r>
-                      <a:endParaRPr b="0" lang="en-GB" sz="2600" spc="-1" strike="noStrike">
-                        <a:solidFill>
-                          <a:srgbClr val="000000"/>
-                        </a:solidFill>
-                        <a:uFill>
-                          <a:solidFill>
-                            <a:srgbClr val="ffffff"/>
-                          </a:solidFill>
-                        </a:uFill>
-                        <a:latin typeface="Arial"/>
-                      </a:endParaRPr>
-                    </a:p>
-                  </a:txBody>
-                  <a:tcPr marL="90000" marR="90000">
-                    <a:lnL w="720">
-                      <a:solidFill>
-                        <a:srgbClr val="ffffff"/>
-                      </a:solidFill>
-                    </a:lnL>
-                    <a:lnR w="720">
-                      <a:solidFill>
-                        <a:srgbClr val="ffffff"/>
-                      </a:solidFill>
-                    </a:lnR>
-                    <a:lnT w="720">
-                      <a:solidFill>
-                        <a:srgbClr val="ffffff"/>
-                      </a:solidFill>
-                    </a:lnT>
-                    <a:lnB w="720">
-                      <a:solidFill>
-                        <a:srgbClr val="ffffff"/>
-                      </a:solidFill>
-                    </a:lnB>
-                    <a:solidFill>
                       <a:srgbClr val="e6e6ff"/>
                     </a:solidFill>
                   </a:tcPr>
                 </a:tc>
-                <a:tc>
-                  <a:tcPr marL="90000" marR="90000">
-                    <a:lnL w="720">
-                      <a:solidFill>
-                        <a:srgbClr val="ffffff"/>
-                      </a:solidFill>
-                    </a:lnL>
-                    <a:lnR w="720">
-                      <a:solidFill>
-                        <a:srgbClr val="ffffff"/>
-                      </a:solidFill>
-                    </a:lnR>
-                    <a:lnT w="720">
-                      <a:solidFill>
-                        <a:srgbClr val="ffffff"/>
-                      </a:solidFill>
-                    </a:lnT>
-                    <a:lnB w="720">
-                      <a:solidFill>
-                        <a:srgbClr val="ffffff"/>
-                      </a:solidFill>
-                    </a:lnB>
-                    <a:solidFill>
-                      <a:srgbClr val="e6e6ff"/>
-                    </a:solidFill>
-                  </a:tcPr>
-                </a:tc>
-                <a:tc>
-                  <a:tcPr marL="90000" marR="90000">
-                    <a:lnL w="720">
-                      <a:solidFill>
-                        <a:srgbClr val="ffffff"/>
-                      </a:solidFill>
-                    </a:lnL>
-                    <a:lnR w="720">
-                      <a:solidFill>
-                        <a:srgbClr val="ffffff"/>
-                      </a:solidFill>
-                    </a:lnR>
-                    <a:lnT w="720">
-                      <a:solidFill>
-                        <a:srgbClr val="ffffff"/>
-                      </a:solidFill>
-                    </a:lnT>
-                    <a:lnB w="720">
-                      <a:solidFill>
-                        <a:srgbClr val="ffffff"/>
-                      </a:solidFill>
-                    </a:lnB>
-                    <a:solidFill>
-                      <a:srgbClr val="e6e6ff"/>
-                    </a:solidFill>
-                  </a:tcPr>
-                </a:tc>
-                <a:tc>
-                  <a:tcPr marL="90000" marR="90000">
-                    <a:lnL w="720">
-                      <a:solidFill>
-                        <a:srgbClr val="ffffff"/>
-                      </a:solidFill>
-                    </a:lnL>
-                    <a:lnR w="720">
-                      <a:solidFill>
-                        <a:srgbClr val="ffffff"/>
-                      </a:solidFill>
-                    </a:lnR>
-                    <a:lnT w="720">
-                      <a:solidFill>
-                        <a:srgbClr val="ffffff"/>
-                      </a:solidFill>
-                    </a:lnT>
-                    <a:lnB w="720">
-                      <a:solidFill>
-                        <a:srgbClr val="ffffff"/>
-                      </a:solidFill>
-                    </a:lnB>
-                    <a:solidFill>
-                      <a:srgbClr val="e6e6ff"/>
-                    </a:solidFill>
-                  </a:tcPr>
-                </a:tc>
-              </a:tr>
-              <a:tr h="668160">
-                <a:tc>
-                  <a:txBody>
-                    <a:bodyPr lIns="90000" rIns="90000" tIns="46800" bIns="46800"/>
-                    <a:p>
-                      <a:pPr algn="ctr"/>
-                      <a:r>
-                        <a:rPr b="0" lang="en-GB" sz="2600" spc="-1" strike="noStrike">
-                          <a:solidFill>
-                            <a:srgbClr val="000000"/>
-                          </a:solidFill>
-                          <a:uFill>
-                            <a:solidFill>
-                              <a:srgbClr val="ffffff"/>
-                            </a:solidFill>
-                          </a:uFill>
-                          <a:latin typeface="Arial"/>
-                        </a:rPr>
-                        <a:t>15.1</a:t>
-                      </a:r>
-                      <a:endParaRPr b="0" lang="en-GB" sz="2600" spc="-1" strike="noStrike">
-                        <a:solidFill>
-                          <a:srgbClr val="000000"/>
-                        </a:solidFill>
-                        <a:uFill>
-                          <a:solidFill>
-                            <a:srgbClr val="ffffff"/>
-                          </a:solidFill>
-                        </a:uFill>
-                        <a:latin typeface="Arial"/>
-                      </a:endParaRPr>
-                    </a:p>
-                  </a:txBody>
-                  <a:tcPr marL="90000" marR="90000">
-                    <a:lnL w="720">
-                      <a:solidFill>
-                        <a:srgbClr val="ffffff"/>
-                      </a:solidFill>
-                    </a:lnL>
-                    <a:lnR w="720">
-                      <a:solidFill>
-                        <a:srgbClr val="ffffff"/>
-                      </a:solidFill>
-                    </a:lnR>
-                    <a:lnT w="720">
-                      <a:solidFill>
-                        <a:srgbClr val="ffffff"/>
-                      </a:solidFill>
-                    </a:lnT>
-                    <a:lnB w="720">
-                      <a:solidFill>
-                        <a:srgbClr val="ffffff"/>
-                      </a:solidFill>
-                    </a:lnB>
-                    <a:solidFill>
-                      <a:srgbClr val="ccccff"/>
-                    </a:solidFill>
-                  </a:tcPr>
-                </a:tc>
-                <a:tc>
-                  <a:tcPr marL="90000" marR="90000">
-                    <a:lnL w="720">
-                      <a:solidFill>
-                        <a:srgbClr val="ffffff"/>
-                      </a:solidFill>
-                    </a:lnL>
-                    <a:lnR w="720">
-                      <a:solidFill>
-                        <a:srgbClr val="ffffff"/>
-                      </a:solidFill>
-                    </a:lnR>
-                    <a:lnT w="720">
-                      <a:solidFill>
-                        <a:srgbClr val="ffffff"/>
-                      </a:solidFill>
-                    </a:lnT>
-                    <a:lnB w="720">
-                      <a:solidFill>
-                        <a:srgbClr val="ffffff"/>
-                      </a:solidFill>
-                    </a:lnB>
-                    <a:solidFill>
-                      <a:srgbClr val="ccccff"/>
-                    </a:solidFill>
-                  </a:tcPr>
-                </a:tc>
-                <a:tc>
-                  <a:tcPr marL="90000" marR="90000">
-                    <a:lnL w="720">
-                      <a:solidFill>
-                        <a:srgbClr val="ffffff"/>
-                      </a:solidFill>
-                    </a:lnL>
-                    <a:lnR w="720">
-                      <a:solidFill>
-                        <a:srgbClr val="ffffff"/>
-                      </a:solidFill>
-                    </a:lnR>
-                    <a:lnT w="720">
-                      <a:solidFill>
-                        <a:srgbClr val="ffffff"/>
-                      </a:solidFill>
-                    </a:lnT>
-                    <a:lnB w="720">
-                      <a:solidFill>
-                        <a:srgbClr val="ffffff"/>
-                      </a:solidFill>
-                    </a:lnB>
-                    <a:solidFill>
-                      <a:srgbClr val="ccccff"/>
-                    </a:solidFill>
-                  </a:tcPr>
-                </a:tc>
-                <a:tc>
-                  <a:tcPr marL="90000" marR="90000">
-                    <a:lnL w="720">
-                      <a:solidFill>
-                        <a:srgbClr val="ffffff"/>
-                      </a:solidFill>
-                    </a:lnL>
-                    <a:lnR w="720">
-                      <a:solidFill>
-                        <a:srgbClr val="ffffff"/>
-                      </a:solidFill>
-                    </a:lnR>
-                    <a:lnT w="720">
-                      <a:solidFill>
-                        <a:srgbClr val="ffffff"/>
-                      </a:solidFill>
-                    </a:lnT>
-                    <a:lnB w="720">
-                      <a:solidFill>
-                        <a:srgbClr val="ffffff"/>
-                      </a:solidFill>
-                    </a:lnB>
-                    <a:solidFill>
-                      <a:srgbClr val="ccccff"/>
-                    </a:solidFill>
-                  </a:tcPr>
-                </a:tc>
-              </a:tr>
-              <a:tr h="668160">
-                <a:tc>
-                  <a:txBody>
-                    <a:bodyPr lIns="90000" rIns="90000" tIns="46800" bIns="46800"/>
-                    <a:p>
-                      <a:pPr algn="ctr"/>
-                      <a:r>
-                        <a:rPr b="0" lang="en-GB" sz="2600" spc="-1" strike="noStrike">
-                          <a:solidFill>
-                            <a:srgbClr val="000000"/>
-                          </a:solidFill>
-                          <a:uFill>
-                            <a:solidFill>
-                              <a:srgbClr val="ffffff"/>
-                            </a:solidFill>
-                          </a:uFill>
-                          <a:latin typeface="Arial"/>
-                        </a:rPr>
-                        <a:t>6.2</a:t>
-                      </a:r>
-                      <a:endParaRPr b="0" lang="en-GB" sz="2600" spc="-1" strike="noStrike">
-                        <a:solidFill>
-                          <a:srgbClr val="000000"/>
-                        </a:solidFill>
-                        <a:uFill>
-                          <a:solidFill>
-                            <a:srgbClr val="ffffff"/>
-                          </a:solidFill>
-                        </a:uFill>
-                        <a:latin typeface="Arial"/>
-                      </a:endParaRPr>
-                    </a:p>
-                  </a:txBody>
-                  <a:tcPr marL="90000" marR="90000">
-                    <a:lnL w="720">
-                      <a:solidFill>
-                        <a:srgbClr val="ffffff"/>
-                      </a:solidFill>
-                    </a:lnL>
-                    <a:lnR w="720">
-                      <a:solidFill>
-                        <a:srgbClr val="ffffff"/>
-                      </a:solidFill>
-                    </a:lnR>
-                    <a:lnT w="720">
-                      <a:solidFill>
-                        <a:srgbClr val="ffffff"/>
-                      </a:solidFill>
-                    </a:lnT>
-                    <a:lnB w="720">
-                      <a:solidFill>
-                        <a:srgbClr val="ffffff"/>
-                      </a:solidFill>
-                    </a:lnB>
-                    <a:solidFill>
-                      <a:srgbClr val="e6e6ff"/>
-                    </a:solidFill>
-                  </a:tcPr>
-                </a:tc>
-                <a:tc>
-                  <a:tcPr marL="90000" marR="90000">
-                    <a:lnL w="720">
-                      <a:solidFill>
-                        <a:srgbClr val="ffffff"/>
-                      </a:solidFill>
-                    </a:lnL>
-                    <a:lnR w="720">
-                      <a:solidFill>
-                        <a:srgbClr val="ffffff"/>
-                      </a:solidFill>
-                    </a:lnR>
-                    <a:lnT w="720">
-                      <a:solidFill>
-                        <a:srgbClr val="ffffff"/>
-                      </a:solidFill>
-                    </a:lnT>
-                    <a:lnB w="720">
-                      <a:solidFill>
-                        <a:srgbClr val="ffffff"/>
-                      </a:solidFill>
-                    </a:lnB>
-                    <a:solidFill>
-                      <a:srgbClr val="e6e6ff"/>
-                    </a:solidFill>
-                  </a:tcPr>
-                </a:tc>
-                <a:tc>
-                  <a:tcPr marL="90000" marR="90000">
-                    <a:lnL w="720">
-                      <a:solidFill>
-                        <a:srgbClr val="ffffff"/>
-                      </a:solidFill>
-                    </a:lnL>
-                    <a:lnR w="720">
-                      <a:solidFill>
-                        <a:srgbClr val="ffffff"/>
-                      </a:solidFill>
-                    </a:lnR>
-                    <a:lnT w="720">
-                      <a:solidFill>
-                        <a:srgbClr val="ffffff"/>
-                      </a:solidFill>
-                    </a:lnT>
-                    <a:lnB w="720">
-                      <a:solidFill>
-                        <a:srgbClr val="ffffff"/>
-                      </a:solidFill>
-                    </a:lnB>
-                    <a:solidFill>
-                      <a:srgbClr val="e6e6ff"/>
-                    </a:solidFill>
-                  </a:tcPr>
-                </a:tc>
-                <a:tc>
-                  <a:tcPr marL="90000" marR="90000">
-                    <a:lnL w="720">
-                      <a:solidFill>
-                        <a:srgbClr val="ffffff"/>
-                      </a:solidFill>
-                    </a:lnL>
-                    <a:lnR w="720">
-                      <a:solidFill>
-                        <a:srgbClr val="ffffff"/>
-                      </a:solidFill>
-                    </a:lnR>
-                    <a:lnT w="720">
-                      <a:solidFill>
-                        <a:srgbClr val="ffffff"/>
-                      </a:solidFill>
-                    </a:lnT>
-                    <a:lnB w="720">
-                      <a:solidFill>
-                        <a:srgbClr val="ffffff"/>
-                      </a:solidFill>
-                    </a:lnB>
-                    <a:solidFill>
-                      <a:srgbClr val="e6e6ff"/>
-                    </a:solidFill>
-                  </a:tcPr>
-                </a:tc>
-              </a:tr>
-              <a:tr h="668160">
-                <a:tc>
-                  <a:txBody>
-                    <a:bodyPr lIns="90000" rIns="90000" tIns="46800" bIns="46800"/>
-                    <a:p>
-                      <a:pPr algn="ctr"/>
-                      <a:r>
-                        <a:rPr b="0" lang="en-GB" sz="2600" spc="-1" strike="noStrike">
-                          <a:solidFill>
-                            <a:srgbClr val="000000"/>
-                          </a:solidFill>
-                          <a:uFill>
-                            <a:solidFill>
-                              <a:srgbClr val="ffffff"/>
-                            </a:solidFill>
-                          </a:uFill>
-                          <a:latin typeface="Arial"/>
-                        </a:rPr>
-                        <a:t>43.5</a:t>
-                      </a:r>
-                      <a:endParaRPr b="0" lang="en-GB" sz="2600" spc="-1" strike="noStrike">
-                        <a:solidFill>
-                          <a:srgbClr val="000000"/>
-                        </a:solidFill>
-                        <a:uFill>
-                          <a:solidFill>
-                            <a:srgbClr val="ffffff"/>
-                          </a:solidFill>
-                        </a:uFill>
-                        <a:latin typeface="Arial"/>
-                      </a:endParaRPr>
-                    </a:p>
-                  </a:txBody>
-                  <a:tcPr marL="90000" marR="90000">
-                    <a:lnL w="720">
-                      <a:solidFill>
-                        <a:srgbClr val="ffffff"/>
-                      </a:solidFill>
-                    </a:lnL>
-                    <a:lnR w="720">
-                      <a:solidFill>
-                        <a:srgbClr val="ffffff"/>
-                      </a:solidFill>
-                    </a:lnR>
-                    <a:lnT w="720">
-                      <a:solidFill>
-                        <a:srgbClr val="ffffff"/>
-                      </a:solidFill>
-                    </a:lnT>
-                    <a:lnB w="720">
-                      <a:solidFill>
-                        <a:srgbClr val="ffffff"/>
-                      </a:solidFill>
-                    </a:lnB>
-                    <a:solidFill>
-                      <a:srgbClr val="ccccff"/>
-                    </a:solidFill>
-                  </a:tcPr>
-                </a:tc>
-                <a:tc>
-                  <a:tcPr marL="90000" marR="90000">
-                    <a:lnL w="720">
-                      <a:solidFill>
-                        <a:srgbClr val="ffffff"/>
-                      </a:solidFill>
-                    </a:lnL>
-                    <a:lnR w="720">
-                      <a:solidFill>
-                        <a:srgbClr val="ffffff"/>
-                      </a:solidFill>
-                    </a:lnR>
-                    <a:lnT w="720">
-                      <a:solidFill>
-                        <a:srgbClr val="ffffff"/>
-                      </a:solidFill>
-                    </a:lnT>
-                    <a:lnB w="720">
-                      <a:solidFill>
-                        <a:srgbClr val="ffffff"/>
-                      </a:solidFill>
-                    </a:lnB>
-                    <a:solidFill>
-                      <a:srgbClr val="ccccff"/>
-                    </a:solidFill>
-                  </a:tcPr>
-                </a:tc>
-                <a:tc>
-                  <a:tcPr marL="90000" marR="90000">
-                    <a:lnL w="720">
-                      <a:solidFill>
-                        <a:srgbClr val="ffffff"/>
-                      </a:solidFill>
-                    </a:lnL>
-                    <a:lnR w="720">
-                      <a:solidFill>
-                        <a:srgbClr val="ffffff"/>
-                      </a:solidFill>
-                    </a:lnR>
-                    <a:lnT w="720">
-                      <a:solidFill>
-                        <a:srgbClr val="ffffff"/>
-                      </a:solidFill>
-                    </a:lnT>
-                    <a:lnB w="720">
-                      <a:solidFill>
-                        <a:srgbClr val="ffffff"/>
-                      </a:solidFill>
-                    </a:lnB>
-                    <a:solidFill>
-                      <a:srgbClr val="ccccff"/>
-                    </a:solidFill>
-                  </a:tcPr>
-                </a:tc>
-                <a:tc>
-                  <a:tcPr marL="90000" marR="90000">
-                    <a:lnL w="720">
-                      <a:solidFill>
-                        <a:srgbClr val="ffffff"/>
-                      </a:solidFill>
-                    </a:lnL>
-                    <a:lnR w="720">
-                      <a:solidFill>
-                        <a:srgbClr val="ffffff"/>
-                      </a:solidFill>
-                    </a:lnR>
-                    <a:lnT w="720">
-                      <a:solidFill>
-                        <a:srgbClr val="ffffff"/>
-                      </a:solidFill>
-                    </a:lnT>
-                    <a:lnB w="720">
-                      <a:solidFill>
-                        <a:srgbClr val="ffffff"/>
-                      </a:solidFill>
-                    </a:lnB>
-                    <a:solidFill>
-                      <a:srgbClr val="ccccff"/>
-                    </a:solidFill>
-                  </a:tcPr>
-                </a:tc>
-              </a:tr>
-              <a:tr h="668160">
-                <a:tc>
-                  <a:txBody>
-                    <a:bodyPr lIns="90000" rIns="90000" tIns="46800" bIns="46800"/>
-                    <a:p>
-                      <a:pPr algn="ctr"/>
-                      <a:r>
-                        <a:rPr b="0" lang="en-GB" sz="2600" spc="-1" strike="noStrike">
-                          <a:solidFill>
-                            <a:srgbClr val="000000"/>
-                          </a:solidFill>
-                          <a:uFill>
-                            <a:solidFill>
-                              <a:srgbClr val="ffffff"/>
-                            </a:solidFill>
-                          </a:uFill>
-                          <a:latin typeface="Arial"/>
-                        </a:rPr>
-                        <a:t>18.1</a:t>
-                      </a:r>
-                      <a:endParaRPr b="0" lang="en-GB" sz="2600" spc="-1" strike="noStrike">
-                        <a:solidFill>
-                          <a:srgbClr val="000000"/>
-                        </a:solidFill>
-                        <a:uFill>
-                          <a:solidFill>
-                            <a:srgbClr val="ffffff"/>
-                          </a:solidFill>
-                        </a:uFill>
-                        <a:latin typeface="Arial"/>
-                      </a:endParaRPr>
-                    </a:p>
-                  </a:txBody>
-                  <a:tcPr marL="90000" marR="90000">
-                    <a:lnL w="720">
-                      <a:solidFill>
-                        <a:srgbClr val="ffffff"/>
-                      </a:solidFill>
-                    </a:lnL>
-                    <a:lnR w="720">
-                      <a:solidFill>
-                        <a:srgbClr val="ffffff"/>
-                      </a:solidFill>
-                    </a:lnR>
-                    <a:lnT w="720">
-                      <a:solidFill>
-                        <a:srgbClr val="ffffff"/>
-                      </a:solidFill>
-                    </a:lnT>
-                    <a:lnB w="720">
-                      <a:solidFill>
-                        <a:srgbClr val="ffffff"/>
-                      </a:solidFill>
-                    </a:lnB>
-                    <a:solidFill>
-                      <a:srgbClr val="e6e6ff"/>
-                    </a:solidFill>
-                  </a:tcPr>
-                </a:tc>
-                <a:tc>
-                  <a:tcPr marL="90000" marR="90000">
-                    <a:lnL w="720">
-                      <a:solidFill>
-                        <a:srgbClr val="ffffff"/>
-                      </a:solidFill>
-                    </a:lnL>
-                    <a:lnR w="720">
-                      <a:solidFill>
-                        <a:srgbClr val="ffffff"/>
-                      </a:solidFill>
-                    </a:lnR>
-                    <a:lnT w="720">
-                      <a:solidFill>
-                        <a:srgbClr val="ffffff"/>
-                      </a:solidFill>
-                    </a:lnT>
-                    <a:lnB w="720">
-                      <a:solidFill>
-                        <a:srgbClr val="ffffff"/>
-                      </a:solidFill>
-                    </a:lnB>
-                    <a:solidFill>
-                      <a:srgbClr val="e6e6ff"/>
-                    </a:solidFill>
-                  </a:tcPr>
-                </a:tc>
-                <a:tc>
-                  <a:tcPr marL="90000" marR="90000">
-                    <a:lnL w="720">
-                      <a:solidFill>
-                        <a:srgbClr val="ffffff"/>
-                      </a:solidFill>
-                    </a:lnL>
-                    <a:lnR w="720">
-                      <a:solidFill>
-                        <a:srgbClr val="ffffff"/>
-                      </a:solidFill>
-                    </a:lnR>
-                    <a:lnT w="720">
-                      <a:solidFill>
-                        <a:srgbClr val="ffffff"/>
-                      </a:solidFill>
-                    </a:lnT>
-                    <a:lnB w="720">
-                      <a:solidFill>
-                        <a:srgbClr val="ffffff"/>
-                      </a:solidFill>
-                    </a:lnB>
-                    <a:solidFill>
-                      <a:srgbClr val="e6e6ff"/>
-                    </a:solidFill>
-                  </a:tcPr>
-                </a:tc>
-                <a:tc>
-                  <a:tcPr marL="90000" marR="90000">
-                    <a:lnL w="720">
-                      <a:solidFill>
-                        <a:srgbClr val="ffffff"/>
-                      </a:solidFill>
-                    </a:lnL>
-                    <a:lnR w="720">
-                      <a:solidFill>
-                        <a:srgbClr val="ffffff"/>
-                      </a:solidFill>
-                    </a:lnR>
-                    <a:lnT w="720">
-                      <a:solidFill>
-                        <a:srgbClr val="ffffff"/>
-                      </a:solidFill>
-                    </a:lnT>
-                    <a:lnB w="720">
-                      <a:solidFill>
-                        <a:srgbClr val="ffffff"/>
-                      </a:solidFill>
-                    </a:lnB>
-                    <a:solidFill>
-                      <a:srgbClr val="e6e6ff"/>
-                    </a:solidFill>
-                  </a:tcPr>
-                </a:tc>
-              </a:tr>
-              <a:tr h="668160">
-                <a:tc>
-                  <a:txBody>
-                    <a:bodyPr lIns="90000" rIns="90000" tIns="46800" bIns="46800"/>
-                    <a:p>
-                      <a:pPr algn="ctr"/>
-                      <a:r>
-                        <a:rPr b="0" lang="en-GB" sz="2600" spc="-1" strike="noStrike">
-                          <a:solidFill>
-                            <a:srgbClr val="000000"/>
-                          </a:solidFill>
-                          <a:uFill>
-                            <a:solidFill>
-                              <a:srgbClr val="ffffff"/>
-                            </a:solidFill>
-                          </a:uFill>
-                          <a:latin typeface="Arial"/>
-                        </a:rPr>
-                        <a:t>30.2</a:t>
-                      </a:r>
-                      <a:endParaRPr b="0" lang="en-GB" sz="2600" spc="-1" strike="noStrike">
-                        <a:solidFill>
-                          <a:srgbClr val="000000"/>
-                        </a:solidFill>
-                        <a:uFill>
-                          <a:solidFill>
-                            <a:srgbClr val="ffffff"/>
-                          </a:solidFill>
-                        </a:uFill>
-                        <a:latin typeface="Arial"/>
-                      </a:endParaRPr>
-                    </a:p>
-                  </a:txBody>
-                  <a:tcPr marL="90000" marR="90000">
-                    <a:lnL w="720">
-                      <a:solidFill>
-                        <a:srgbClr val="ffffff"/>
-                      </a:solidFill>
-                    </a:lnL>
-                    <a:lnR w="720">
-                      <a:solidFill>
-                        <a:srgbClr val="ffffff"/>
-                      </a:solidFill>
-                    </a:lnR>
-                    <a:lnT w="720">
-                      <a:solidFill>
-                        <a:srgbClr val="ffffff"/>
-                      </a:solidFill>
-                    </a:lnT>
-                    <a:lnB w="720">
-                      <a:solidFill>
-                        <a:srgbClr val="ffffff"/>
-                      </a:solidFill>
-                    </a:lnB>
-                    <a:solidFill>
-                      <a:srgbClr val="ccccff"/>
-                    </a:solidFill>
-                  </a:tcPr>
-                </a:tc>
-                <a:tc>
-                  <a:tcPr marL="90000" marR="90000">
-                    <a:lnL w="720">
-                      <a:solidFill>
-                        <a:srgbClr val="ffffff"/>
-                      </a:solidFill>
-                    </a:lnL>
-                    <a:lnR w="720">
-                      <a:solidFill>
-                        <a:srgbClr val="ffffff"/>
-                      </a:solidFill>
-                    </a:lnR>
-                    <a:lnT w="720">
-                      <a:solidFill>
-                        <a:srgbClr val="ffffff"/>
-                      </a:solidFill>
-                    </a:lnT>
-                    <a:lnB w="720">
-                      <a:solidFill>
-                        <a:srgbClr val="ffffff"/>
-                      </a:solidFill>
-                    </a:lnB>
-                    <a:solidFill>
-                      <a:srgbClr val="ccccff"/>
-                    </a:solidFill>
-                  </a:tcPr>
-                </a:tc>
-                <a:tc>
-                  <a:tcPr marL="90000" marR="90000">
-                    <a:lnL w="720">
-                      <a:solidFill>
-                        <a:srgbClr val="ffffff"/>
-                      </a:solidFill>
-                    </a:lnL>
-                    <a:lnR w="720">
-                      <a:solidFill>
-                        <a:srgbClr val="ffffff"/>
-                      </a:solidFill>
-                    </a:lnR>
-                    <a:lnT w="720">
-                      <a:solidFill>
-                        <a:srgbClr val="ffffff"/>
-                      </a:solidFill>
-                    </a:lnT>
-                    <a:lnB w="720">
-                      <a:solidFill>
-                        <a:srgbClr val="ffffff"/>
-                      </a:solidFill>
-                    </a:lnB>
-                    <a:solidFill>
-                      <a:srgbClr val="ccccff"/>
-                    </a:solidFill>
-                  </a:tcPr>
-                </a:tc>
-                <a:tc>
-                  <a:tcPr marL="90000" marR="90000">
-                    <a:lnL w="720">
-                      <a:solidFill>
-                        <a:srgbClr val="ffffff"/>
-                      </a:solidFill>
-                    </a:lnL>
-                    <a:lnR w="720">
-                      <a:solidFill>
-                        <a:srgbClr val="ffffff"/>
-                      </a:solidFill>
-                    </a:lnR>
-                    <a:lnT w="720">
-                      <a:solidFill>
-                        <a:srgbClr val="ffffff"/>
-                      </a:solidFill>
-                    </a:lnT>
-                    <a:lnB w="720">
-                      <a:solidFill>
-                        <a:srgbClr val="ffffff"/>
-                      </a:solidFill>
-                    </a:lnB>
-                    <a:solidFill>
-                      <a:srgbClr val="ccccff"/>
-                    </a:solidFill>
-                  </a:tcPr>
-                </a:tc>
-              </a:tr>
-              <a:tr h="668160">
-                <a:tc gridSpan="4">
-                  <a:txBody>
-                    <a:bodyPr lIns="90000" rIns="90000" tIns="46800" bIns="46800"/>
-                    <a:p>
-                      <a:pPr algn="ctr"/>
-                      <a:r>
-                        <a:rPr b="0" lang="en-GB" sz="2600" spc="-1" strike="noStrike">
-                          <a:solidFill>
-                            <a:srgbClr val="000000"/>
-                          </a:solidFill>
-                          <a:uFill>
-                            <a:solidFill>
-                              <a:srgbClr val="ffffff"/>
-                            </a:solidFill>
-                          </a:uFill>
-                          <a:latin typeface="Arial"/>
-                        </a:rPr>
-                        <a:t>Tota</a:t>
-                      </a:r>
-                      <a:r>
-                        <a:rPr b="0" lang="en-GB" sz="2600" spc="-1" strike="noStrike">
-                          <a:solidFill>
-                            <a:srgbClr val="000000"/>
-                          </a:solidFill>
-                          <a:uFill>
-                            <a:solidFill>
-                              <a:srgbClr val="ffffff"/>
-                            </a:solidFill>
-                          </a:uFill>
-                          <a:latin typeface="Arial"/>
-                        </a:rPr>
-                        <a:t>l</a:t>
-                      </a:r>
-                      <a:endParaRPr b="0" lang="en-GB" sz="2600" spc="-1" strike="noStrike">
-                        <a:solidFill>
-                          <a:srgbClr val="000000"/>
-                        </a:solidFill>
-                        <a:uFill>
-                          <a:solidFill>
-                            <a:srgbClr val="ffffff"/>
-                          </a:solidFill>
-                        </a:uFill>
-                        <a:latin typeface="Arial"/>
-                      </a:endParaRPr>
-                    </a:p>
-                  </a:txBody>
-                  <a:tcPr marL="90000" marR="90000">
-                    <a:lnL w="720">
-                      <a:solidFill>
-                        <a:srgbClr val="ffffff"/>
-                      </a:solidFill>
-                    </a:lnL>
-                    <a:lnR w="720">
-                      <a:solidFill>
-                        <a:srgbClr val="ffffff"/>
-                      </a:solidFill>
-                    </a:lnR>
-                    <a:lnT w="720">
-                      <a:solidFill>
-                        <a:srgbClr val="ffffff"/>
-                      </a:solidFill>
-                    </a:lnT>
-                    <a:lnB w="720">
-                      <a:solidFill>
-                        <a:srgbClr val="ffffff"/>
-                      </a:solidFill>
-                    </a:lnB>
-                    <a:solidFill>
-                      <a:srgbClr val="e6e6ff"/>
-                    </a:solidFill>
-                  </a:tcPr>
-                </a:tc>
                 <a:tc hMerge="1">
-                  <a:tcPr marL="90000" marR="90000">
-                    <a:lnL w="720">
-                      <a:solidFill>
-                        <a:srgbClr val="ffffff"/>
-                      </a:solidFill>
-                    </a:lnL>
-                    <a:lnR w="720">
-                      <a:solidFill>
-                        <a:srgbClr val="ffffff"/>
-                      </a:solidFill>
-                    </a:lnR>
-                    <a:lnT w="720">
-                      <a:solidFill>
-                        <a:srgbClr val="ffffff"/>
-                      </a:solidFill>
-                    </a:lnT>
-                    <a:lnB w="720">
-                      <a:solidFill>
-                        <a:srgbClr val="ffffff"/>
-                      </a:solidFill>
-                    </a:lnB>
-                    <a:solidFill>
-                      <a:srgbClr val="e6e6ff"/>
+                  <a:tcPr>
+                    <a:solidFill>
+                      <a:srgbClr val="729fcf"/>
                     </a:solidFill>
                   </a:tcPr>
                 </a:tc>
                 <a:tc hMerge="1">
-                  <a:tcPr marL="90000" marR="90000">
-                    <a:lnL w="720">
-                      <a:solidFill>
-                        <a:srgbClr val="ffffff"/>
-                      </a:solidFill>
-                    </a:lnL>
-                    <a:lnR w="720">
-                      <a:solidFill>
-                        <a:srgbClr val="ffffff"/>
-                      </a:solidFill>
-                    </a:lnR>
-                    <a:lnT w="720">
-                      <a:solidFill>
-                        <a:srgbClr val="ffffff"/>
-                      </a:solidFill>
-                    </a:lnT>
-                    <a:lnB w="720">
-                      <a:solidFill>
-                        <a:srgbClr val="ffffff"/>
-                      </a:solidFill>
-                    </a:lnB>
-                    <a:solidFill>
-                      <a:srgbClr val="e6e6ff"/>
+                  <a:tcPr>
+                    <a:solidFill>
+                      <a:srgbClr val="729fcf"/>
                     </a:solidFill>
                   </a:tcPr>
                 </a:tc>
                 <a:tc hMerge="1">
-                  <a:tcPr marL="90000" marR="90000">
-                    <a:lnL w="720">
-                      <a:solidFill>
-                        <a:srgbClr val="ffffff"/>
-                      </a:solidFill>
-                    </a:lnL>
-                    <a:lnR w="720">
-                      <a:solidFill>
-                        <a:srgbClr val="ffffff"/>
-                      </a:solidFill>
-                    </a:lnR>
-                    <a:lnT w="720">
-                      <a:solidFill>
-                        <a:srgbClr val="ffffff"/>
-                      </a:solidFill>
-                    </a:lnT>
-                    <a:lnB w="720">
-                      <a:solidFill>
-                        <a:srgbClr val="ffffff"/>
-                      </a:solidFill>
-                    </a:lnB>
-                    <a:solidFill>
-                      <a:srgbClr val="e6e6ff"/>
+                  <a:tcPr>
+                    <a:solidFill>
+                      <a:srgbClr val="729fcf"/>
                     </a:solidFill>
                   </a:tcPr>
                 </a:tc>
               </a:tr>
               <a:tr h="670320">
                 <a:tc>
-                  <a:txBody>
-                    <a:bodyPr lIns="90000" rIns="90000" tIns="46800" bIns="46800"/>
-                    <a:p>
-                      <a:pPr algn="ctr"/>
-                      <a:r>
-                        <a:rPr b="0" lang="en-GB" sz="2600" spc="-1" strike="noStrike">
-                          <a:solidFill>
-                            <a:srgbClr val="000000"/>
-                          </a:solidFill>
-                          <a:uFill>
-                            <a:solidFill>
-                              <a:srgbClr val="ffffff"/>
-                            </a:solidFill>
-                          </a:uFill>
-                          <a:latin typeface="Arial"/>
-                        </a:rPr>
-                        <a:t>19.3</a:t>
-                      </a:r>
-                      <a:endParaRPr b="0" lang="en-GB" sz="2600" spc="-1" strike="noStrike">
-                        <a:solidFill>
-                          <a:srgbClr val="000000"/>
-                        </a:solidFill>
-                        <a:uFill>
-                          <a:solidFill>
-                            <a:srgbClr val="ffffff"/>
-                          </a:solidFill>
-                        </a:uFill>
-                        <a:latin typeface="Arial"/>
-                      </a:endParaRPr>
-                    </a:p>
-                  </a:txBody>
                   <a:tcPr marL="90000" marR="90000">
                     <a:lnL w="720">
                       <a:solidFill>
@@ -6737,7 +6429,7 @@
         </p:nvGraphicFramePr>
         <p:xfrm>
           <a:off x="6166080" y="101160"/>
-          <a:ext cx="5687280" cy="6483600"/>
+          <a:ext cx="5686560" cy="6625080"/>
         </p:xfrm>
         <a:graphic>
           <a:graphicData uri="http://schemas.openxmlformats.org/drawingml/2006/table">
@@ -6752,7 +6444,7 @@
               <a:tr h="662400">
                 <a:tc>
                   <a:txBody>
-                    <a:bodyPr lIns="90000" rIns="90000" tIns="46800" bIns="46800"/>
+                    <a:bodyPr lIns="90000" rIns="90000" anchor="ctr"/>
                     <a:p>
                       <a:pPr algn="ctr">
                         <a:lnSpc>
@@ -6773,7 +6465,7 @@
                         </a:rPr>
                         <a:t>4-2</a:t>
                       </a:r>
-                      <a:endParaRPr b="0" lang="en-GB" sz="2400" spc="-1" strike="noStrike">
+                      <a:endParaRPr b="0" lang="en-GB" sz="1800" spc="-1" strike="noStrike">
                         <a:solidFill>
                           <a:srgbClr val="000000"/>
                         </a:solidFill>
@@ -6814,7 +6506,7 @@
                 </a:tc>
                 <a:tc>
                   <a:txBody>
-                    <a:bodyPr lIns="90000" rIns="90000" tIns="46800" bIns="46800"/>
+                    <a:bodyPr lIns="90000" rIns="90000" anchor="ctr"/>
                     <a:p>
                       <a:pPr algn="ctr">
                         <a:lnSpc>
@@ -6835,7 +6527,7 @@
                         </a:rPr>
                         <a:t>4-4</a:t>
                       </a:r>
-                      <a:endParaRPr b="0" lang="en-GB" sz="2400" spc="-1" strike="noStrike">
+                      <a:endParaRPr b="0" lang="en-GB" sz="1800" spc="-1" strike="noStrike">
                         <a:solidFill>
                           <a:srgbClr val="000000"/>
                         </a:solidFill>
@@ -6876,7 +6568,7 @@
                 </a:tc>
                 <a:tc>
                   <a:txBody>
-                    <a:bodyPr lIns="90000" rIns="90000" tIns="46800" bIns="46800"/>
+                    <a:bodyPr lIns="90000" rIns="90000" anchor="ctr"/>
                     <a:p>
                       <a:pPr algn="ctr">
                         <a:lnSpc>
@@ -6897,7 +6589,7 @@
                         </a:rPr>
                         <a:t>4-7</a:t>
                       </a:r>
-                      <a:endParaRPr b="0" lang="en-GB" sz="2400" spc="-1" strike="noStrike">
+                      <a:endParaRPr b="0" lang="en-GB" sz="1800" spc="-1" strike="noStrike">
                         <a:solidFill>
                           <a:srgbClr val="000000"/>
                         </a:solidFill>
@@ -6938,7 +6630,7 @@
                 </a:tc>
                 <a:tc>
                   <a:txBody>
-                    <a:bodyPr lIns="90000" rIns="90000" tIns="46800" bIns="46800"/>
+                    <a:bodyPr lIns="90000" rIns="90000" anchor="ctr"/>
                     <a:p>
                       <a:pPr algn="ctr">
                         <a:lnSpc>
@@ -6959,7 +6651,7 @@
                         </a:rPr>
                         <a:t>4-10</a:t>
                       </a:r>
-                      <a:endParaRPr b="0" lang="en-GB" sz="2400" spc="-1" strike="noStrike">
+                      <a:endParaRPr b="0" lang="en-GB" sz="1800" spc="-1" strike="noStrike">
                         <a:solidFill>
                           <a:srgbClr val="000000"/>
                         </a:solidFill>
@@ -7029,9 +6721,13 @@
                 </a:tc>
                 <a:tc>
                   <a:txBody>
-                    <a:bodyPr lIns="90000" rIns="90000" tIns="46800" bIns="46800"/>
+                    <a:bodyPr lIns="90000" rIns="90000" anchor="ctr"/>
                     <a:p>
-                      <a:pPr algn="ctr"/>
+                      <a:pPr algn="ctr">
+                        <a:lnSpc>
+                          <a:spcPct val="100000"/>
+                        </a:lnSpc>
+                      </a:pPr>
                       <a:r>
                         <a:rPr b="0" lang="en-GB" sz="2400" spc="-1" strike="noStrike">
                           <a:solidFill>
@@ -7044,7 +6740,7 @@
                           </a:uFill>
                           <a:latin typeface="Arial"/>
                         </a:rPr>
-                        <a:t>4.9</a:t>
+                        <a:t>7:08</a:t>
                       </a:r>
                       <a:endParaRPr b="0" lang="en-GB" sz="2400" spc="-1" strike="noStrike">
                         <a:solidFill>
@@ -7170,9 +6866,13 @@
                 </a:tc>
                 <a:tc>
                   <a:txBody>
-                    <a:bodyPr lIns="90000" rIns="90000" tIns="46800" bIns="46800"/>
+                    <a:bodyPr lIns="90000" rIns="90000" anchor="ctr"/>
                     <a:p>
-                      <a:pPr algn="ctr"/>
+                      <a:pPr algn="ctr">
+                        <a:lnSpc>
+                          <a:spcPct val="100000"/>
+                        </a:lnSpc>
+                      </a:pPr>
                       <a:r>
                         <a:rPr b="0" lang="en-GB" sz="2400" spc="-1" strike="noStrike">
                           <a:solidFill>
@@ -7185,7 +6885,7 @@
                           </a:uFill>
                           <a:latin typeface="Arial"/>
                         </a:rPr>
-                        <a:t>24.6</a:t>
+                        <a:t>11:05</a:t>
                       </a:r>
                       <a:endParaRPr b="0" lang="en-GB" sz="2400" spc="-1" strike="noStrike">
                         <a:solidFill>
@@ -7310,37 +7010,6 @@
                   </a:tcPr>
                 </a:tc>
                 <a:tc>
-                  <a:txBody>
-                    <a:bodyPr lIns="90000" rIns="90000" tIns="46800" bIns="46800"/>
-                    <a:p>
-                      <a:pPr algn="ctr"/>
-                      <a:r>
-                        <a:rPr b="0" lang="en-GB" sz="2400" spc="-1" strike="noStrike">
-                          <a:solidFill>
-                            <a:srgbClr val="000000"/>
-                          </a:solidFill>
-                          <a:uFill>
-                            <a:solidFill>
-                              <a:srgbClr val="ffffff"/>
-                            </a:solidFill>
-                          </a:uFill>
-                          <a:latin typeface="Arial"/>
-                        </a:rPr>
-                        <a:t>12.2</a:t>
-                      </a:r>
-                      <a:endParaRPr b="0" lang="en-GB" sz="2400" spc="-1" strike="noStrike">
-                        <a:solidFill>
-                          <a:srgbClr val="000000"/>
-                        </a:solidFill>
-                        <a:uFill>
-                          <a:solidFill>
-                            <a:srgbClr val="ffffff"/>
-                          </a:solidFill>
-                        </a:uFill>
-                        <a:latin typeface="Arial"/>
-                      </a:endParaRPr>
-                    </a:p>
-                  </a:txBody>
                   <a:tcPr marL="90000" marR="90000">
                     <a:lnL w="720">
                       <a:solidFill>
@@ -7865,9 +7534,13 @@
               <a:tr h="662400">
                 <a:tc gridSpan="4">
                   <a:txBody>
-                    <a:bodyPr lIns="90000" rIns="90000" tIns="46800" bIns="46800"/>
+                    <a:bodyPr lIns="90000" rIns="90000" anchor="ctr"/>
                     <a:p>
-                      <a:pPr algn="ctr"/>
+                      <a:pPr algn="ctr">
+                        <a:lnSpc>
+                          <a:spcPct val="100000"/>
+                        </a:lnSpc>
+                      </a:pPr>
                       <a:r>
                         <a:rPr b="0" lang="en-GB" sz="2400" spc="-1" strike="noStrike">
                           <a:solidFill>
@@ -7882,7 +7555,7 @@
                         </a:rPr>
                         <a:t>Total</a:t>
                       </a:r>
-                      <a:endParaRPr b="0" lang="en-GB" sz="2400" spc="-1" strike="noStrike">
+                      <a:endParaRPr b="0" lang="en-GB" sz="1800" spc="-1" strike="noStrike">
                         <a:solidFill>
                           <a:srgbClr val="000000"/>
                         </a:solidFill>
@@ -7922,83 +7595,23 @@
                   </a:tcPr>
                 </a:tc>
                 <a:tc hMerge="1">
-                  <a:tcPr marL="90000" marR="90000">
-                    <a:lnL w="720">
-                      <a:solidFill>
-                        <a:srgbClr val="ffffff"/>
-                      </a:solidFill>
-                    </a:lnL>
-                    <a:lnR w="720">
-                      <a:solidFill>
-                        <a:srgbClr val="ffffff"/>
-                      </a:solidFill>
-                    </a:lnR>
-                    <a:lnT w="720">
-                      <a:solidFill>
-                        <a:srgbClr val="ffffff"/>
-                      </a:solidFill>
-                    </a:lnT>
-                    <a:lnB w="720">
-                      <a:solidFill>
-                        <a:srgbClr val="ffffff"/>
-                      </a:solidFill>
-                    </a:lnB>
-                    <a:solidFill>
-                      <a:srgbClr val="e6e6ff"/>
+                  <a:tcPr>
+                    <a:solidFill>
+                      <a:srgbClr val="729fcf"/>
                     </a:solidFill>
                   </a:tcPr>
                 </a:tc>
                 <a:tc hMerge="1">
-                  <a:tcPr marL="90000" marR="90000">
-                    <a:lnL w="720">
-                      <a:solidFill>
-                        <a:srgbClr val="ffffff"/>
-                      </a:solidFill>
-                    </a:lnL>
-                    <a:lnR w="720">
-                      <a:solidFill>
-                        <a:srgbClr val="ffffff"/>
-                      </a:solidFill>
-                    </a:lnR>
-                    <a:lnT w="720">
-                      <a:solidFill>
-                        <a:srgbClr val="ffffff"/>
-                      </a:solidFill>
-                    </a:lnT>
-                    <a:lnB w="720">
-                      <a:solidFill>
-                        <a:srgbClr val="ffffff"/>
-                      </a:solidFill>
-                    </a:lnB>
-                    <a:solidFill>
-                      <a:srgbClr val="e6e6ff"/>
+                  <a:tcPr>
+                    <a:solidFill>
+                      <a:srgbClr val="729fcf"/>
                     </a:solidFill>
                   </a:tcPr>
                 </a:tc>
                 <a:tc hMerge="1">
-                  <a:tcPr marL="90000" marR="90000">
-                    <a:lnL w="720">
-                      <a:solidFill>
-                        <a:srgbClr val="ffffff"/>
-                      </a:solidFill>
-                    </a:lnL>
-                    <a:lnR w="720">
-                      <a:solidFill>
-                        <a:srgbClr val="ffffff"/>
-                      </a:solidFill>
-                    </a:lnR>
-                    <a:lnT w="720">
-                      <a:solidFill>
-                        <a:srgbClr val="ffffff"/>
-                      </a:solidFill>
-                    </a:lnT>
-                    <a:lnB w="720">
-                      <a:solidFill>
-                        <a:srgbClr val="ffffff"/>
-                      </a:solidFill>
-                    </a:lnB>
-                    <a:solidFill>
-                      <a:srgbClr val="e6e6ff"/>
+                  <a:tcPr>
+                    <a:solidFill>
+                      <a:srgbClr val="729fcf"/>
                     </a:solidFill>
                   </a:tcPr>
                 </a:tc>
@@ -8174,8 +7787,8 @@
         </p:nvSpPr>
         <p:spPr>
           <a:xfrm rot="2400">
-            <a:off x="1582920" y="500400"/>
-            <a:ext cx="8999280" cy="1367280"/>
+            <a:off x="1582560" y="500040"/>
+            <a:ext cx="8998920" cy="1366920"/>
           </a:xfrm>
           <a:prstGeom prst="rect">
             <a:avLst/>
@@ -8201,7 +7814,7 @@
         <p:spPr>
           <a:xfrm>
             <a:off x="609480" y="2160000"/>
-            <a:ext cx="10971720" cy="3959280"/>
+            <a:ext cx="10971360" cy="3958920"/>
           </a:xfrm>
           <a:prstGeom prst="rect">
             <a:avLst/>
@@ -8220,7 +7833,7 @@
         <p:txBody>
           <a:bodyPr lIns="0" rIns="0" tIns="0" bIns="0"/>
           <a:p>
-            <a:pPr marL="432000" indent="-323280">
+            <a:pPr marL="432000" indent="-322920">
               <a:lnSpc>
                 <a:spcPct val="100000"/>
               </a:lnSpc>
@@ -8259,7 +7872,7 @@
             </a:endParaRPr>
           </a:p>
           <a:p>
-            <a:pPr marL="432000" indent="-323280">
+            <a:pPr marL="432000" indent="-322920">
               <a:lnSpc>
                 <a:spcPct val="100000"/>
               </a:lnSpc>
@@ -8298,7 +7911,7 @@
             </a:endParaRPr>
           </a:p>
           <a:p>
-            <a:pPr marL="432000" indent="-323280">
+            <a:pPr marL="432000" indent="-322920">
               <a:lnSpc>
                 <a:spcPct val="100000"/>
               </a:lnSpc>
@@ -8346,7 +7959,7 @@
         </p:nvGraphicFramePr>
         <p:xfrm>
           <a:off x="74520" y="97200"/>
-          <a:ext cx="5457240" cy="6483600"/>
+          <a:ext cx="5456520" cy="6625080"/>
         </p:xfrm>
         <a:graphic>
           <a:graphicData uri="http://schemas.openxmlformats.org/drawingml/2006/table">
@@ -8361,7 +7974,7 @@
               <a:tr h="662400">
                 <a:tc>
                   <a:txBody>
-                    <a:bodyPr lIns="90000" rIns="90000" tIns="46800" bIns="46800"/>
+                    <a:bodyPr lIns="90000" rIns="90000"/>
                     <a:p>
                       <a:pPr algn="ctr">
                         <a:lnSpc>
@@ -8382,7 +7995,7 @@
                         </a:rPr>
                         <a:t>7-2</a:t>
                       </a:r>
-                      <a:endParaRPr b="0" lang="en-GB" sz="2400" spc="-1" strike="noStrike">
+                      <a:endParaRPr b="0" lang="en-GB" sz="1800" spc="-1" strike="noStrike">
                         <a:solidFill>
                           <a:srgbClr val="000000"/>
                         </a:solidFill>
@@ -8423,7 +8036,7 @@
                 </a:tc>
                 <a:tc>
                   <a:txBody>
-                    <a:bodyPr lIns="90000" rIns="90000" tIns="46800" bIns="46800"/>
+                    <a:bodyPr lIns="90000" rIns="90000"/>
                     <a:p>
                       <a:pPr algn="ctr">
                         <a:lnSpc>
@@ -8444,7 +8057,7 @@
                         </a:rPr>
                         <a:t>7-4</a:t>
                       </a:r>
-                      <a:endParaRPr b="0" lang="en-GB" sz="2400" spc="-1" strike="noStrike">
+                      <a:endParaRPr b="0" lang="en-GB" sz="1800" spc="-1" strike="noStrike">
                         <a:solidFill>
                           <a:srgbClr val="000000"/>
                         </a:solidFill>
@@ -8485,7 +8098,7 @@
                 </a:tc>
                 <a:tc>
                   <a:txBody>
-                    <a:bodyPr lIns="90000" rIns="90000" tIns="46800" bIns="46800"/>
+                    <a:bodyPr lIns="90000" rIns="90000"/>
                     <a:p>
                       <a:pPr algn="ctr">
                         <a:lnSpc>
@@ -8506,7 +8119,7 @@
                         </a:rPr>
                         <a:t>7-7</a:t>
                       </a:r>
-                      <a:endParaRPr b="0" lang="en-GB" sz="2400" spc="-1" strike="noStrike">
+                      <a:endParaRPr b="0" lang="en-GB" sz="1800" spc="-1" strike="noStrike">
                         <a:solidFill>
                           <a:srgbClr val="000000"/>
                         </a:solidFill>
@@ -8547,7 +8160,7 @@
                 </a:tc>
                 <a:tc>
                   <a:txBody>
-                    <a:bodyPr lIns="90000" rIns="90000" tIns="46800" bIns="46800"/>
+                    <a:bodyPr lIns="90000" rIns="90000"/>
                     <a:p>
                       <a:pPr algn="ctr">
                         <a:lnSpc>
@@ -8568,7 +8181,7 @@
                         </a:rPr>
                         <a:t>7-10</a:t>
                       </a:r>
-                      <a:endParaRPr b="0" lang="en-GB" sz="2400" spc="-1" strike="noStrike">
+                      <a:endParaRPr b="0" lang="en-GB" sz="1800" spc="-1" strike="noStrike">
                         <a:solidFill>
                           <a:srgbClr val="000000"/>
                         </a:solidFill>
@@ -9381,9 +8994,13 @@
               <a:tr h="662400">
                 <a:tc gridSpan="4">
                   <a:txBody>
-                    <a:bodyPr lIns="90000" rIns="90000" tIns="46800" bIns="46800"/>
+                    <a:bodyPr lIns="90000" rIns="90000"/>
                     <a:p>
-                      <a:pPr algn="ctr"/>
+                      <a:pPr algn="ctr">
+                        <a:lnSpc>
+                          <a:spcPct val="100000"/>
+                        </a:lnSpc>
+                      </a:pPr>
                       <a:r>
                         <a:rPr b="0" lang="en-GB" sz="2400" spc="-1" strike="noStrike">
                           <a:solidFill>
@@ -9398,7 +9015,7 @@
                         </a:rPr>
                         <a:t>Total</a:t>
                       </a:r>
-                      <a:endParaRPr b="0" lang="en-GB" sz="2400" spc="-1" strike="noStrike">
+                      <a:endParaRPr b="0" lang="en-GB" sz="1800" spc="-1" strike="noStrike">
                         <a:solidFill>
                           <a:srgbClr val="000000"/>
                         </a:solidFill>
@@ -9438,83 +9055,23 @@
                   </a:tcPr>
                 </a:tc>
                 <a:tc hMerge="1">
-                  <a:tcPr marL="90000" marR="90000">
-                    <a:lnL w="720">
-                      <a:solidFill>
-                        <a:srgbClr val="ffffff"/>
-                      </a:solidFill>
-                    </a:lnL>
-                    <a:lnR w="720">
-                      <a:solidFill>
-                        <a:srgbClr val="ffffff"/>
-                      </a:solidFill>
-                    </a:lnR>
-                    <a:lnT w="720">
-                      <a:solidFill>
-                        <a:srgbClr val="ffffff"/>
-                      </a:solidFill>
-                    </a:lnT>
-                    <a:lnB w="720">
-                      <a:solidFill>
-                        <a:srgbClr val="ffffff"/>
-                      </a:solidFill>
-                    </a:lnB>
-                    <a:solidFill>
-                      <a:srgbClr val="e6e6ff"/>
+                  <a:tcPr>
+                    <a:solidFill>
+                      <a:srgbClr val="729fcf"/>
                     </a:solidFill>
                   </a:tcPr>
                 </a:tc>
                 <a:tc hMerge="1">
-                  <a:tcPr marL="90000" marR="90000">
-                    <a:lnL w="720">
-                      <a:solidFill>
-                        <a:srgbClr val="ffffff"/>
-                      </a:solidFill>
-                    </a:lnL>
-                    <a:lnR w="720">
-                      <a:solidFill>
-                        <a:srgbClr val="ffffff"/>
-                      </a:solidFill>
-                    </a:lnR>
-                    <a:lnT w="720">
-                      <a:solidFill>
-                        <a:srgbClr val="ffffff"/>
-                      </a:solidFill>
-                    </a:lnT>
-                    <a:lnB w="720">
-                      <a:solidFill>
-                        <a:srgbClr val="ffffff"/>
-                      </a:solidFill>
-                    </a:lnB>
-                    <a:solidFill>
-                      <a:srgbClr val="e6e6ff"/>
+                  <a:tcPr>
+                    <a:solidFill>
+                      <a:srgbClr val="729fcf"/>
                     </a:solidFill>
                   </a:tcPr>
                 </a:tc>
                 <a:tc hMerge="1">
-                  <a:tcPr marL="90000" marR="90000">
-                    <a:lnL w="720">
-                      <a:solidFill>
-                        <a:srgbClr val="ffffff"/>
-                      </a:solidFill>
-                    </a:lnL>
-                    <a:lnR w="720">
-                      <a:solidFill>
-                        <a:srgbClr val="ffffff"/>
-                      </a:solidFill>
-                    </a:lnR>
-                    <a:lnT w="720">
-                      <a:solidFill>
-                        <a:srgbClr val="ffffff"/>
-                      </a:solidFill>
-                    </a:lnT>
-                    <a:lnB w="720">
-                      <a:solidFill>
-                        <a:srgbClr val="ffffff"/>
-                      </a:solidFill>
-                    </a:lnB>
-                    <a:solidFill>
-                      <a:srgbClr val="e6e6ff"/>
+                  <a:tcPr>
+                    <a:solidFill>
+                      <a:srgbClr val="729fcf"/>
                     </a:solidFill>
                   </a:tcPr>
                 </a:tc>
@@ -9641,7 +9198,7 @@
         </p:nvGraphicFramePr>
         <p:xfrm>
           <a:off x="5979240" y="109440"/>
-          <a:ext cx="5831280" cy="6483600"/>
+          <a:ext cx="5830560" cy="6625080"/>
         </p:xfrm>
         <a:graphic>
           <a:graphicData uri="http://schemas.openxmlformats.org/drawingml/2006/table">
@@ -9656,7 +9213,7 @@
               <a:tr h="662400">
                 <a:tc>
                   <a:txBody>
-                    <a:bodyPr lIns="90000" rIns="90000" tIns="46800" bIns="46800"/>
+                    <a:bodyPr lIns="90000" rIns="90000"/>
                     <a:p>
                       <a:pPr algn="ctr">
                         <a:lnSpc>
@@ -9677,7 +9234,7 @@
                         </a:rPr>
                         <a:t>10-2</a:t>
                       </a:r>
-                      <a:endParaRPr b="0" lang="en-GB" sz="2400" spc="-1" strike="noStrike">
+                      <a:endParaRPr b="0" lang="en-GB" sz="1800" spc="-1" strike="noStrike">
                         <a:solidFill>
                           <a:srgbClr val="000000"/>
                         </a:solidFill>
@@ -9718,7 +9275,7 @@
                 </a:tc>
                 <a:tc>
                   <a:txBody>
-                    <a:bodyPr lIns="90000" rIns="90000" tIns="46800" bIns="46800"/>
+                    <a:bodyPr lIns="90000" rIns="90000"/>
                     <a:p>
                       <a:pPr algn="ctr">
                         <a:lnSpc>
@@ -9739,7 +9296,7 @@
                         </a:rPr>
                         <a:t>10-4</a:t>
                       </a:r>
-                      <a:endParaRPr b="0" lang="en-GB" sz="2400" spc="-1" strike="noStrike">
+                      <a:endParaRPr b="0" lang="en-GB" sz="1800" spc="-1" strike="noStrike">
                         <a:solidFill>
                           <a:srgbClr val="000000"/>
                         </a:solidFill>
@@ -9780,7 +9337,7 @@
                 </a:tc>
                 <a:tc>
                   <a:txBody>
-                    <a:bodyPr lIns="90000" rIns="90000" tIns="46800" bIns="46800"/>
+                    <a:bodyPr lIns="90000" rIns="90000"/>
                     <a:p>
                       <a:pPr algn="ctr">
                         <a:lnSpc>
@@ -9801,7 +9358,7 @@
                         </a:rPr>
                         <a:t>10-7</a:t>
                       </a:r>
-                      <a:endParaRPr b="0" lang="en-GB" sz="2400" spc="-1" strike="noStrike">
+                      <a:endParaRPr b="0" lang="en-GB" sz="1800" spc="-1" strike="noStrike">
                         <a:solidFill>
                           <a:srgbClr val="000000"/>
                         </a:solidFill>
@@ -9842,7 +9399,7 @@
                 </a:tc>
                 <a:tc>
                   <a:txBody>
-                    <a:bodyPr lIns="90000" rIns="90000" tIns="46800" bIns="46800"/>
+                    <a:bodyPr lIns="90000" rIns="90000"/>
                     <a:p>
                       <a:pPr algn="ctr">
                         <a:lnSpc>
@@ -9863,7 +9420,7 @@
                         </a:rPr>
                         <a:t>10-10</a:t>
                       </a:r>
-                      <a:endParaRPr b="0" lang="en-GB" sz="2400" spc="-1" strike="noStrike">
+                      <a:endParaRPr b="0" lang="en-GB" sz="1800" spc="-1" strike="noStrike">
                         <a:solidFill>
                           <a:srgbClr val="000000"/>
                         </a:solidFill>
@@ -10676,9 +10233,13 @@
               <a:tr h="662400">
                 <a:tc gridSpan="4">
                   <a:txBody>
-                    <a:bodyPr lIns="90000" rIns="90000" tIns="46800" bIns="46800"/>
+                    <a:bodyPr lIns="90000" rIns="90000"/>
                     <a:p>
-                      <a:pPr algn="ctr"/>
+                      <a:pPr algn="ctr">
+                        <a:lnSpc>
+                          <a:spcPct val="100000"/>
+                        </a:lnSpc>
+                      </a:pPr>
                       <a:r>
                         <a:rPr b="0" lang="en-GB" sz="2400" spc="-1" strike="noStrike">
                           <a:solidFill>
@@ -10693,7 +10254,7 @@
                         </a:rPr>
                         <a:t>Total</a:t>
                       </a:r>
-                      <a:endParaRPr b="0" lang="en-GB" sz="2400" spc="-1" strike="noStrike">
+                      <a:endParaRPr b="0" lang="en-GB" sz="1800" spc="-1" strike="noStrike">
                         <a:solidFill>
                           <a:srgbClr val="000000"/>
                         </a:solidFill>
@@ -10733,83 +10294,23 @@
                   </a:tcPr>
                 </a:tc>
                 <a:tc hMerge="1">
-                  <a:tcPr marL="90000" marR="90000">
-                    <a:lnL w="720">
-                      <a:solidFill>
-                        <a:srgbClr val="ffffff"/>
-                      </a:solidFill>
-                    </a:lnL>
-                    <a:lnR w="720">
-                      <a:solidFill>
-                        <a:srgbClr val="ffffff"/>
-                      </a:solidFill>
-                    </a:lnR>
-                    <a:lnT w="720">
-                      <a:solidFill>
-                        <a:srgbClr val="ffffff"/>
-                      </a:solidFill>
-                    </a:lnT>
-                    <a:lnB w="720">
-                      <a:solidFill>
-                        <a:srgbClr val="ffffff"/>
-                      </a:solidFill>
-                    </a:lnB>
-                    <a:solidFill>
-                      <a:srgbClr val="e6e6ff"/>
+                  <a:tcPr>
+                    <a:solidFill>
+                      <a:srgbClr val="729fcf"/>
                     </a:solidFill>
                   </a:tcPr>
                 </a:tc>
                 <a:tc hMerge="1">
-                  <a:tcPr marL="90000" marR="90000">
-                    <a:lnL w="720">
-                      <a:solidFill>
-                        <a:srgbClr val="ffffff"/>
-                      </a:solidFill>
-                    </a:lnL>
-                    <a:lnR w="720">
-                      <a:solidFill>
-                        <a:srgbClr val="ffffff"/>
-                      </a:solidFill>
-                    </a:lnR>
-                    <a:lnT w="720">
-                      <a:solidFill>
-                        <a:srgbClr val="ffffff"/>
-                      </a:solidFill>
-                    </a:lnT>
-                    <a:lnB w="720">
-                      <a:solidFill>
-                        <a:srgbClr val="ffffff"/>
-                      </a:solidFill>
-                    </a:lnB>
-                    <a:solidFill>
-                      <a:srgbClr val="e6e6ff"/>
+                  <a:tcPr>
+                    <a:solidFill>
+                      <a:srgbClr val="729fcf"/>
                     </a:solidFill>
                   </a:tcPr>
                 </a:tc>
                 <a:tc hMerge="1">
-                  <a:tcPr marL="90000" marR="90000">
-                    <a:lnL w="720">
-                      <a:solidFill>
-                        <a:srgbClr val="ffffff"/>
-                      </a:solidFill>
-                    </a:lnL>
-                    <a:lnR w="720">
-                      <a:solidFill>
-                        <a:srgbClr val="ffffff"/>
-                      </a:solidFill>
-                    </a:lnR>
-                    <a:lnT w="720">
-                      <a:solidFill>
-                        <a:srgbClr val="ffffff"/>
-                      </a:solidFill>
-                    </a:lnT>
-                    <a:lnB w="720">
-                      <a:solidFill>
-                        <a:srgbClr val="ffffff"/>
-                      </a:solidFill>
-                    </a:lnB>
-                    <a:solidFill>
-                      <a:srgbClr val="e6e6ff"/>
+                  <a:tcPr>
+                    <a:solidFill>
+                      <a:srgbClr val="729fcf"/>
                     </a:solidFill>
                   </a:tcPr>
                 </a:tc>

--- a/Test.pptx
+++ b/Test.pptx
@@ -79,7 +79,8 @@
         <p:txBody>
           <a:bodyPr lIns="0" rIns="0" tIns="0" bIns="0" anchor="ctr"/>
           <a:p>
-            <a:endParaRPr b="0" lang="en-US" sz="1800" spc="-1" strike="noStrike">
+            <a:pPr algn="ctr"/>
+            <a:endParaRPr b="0" lang="en-GB" sz="4400" spc="-1" strike="noStrike">
               <a:solidFill>
                 <a:srgbClr val="000000"/>
               </a:solidFill>
@@ -115,7 +116,7 @@
         <p:txBody>
           <a:bodyPr lIns="0" rIns="0" tIns="0" bIns="0"/>
           <a:p>
-            <a:endParaRPr b="0" lang="en-US" sz="2800" spc="-1" strike="noStrike">
+            <a:endParaRPr b="0" lang="en-GB" sz="3200" spc="-1" strike="noStrike">
               <a:solidFill>
                 <a:srgbClr val="000000"/>
               </a:solidFill>
@@ -151,7 +152,7 @@
         <p:txBody>
           <a:bodyPr lIns="0" rIns="0" tIns="0" bIns="0"/>
           <a:p>
-            <a:endParaRPr b="0" lang="en-US" sz="2800" spc="-1" strike="noStrike">
+            <a:endParaRPr b="0" lang="en-GB" sz="3200" spc="-1" strike="noStrike">
               <a:solidFill>
                 <a:srgbClr val="000000"/>
               </a:solidFill>
@@ -209,7 +210,8 @@
         <p:txBody>
           <a:bodyPr lIns="0" rIns="0" tIns="0" bIns="0" anchor="ctr"/>
           <a:p>
-            <a:endParaRPr b="0" lang="en-US" sz="1800" spc="-1" strike="noStrike">
+            <a:pPr algn="ctr"/>
+            <a:endParaRPr b="0" lang="en-GB" sz="4400" spc="-1" strike="noStrike">
               <a:solidFill>
                 <a:srgbClr val="000000"/>
               </a:solidFill>
@@ -245,7 +247,7 @@
         <p:txBody>
           <a:bodyPr lIns="0" rIns="0" tIns="0" bIns="0"/>
           <a:p>
-            <a:endParaRPr b="0" lang="en-US" sz="2800" spc="-1" strike="noStrike">
+            <a:endParaRPr b="0" lang="en-GB" sz="3200" spc="-1" strike="noStrike">
               <a:solidFill>
                 <a:srgbClr val="000000"/>
               </a:solidFill>
@@ -281,7 +283,7 @@
         <p:txBody>
           <a:bodyPr lIns="0" rIns="0" tIns="0" bIns="0"/>
           <a:p>
-            <a:endParaRPr b="0" lang="en-US" sz="2800" spc="-1" strike="noStrike">
+            <a:endParaRPr b="0" lang="en-GB" sz="3200" spc="-1" strike="noStrike">
               <a:solidFill>
                 <a:srgbClr val="000000"/>
               </a:solidFill>
@@ -317,7 +319,7 @@
         <p:txBody>
           <a:bodyPr lIns="0" rIns="0" tIns="0" bIns="0"/>
           <a:p>
-            <a:endParaRPr b="0" lang="en-US" sz="2800" spc="-1" strike="noStrike">
+            <a:endParaRPr b="0" lang="en-GB" sz="3200" spc="-1" strike="noStrike">
               <a:solidFill>
                 <a:srgbClr val="000000"/>
               </a:solidFill>
@@ -353,7 +355,7 @@
         <p:txBody>
           <a:bodyPr lIns="0" rIns="0" tIns="0" bIns="0"/>
           <a:p>
-            <a:endParaRPr b="0" lang="en-US" sz="2800" spc="-1" strike="noStrike">
+            <a:endParaRPr b="0" lang="en-GB" sz="3200" spc="-1" strike="noStrike">
               <a:solidFill>
                 <a:srgbClr val="000000"/>
               </a:solidFill>
@@ -411,7 +413,8 @@
         <p:txBody>
           <a:bodyPr lIns="0" rIns="0" tIns="0" bIns="0" anchor="ctr"/>
           <a:p>
-            <a:endParaRPr b="0" lang="en-US" sz="1800" spc="-1" strike="noStrike">
+            <a:pPr algn="ctr"/>
+            <a:endParaRPr b="0" lang="en-GB" sz="4400" spc="-1" strike="noStrike">
               <a:solidFill>
                 <a:srgbClr val="000000"/>
               </a:solidFill>
@@ -447,7 +450,7 @@
         <p:txBody>
           <a:bodyPr lIns="0" rIns="0" tIns="0" bIns="0"/>
           <a:p>
-            <a:endParaRPr b="0" lang="en-US" sz="2800" spc="-1" strike="noStrike">
+            <a:endParaRPr b="0" lang="en-GB" sz="3200" spc="-1" strike="noStrike">
               <a:solidFill>
                 <a:srgbClr val="000000"/>
               </a:solidFill>
@@ -483,7 +486,7 @@
         <p:txBody>
           <a:bodyPr lIns="0" rIns="0" tIns="0" bIns="0"/>
           <a:p>
-            <a:endParaRPr b="0" lang="en-US" sz="2800" spc="-1" strike="noStrike">
+            <a:endParaRPr b="0" lang="en-GB" sz="3200" spc="-1" strike="noStrike">
               <a:solidFill>
                 <a:srgbClr val="000000"/>
               </a:solidFill>
@@ -509,8 +512,8 @@
         </p:blipFill>
         <p:spPr>
           <a:xfrm>
-            <a:off x="3602880" y="1604520"/>
-            <a:ext cx="4984920" cy="3977280"/>
+            <a:off x="3603240" y="1604520"/>
+            <a:ext cx="4984560" cy="3977280"/>
           </a:xfrm>
           <a:prstGeom prst="rect">
             <a:avLst/>
@@ -532,8 +535,8 @@
         </p:blipFill>
         <p:spPr>
           <a:xfrm>
-            <a:off x="3602880" y="1604520"/>
-            <a:ext cx="4984920" cy="3977280"/>
+            <a:off x="3603240" y="1604520"/>
+            <a:ext cx="4984560" cy="3977280"/>
           </a:xfrm>
           <a:prstGeom prst="rect">
             <a:avLst/>
@@ -609,7 +612,8 @@
         <p:txBody>
           <a:bodyPr lIns="0" rIns="0" tIns="0" bIns="0" anchor="ctr"/>
           <a:p>
-            <a:endParaRPr b="0" lang="en-US" sz="1800" spc="-1" strike="noStrike">
+            <a:pPr algn="ctr"/>
+            <a:endParaRPr b="0" lang="en-GB" sz="4400" spc="-1" strike="noStrike">
               <a:solidFill>
                 <a:srgbClr val="000000"/>
               </a:solidFill>
@@ -704,7 +708,8 @@
         <p:txBody>
           <a:bodyPr lIns="0" rIns="0" tIns="0" bIns="0" anchor="ctr"/>
           <a:p>
-            <a:endParaRPr b="0" lang="en-US" sz="1800" spc="-1" strike="noStrike">
+            <a:pPr algn="ctr"/>
+            <a:endParaRPr b="0" lang="en-GB" sz="4400" spc="-1" strike="noStrike">
               <a:solidFill>
                 <a:srgbClr val="000000"/>
               </a:solidFill>
@@ -740,7 +745,7 @@
         <p:txBody>
           <a:bodyPr lIns="0" rIns="0" tIns="0" bIns="0"/>
           <a:p>
-            <a:endParaRPr b="0" lang="en-US" sz="2800" spc="-1" strike="noStrike">
+            <a:endParaRPr b="0" lang="en-GB" sz="3200" spc="-1" strike="noStrike">
               <a:solidFill>
                 <a:srgbClr val="000000"/>
               </a:solidFill>
@@ -798,7 +803,8 @@
         <p:txBody>
           <a:bodyPr lIns="0" rIns="0" tIns="0" bIns="0" anchor="ctr"/>
           <a:p>
-            <a:endParaRPr b="0" lang="en-US" sz="1800" spc="-1" strike="noStrike">
+            <a:pPr algn="ctr"/>
+            <a:endParaRPr b="0" lang="en-GB" sz="4400" spc="-1" strike="noStrike">
               <a:solidFill>
                 <a:srgbClr val="000000"/>
               </a:solidFill>
@@ -834,7 +840,7 @@
         <p:txBody>
           <a:bodyPr lIns="0" rIns="0" tIns="0" bIns="0"/>
           <a:p>
-            <a:endParaRPr b="0" lang="en-US" sz="2800" spc="-1" strike="noStrike">
+            <a:endParaRPr b="0" lang="en-GB" sz="3200" spc="-1" strike="noStrike">
               <a:solidFill>
                 <a:srgbClr val="000000"/>
               </a:solidFill>
@@ -870,7 +876,7 @@
         <p:txBody>
           <a:bodyPr lIns="0" rIns="0" tIns="0" bIns="0"/>
           <a:p>
-            <a:endParaRPr b="0" lang="en-US" sz="2800" spc="-1" strike="noStrike">
+            <a:endParaRPr b="0" lang="en-GB" sz="3200" spc="-1" strike="noStrike">
               <a:solidFill>
                 <a:srgbClr val="000000"/>
               </a:solidFill>
@@ -928,7 +934,8 @@
         <p:txBody>
           <a:bodyPr lIns="0" rIns="0" tIns="0" bIns="0" anchor="ctr"/>
           <a:p>
-            <a:endParaRPr b="0" lang="en-US" sz="1800" spc="-1" strike="noStrike">
+            <a:pPr algn="ctr"/>
+            <a:endParaRPr b="0" lang="en-GB" sz="4400" spc="-1" strike="noStrike">
               <a:solidFill>
                 <a:srgbClr val="000000"/>
               </a:solidFill>
@@ -1045,7 +1052,8 @@
         <p:txBody>
           <a:bodyPr lIns="0" rIns="0" tIns="0" bIns="0" anchor="ctr"/>
           <a:p>
-            <a:endParaRPr b="0" lang="en-US" sz="1800" spc="-1" strike="noStrike">
+            <a:pPr algn="ctr"/>
+            <a:endParaRPr b="0" lang="en-GB" sz="4400" spc="-1" strike="noStrike">
               <a:solidFill>
                 <a:srgbClr val="000000"/>
               </a:solidFill>
@@ -1081,7 +1089,7 @@
         <p:txBody>
           <a:bodyPr lIns="0" rIns="0" tIns="0" bIns="0"/>
           <a:p>
-            <a:endParaRPr b="0" lang="en-US" sz="2800" spc="-1" strike="noStrike">
+            <a:endParaRPr b="0" lang="en-GB" sz="3200" spc="-1" strike="noStrike">
               <a:solidFill>
                 <a:srgbClr val="000000"/>
               </a:solidFill>
@@ -1117,7 +1125,7 @@
         <p:txBody>
           <a:bodyPr lIns="0" rIns="0" tIns="0" bIns="0"/>
           <a:p>
-            <a:endParaRPr b="0" lang="en-US" sz="2800" spc="-1" strike="noStrike">
+            <a:endParaRPr b="0" lang="en-GB" sz="3200" spc="-1" strike="noStrike">
               <a:solidFill>
                 <a:srgbClr val="000000"/>
               </a:solidFill>
@@ -1153,7 +1161,7 @@
         <p:txBody>
           <a:bodyPr lIns="0" rIns="0" tIns="0" bIns="0"/>
           <a:p>
-            <a:endParaRPr b="0" lang="en-US" sz="2800" spc="-1" strike="noStrike">
+            <a:endParaRPr b="0" lang="en-GB" sz="3200" spc="-1" strike="noStrike">
               <a:solidFill>
                 <a:srgbClr val="000000"/>
               </a:solidFill>
@@ -1211,7 +1219,8 @@
         <p:txBody>
           <a:bodyPr lIns="0" rIns="0" tIns="0" bIns="0" anchor="ctr"/>
           <a:p>
-            <a:endParaRPr b="0" lang="en-US" sz="1800" spc="-1" strike="noStrike">
+            <a:pPr algn="ctr"/>
+            <a:endParaRPr b="0" lang="en-GB" sz="4400" spc="-1" strike="noStrike">
               <a:solidFill>
                 <a:srgbClr val="000000"/>
               </a:solidFill>
@@ -1306,7 +1315,8 @@
         <p:txBody>
           <a:bodyPr lIns="0" rIns="0" tIns="0" bIns="0" anchor="ctr"/>
           <a:p>
-            <a:endParaRPr b="0" lang="en-US" sz="1800" spc="-1" strike="noStrike">
+            <a:pPr algn="ctr"/>
+            <a:endParaRPr b="0" lang="en-GB" sz="4400" spc="-1" strike="noStrike">
               <a:solidFill>
                 <a:srgbClr val="000000"/>
               </a:solidFill>
@@ -1342,7 +1352,7 @@
         <p:txBody>
           <a:bodyPr lIns="0" rIns="0" tIns="0" bIns="0"/>
           <a:p>
-            <a:endParaRPr b="0" lang="en-US" sz="2800" spc="-1" strike="noStrike">
+            <a:endParaRPr b="0" lang="en-GB" sz="3200" spc="-1" strike="noStrike">
               <a:solidFill>
                 <a:srgbClr val="000000"/>
               </a:solidFill>
@@ -1378,7 +1388,7 @@
         <p:txBody>
           <a:bodyPr lIns="0" rIns="0" tIns="0" bIns="0"/>
           <a:p>
-            <a:endParaRPr b="0" lang="en-US" sz="2800" spc="-1" strike="noStrike">
+            <a:endParaRPr b="0" lang="en-GB" sz="3200" spc="-1" strike="noStrike">
               <a:solidFill>
                 <a:srgbClr val="000000"/>
               </a:solidFill>
@@ -1414,7 +1424,7 @@
         <p:txBody>
           <a:bodyPr lIns="0" rIns="0" tIns="0" bIns="0"/>
           <a:p>
-            <a:endParaRPr b="0" lang="en-US" sz="2800" spc="-1" strike="noStrike">
+            <a:endParaRPr b="0" lang="en-GB" sz="3200" spc="-1" strike="noStrike">
               <a:solidFill>
                 <a:srgbClr val="000000"/>
               </a:solidFill>
@@ -1472,7 +1482,8 @@
         <p:txBody>
           <a:bodyPr lIns="0" rIns="0" tIns="0" bIns="0" anchor="ctr"/>
           <a:p>
-            <a:endParaRPr b="0" lang="en-US" sz="1800" spc="-1" strike="noStrike">
+            <a:pPr algn="ctr"/>
+            <a:endParaRPr b="0" lang="en-GB" sz="4400" spc="-1" strike="noStrike">
               <a:solidFill>
                 <a:srgbClr val="000000"/>
               </a:solidFill>
@@ -1508,7 +1519,7 @@
         <p:txBody>
           <a:bodyPr lIns="0" rIns="0" tIns="0" bIns="0"/>
           <a:p>
-            <a:endParaRPr b="0" lang="en-US" sz="2800" spc="-1" strike="noStrike">
+            <a:endParaRPr b="0" lang="en-GB" sz="3200" spc="-1" strike="noStrike">
               <a:solidFill>
                 <a:srgbClr val="000000"/>
               </a:solidFill>
@@ -1544,7 +1555,7 @@
         <p:txBody>
           <a:bodyPr lIns="0" rIns="0" tIns="0" bIns="0"/>
           <a:p>
-            <a:endParaRPr b="0" lang="en-US" sz="2800" spc="-1" strike="noStrike">
+            <a:endParaRPr b="0" lang="en-GB" sz="3200" spc="-1" strike="noStrike">
               <a:solidFill>
                 <a:srgbClr val="000000"/>
               </a:solidFill>
@@ -1580,7 +1591,7 @@
         <p:txBody>
           <a:bodyPr lIns="0" rIns="0" tIns="0" bIns="0"/>
           <a:p>
-            <a:endParaRPr b="0" lang="en-US" sz="2800" spc="-1" strike="noStrike">
+            <a:endParaRPr b="0" lang="en-GB" sz="3200" spc="-1" strike="noStrike">
               <a:solidFill>
                 <a:srgbClr val="000000"/>
               </a:solidFill>
@@ -1638,7 +1649,8 @@
         <p:txBody>
           <a:bodyPr lIns="0" rIns="0" tIns="0" bIns="0" anchor="ctr"/>
           <a:p>
-            <a:endParaRPr b="0" lang="en-US" sz="1800" spc="-1" strike="noStrike">
+            <a:pPr algn="ctr"/>
+            <a:endParaRPr b="0" lang="en-GB" sz="4400" spc="-1" strike="noStrike">
               <a:solidFill>
                 <a:srgbClr val="000000"/>
               </a:solidFill>
@@ -1674,7 +1686,7 @@
         <p:txBody>
           <a:bodyPr lIns="0" rIns="0" tIns="0" bIns="0"/>
           <a:p>
-            <a:endParaRPr b="0" lang="en-US" sz="2800" spc="-1" strike="noStrike">
+            <a:endParaRPr b="0" lang="en-GB" sz="3200" spc="-1" strike="noStrike">
               <a:solidFill>
                 <a:srgbClr val="000000"/>
               </a:solidFill>
@@ -1710,7 +1722,7 @@
         <p:txBody>
           <a:bodyPr lIns="0" rIns="0" tIns="0" bIns="0"/>
           <a:p>
-            <a:endParaRPr b="0" lang="en-US" sz="2800" spc="-1" strike="noStrike">
+            <a:endParaRPr b="0" lang="en-GB" sz="3200" spc="-1" strike="noStrike">
               <a:solidFill>
                 <a:srgbClr val="000000"/>
               </a:solidFill>
@@ -1768,7 +1780,8 @@
         <p:txBody>
           <a:bodyPr lIns="0" rIns="0" tIns="0" bIns="0" anchor="ctr"/>
           <a:p>
-            <a:endParaRPr b="0" lang="en-US" sz="1800" spc="-1" strike="noStrike">
+            <a:pPr algn="ctr"/>
+            <a:endParaRPr b="0" lang="en-GB" sz="4400" spc="-1" strike="noStrike">
               <a:solidFill>
                 <a:srgbClr val="000000"/>
               </a:solidFill>
@@ -1804,7 +1817,7 @@
         <p:txBody>
           <a:bodyPr lIns="0" rIns="0" tIns="0" bIns="0"/>
           <a:p>
-            <a:endParaRPr b="0" lang="en-US" sz="2800" spc="-1" strike="noStrike">
+            <a:endParaRPr b="0" lang="en-GB" sz="3200" spc="-1" strike="noStrike">
               <a:solidFill>
                 <a:srgbClr val="000000"/>
               </a:solidFill>
@@ -1840,7 +1853,7 @@
         <p:txBody>
           <a:bodyPr lIns="0" rIns="0" tIns="0" bIns="0"/>
           <a:p>
-            <a:endParaRPr b="0" lang="en-US" sz="2800" spc="-1" strike="noStrike">
+            <a:endParaRPr b="0" lang="en-GB" sz="3200" spc="-1" strike="noStrike">
               <a:solidFill>
                 <a:srgbClr val="000000"/>
               </a:solidFill>
@@ -1876,7 +1889,7 @@
         <p:txBody>
           <a:bodyPr lIns="0" rIns="0" tIns="0" bIns="0"/>
           <a:p>
-            <a:endParaRPr b="0" lang="en-US" sz="2800" spc="-1" strike="noStrike">
+            <a:endParaRPr b="0" lang="en-GB" sz="3200" spc="-1" strike="noStrike">
               <a:solidFill>
                 <a:srgbClr val="000000"/>
               </a:solidFill>
@@ -1912,7 +1925,7 @@
         <p:txBody>
           <a:bodyPr lIns="0" rIns="0" tIns="0" bIns="0"/>
           <a:p>
-            <a:endParaRPr b="0" lang="en-US" sz="2800" spc="-1" strike="noStrike">
+            <a:endParaRPr b="0" lang="en-GB" sz="3200" spc="-1" strike="noStrike">
               <a:solidFill>
                 <a:srgbClr val="000000"/>
               </a:solidFill>
@@ -1970,7 +1983,8 @@
         <p:txBody>
           <a:bodyPr lIns="0" rIns="0" tIns="0" bIns="0" anchor="ctr"/>
           <a:p>
-            <a:endParaRPr b="0" lang="en-US" sz="1800" spc="-1" strike="noStrike">
+            <a:pPr algn="ctr"/>
+            <a:endParaRPr b="0" lang="en-GB" sz="4400" spc="-1" strike="noStrike">
               <a:solidFill>
                 <a:srgbClr val="000000"/>
               </a:solidFill>
@@ -2006,7 +2020,7 @@
         <p:txBody>
           <a:bodyPr lIns="0" rIns="0" tIns="0" bIns="0"/>
           <a:p>
-            <a:endParaRPr b="0" lang="en-US" sz="2800" spc="-1" strike="noStrike">
+            <a:endParaRPr b="0" lang="en-GB" sz="3200" spc="-1" strike="noStrike">
               <a:solidFill>
                 <a:srgbClr val="000000"/>
               </a:solidFill>
@@ -2042,7 +2056,7 @@
         <p:txBody>
           <a:bodyPr lIns="0" rIns="0" tIns="0" bIns="0"/>
           <a:p>
-            <a:endParaRPr b="0" lang="en-US" sz="2800" spc="-1" strike="noStrike">
+            <a:endParaRPr b="0" lang="en-GB" sz="3200" spc="-1" strike="noStrike">
               <a:solidFill>
                 <a:srgbClr val="000000"/>
               </a:solidFill>
@@ -2068,8 +2082,8 @@
         </p:blipFill>
         <p:spPr>
           <a:xfrm>
-            <a:off x="3602880" y="1604520"/>
-            <a:ext cx="4984920" cy="3977280"/>
+            <a:off x="3603240" y="1604520"/>
+            <a:ext cx="4984560" cy="3977280"/>
           </a:xfrm>
           <a:prstGeom prst="rect">
             <a:avLst/>
@@ -2091,8 +2105,8 @@
         </p:blipFill>
         <p:spPr>
           <a:xfrm>
-            <a:off x="3602880" y="1604520"/>
-            <a:ext cx="4984920" cy="3977280"/>
+            <a:off x="3603240" y="1604520"/>
+            <a:ext cx="4984560" cy="3977280"/>
           </a:xfrm>
           <a:prstGeom prst="rect">
             <a:avLst/>
@@ -2146,7 +2160,8 @@
         <p:txBody>
           <a:bodyPr lIns="0" rIns="0" tIns="0" bIns="0" anchor="ctr"/>
           <a:p>
-            <a:endParaRPr b="0" lang="en-US" sz="1800" spc="-1" strike="noStrike">
+            <a:pPr algn="ctr"/>
+            <a:endParaRPr b="0" lang="en-GB" sz="4400" spc="-1" strike="noStrike">
               <a:solidFill>
                 <a:srgbClr val="000000"/>
               </a:solidFill>
@@ -2182,7 +2197,7 @@
         <p:txBody>
           <a:bodyPr lIns="0" rIns="0" tIns="0" bIns="0"/>
           <a:p>
-            <a:endParaRPr b="0" lang="en-US" sz="2800" spc="-1" strike="noStrike">
+            <a:endParaRPr b="0" lang="en-GB" sz="3200" spc="-1" strike="noStrike">
               <a:solidFill>
                 <a:srgbClr val="000000"/>
               </a:solidFill>
@@ -2240,7 +2255,8 @@
         <p:txBody>
           <a:bodyPr lIns="0" rIns="0" tIns="0" bIns="0" anchor="ctr"/>
           <a:p>
-            <a:endParaRPr b="0" lang="en-US" sz="1800" spc="-1" strike="noStrike">
+            <a:pPr algn="ctr"/>
+            <a:endParaRPr b="0" lang="en-GB" sz="4400" spc="-1" strike="noStrike">
               <a:solidFill>
                 <a:srgbClr val="000000"/>
               </a:solidFill>
@@ -2276,7 +2292,7 @@
         <p:txBody>
           <a:bodyPr lIns="0" rIns="0" tIns="0" bIns="0"/>
           <a:p>
-            <a:endParaRPr b="0" lang="en-US" sz="2800" spc="-1" strike="noStrike">
+            <a:endParaRPr b="0" lang="en-GB" sz="3200" spc="-1" strike="noStrike">
               <a:solidFill>
                 <a:srgbClr val="000000"/>
               </a:solidFill>
@@ -2312,7 +2328,7 @@
         <p:txBody>
           <a:bodyPr lIns="0" rIns="0" tIns="0" bIns="0"/>
           <a:p>
-            <a:endParaRPr b="0" lang="en-US" sz="2800" spc="-1" strike="noStrike">
+            <a:endParaRPr b="0" lang="en-GB" sz="3200" spc="-1" strike="noStrike">
               <a:solidFill>
                 <a:srgbClr val="000000"/>
               </a:solidFill>
@@ -2370,7 +2386,8 @@
         <p:txBody>
           <a:bodyPr lIns="0" rIns="0" tIns="0" bIns="0" anchor="ctr"/>
           <a:p>
-            <a:endParaRPr b="0" lang="en-US" sz="1800" spc="-1" strike="noStrike">
+            <a:pPr algn="ctr"/>
+            <a:endParaRPr b="0" lang="en-GB" sz="4400" spc="-1" strike="noStrike">
               <a:solidFill>
                 <a:srgbClr val="000000"/>
               </a:solidFill>
@@ -2487,7 +2504,8 @@
         <p:txBody>
           <a:bodyPr lIns="0" rIns="0" tIns="0" bIns="0" anchor="ctr"/>
           <a:p>
-            <a:endParaRPr b="0" lang="en-US" sz="1800" spc="-1" strike="noStrike">
+            <a:pPr algn="ctr"/>
+            <a:endParaRPr b="0" lang="en-GB" sz="4400" spc="-1" strike="noStrike">
               <a:solidFill>
                 <a:srgbClr val="000000"/>
               </a:solidFill>
@@ -2523,7 +2541,7 @@
         <p:txBody>
           <a:bodyPr lIns="0" rIns="0" tIns="0" bIns="0"/>
           <a:p>
-            <a:endParaRPr b="0" lang="en-US" sz="2800" spc="-1" strike="noStrike">
+            <a:endParaRPr b="0" lang="en-GB" sz="3200" spc="-1" strike="noStrike">
               <a:solidFill>
                 <a:srgbClr val="000000"/>
               </a:solidFill>
@@ -2559,7 +2577,7 @@
         <p:txBody>
           <a:bodyPr lIns="0" rIns="0" tIns="0" bIns="0"/>
           <a:p>
-            <a:endParaRPr b="0" lang="en-US" sz="2800" spc="-1" strike="noStrike">
+            <a:endParaRPr b="0" lang="en-GB" sz="3200" spc="-1" strike="noStrike">
               <a:solidFill>
                 <a:srgbClr val="000000"/>
               </a:solidFill>
@@ -2595,7 +2613,7 @@
         <p:txBody>
           <a:bodyPr lIns="0" rIns="0" tIns="0" bIns="0"/>
           <a:p>
-            <a:endParaRPr b="0" lang="en-US" sz="2800" spc="-1" strike="noStrike">
+            <a:endParaRPr b="0" lang="en-GB" sz="3200" spc="-1" strike="noStrike">
               <a:solidFill>
                 <a:srgbClr val="000000"/>
               </a:solidFill>
@@ -2653,7 +2671,8 @@
         <p:txBody>
           <a:bodyPr lIns="0" rIns="0" tIns="0" bIns="0" anchor="ctr"/>
           <a:p>
-            <a:endParaRPr b="0" lang="en-US" sz="1800" spc="-1" strike="noStrike">
+            <a:pPr algn="ctr"/>
+            <a:endParaRPr b="0" lang="en-GB" sz="4400" spc="-1" strike="noStrike">
               <a:solidFill>
                 <a:srgbClr val="000000"/>
               </a:solidFill>
@@ -2689,7 +2708,7 @@
         <p:txBody>
           <a:bodyPr lIns="0" rIns="0" tIns="0" bIns="0"/>
           <a:p>
-            <a:endParaRPr b="0" lang="en-US" sz="2800" spc="-1" strike="noStrike">
+            <a:endParaRPr b="0" lang="en-GB" sz="3200" spc="-1" strike="noStrike">
               <a:solidFill>
                 <a:srgbClr val="000000"/>
               </a:solidFill>
@@ -2725,7 +2744,7 @@
         <p:txBody>
           <a:bodyPr lIns="0" rIns="0" tIns="0" bIns="0"/>
           <a:p>
-            <a:endParaRPr b="0" lang="en-US" sz="2800" spc="-1" strike="noStrike">
+            <a:endParaRPr b="0" lang="en-GB" sz="3200" spc="-1" strike="noStrike">
               <a:solidFill>
                 <a:srgbClr val="000000"/>
               </a:solidFill>
@@ -2761,7 +2780,7 @@
         <p:txBody>
           <a:bodyPr lIns="0" rIns="0" tIns="0" bIns="0"/>
           <a:p>
-            <a:endParaRPr b="0" lang="en-US" sz="2800" spc="-1" strike="noStrike">
+            <a:endParaRPr b="0" lang="en-GB" sz="3200" spc="-1" strike="noStrike">
               <a:solidFill>
                 <a:srgbClr val="000000"/>
               </a:solidFill>
@@ -2819,7 +2838,8 @@
         <p:txBody>
           <a:bodyPr lIns="0" rIns="0" tIns="0" bIns="0" anchor="ctr"/>
           <a:p>
-            <a:endParaRPr b="0" lang="en-US" sz="1800" spc="-1" strike="noStrike">
+            <a:pPr algn="ctr"/>
+            <a:endParaRPr b="0" lang="en-GB" sz="4400" spc="-1" strike="noStrike">
               <a:solidFill>
                 <a:srgbClr val="000000"/>
               </a:solidFill>
@@ -2855,7 +2875,7 @@
         <p:txBody>
           <a:bodyPr lIns="0" rIns="0" tIns="0" bIns="0"/>
           <a:p>
-            <a:endParaRPr b="0" lang="en-US" sz="2800" spc="-1" strike="noStrike">
+            <a:endParaRPr b="0" lang="en-GB" sz="3200" spc="-1" strike="noStrike">
               <a:solidFill>
                 <a:srgbClr val="000000"/>
               </a:solidFill>
@@ -2891,7 +2911,7 @@
         <p:txBody>
           <a:bodyPr lIns="0" rIns="0" tIns="0" bIns="0"/>
           <a:p>
-            <a:endParaRPr b="0" lang="en-US" sz="2800" spc="-1" strike="noStrike">
+            <a:endParaRPr b="0" lang="en-GB" sz="3200" spc="-1" strike="noStrike">
               <a:solidFill>
                 <a:srgbClr val="000000"/>
               </a:solidFill>
@@ -2927,7 +2947,7 @@
         <p:txBody>
           <a:bodyPr lIns="0" rIns="0" tIns="0" bIns="0"/>
           <a:p>
-            <a:endParaRPr b="0" lang="en-US" sz="2800" spc="-1" strike="noStrike">
+            <a:endParaRPr b="0" lang="en-GB" sz="3200" spc="-1" strike="noStrike">
               <a:solidFill>
                 <a:srgbClr val="000000"/>
               </a:solidFill>
@@ -2992,8 +3012,9 @@
         <p:txBody>
           <a:bodyPr lIns="0" rIns="0" tIns="0" bIns="0" anchor="ctr"/>
           <a:p>
+            <a:pPr algn="ctr"/>
             <a:r>
-              <a:rPr b="0" lang="en-US" sz="1800" spc="-1" strike="noStrike">
+              <a:rPr b="0" lang="en-GB" sz="4400" spc="-1" strike="noStrike">
                 <a:solidFill>
                   <a:srgbClr val="000000"/>
                 </a:solidFill>
@@ -3004,9 +3025,107 @@
                 </a:uFill>
                 <a:latin typeface="Arial"/>
               </a:rPr>
-              <a:t>Click to edit the title text format</a:t>
+              <a:t>Clic</a:t>
             </a:r>
-            <a:endParaRPr b="0" lang="en-US" sz="1800" spc="-1" strike="noStrike">
+            <a:r>
+              <a:rPr b="0" lang="en-GB" sz="4400" spc="-1" strike="noStrike">
+                <a:solidFill>
+                  <a:srgbClr val="000000"/>
+                </a:solidFill>
+                <a:uFill>
+                  <a:solidFill>
+                    <a:srgbClr val="ffffff"/>
+                  </a:solidFill>
+                </a:uFill>
+                <a:latin typeface="Arial"/>
+              </a:rPr>
+              <a:t>k to </a:t>
+            </a:r>
+            <a:r>
+              <a:rPr b="0" lang="en-GB" sz="4400" spc="-1" strike="noStrike">
+                <a:solidFill>
+                  <a:srgbClr val="000000"/>
+                </a:solidFill>
+                <a:uFill>
+                  <a:solidFill>
+                    <a:srgbClr val="ffffff"/>
+                  </a:solidFill>
+                </a:uFill>
+                <a:latin typeface="Arial"/>
+              </a:rPr>
+              <a:t>edit </a:t>
+            </a:r>
+            <a:r>
+              <a:rPr b="0" lang="en-GB" sz="4400" spc="-1" strike="noStrike">
+                <a:solidFill>
+                  <a:srgbClr val="000000"/>
+                </a:solidFill>
+                <a:uFill>
+                  <a:solidFill>
+                    <a:srgbClr val="ffffff"/>
+                  </a:solidFill>
+                </a:uFill>
+                <a:latin typeface="Arial"/>
+              </a:rPr>
+              <a:t>the </a:t>
+            </a:r>
+            <a:r>
+              <a:rPr b="0" lang="en-GB" sz="4400" spc="-1" strike="noStrike">
+                <a:solidFill>
+                  <a:srgbClr val="000000"/>
+                </a:solidFill>
+                <a:uFill>
+                  <a:solidFill>
+                    <a:srgbClr val="ffffff"/>
+                  </a:solidFill>
+                </a:uFill>
+                <a:latin typeface="Arial"/>
+              </a:rPr>
+              <a:t>title </a:t>
+            </a:r>
+            <a:r>
+              <a:rPr b="0" lang="en-GB" sz="4400" spc="-1" strike="noStrike">
+                <a:solidFill>
+                  <a:srgbClr val="000000"/>
+                </a:solidFill>
+                <a:uFill>
+                  <a:solidFill>
+                    <a:srgbClr val="ffffff"/>
+                  </a:solidFill>
+                </a:uFill>
+                <a:latin typeface="Arial"/>
+              </a:rPr>
+              <a:t>text </a:t>
+            </a:r>
+            <a:r>
+              <a:rPr b="0" lang="en-GB" sz="4400" spc="-1" strike="noStrike">
+                <a:solidFill>
+                  <a:srgbClr val="000000"/>
+                </a:solidFill>
+                <a:uFill>
+                  <a:solidFill>
+                    <a:srgbClr val="ffffff"/>
+                  </a:solidFill>
+                </a:uFill>
+                <a:latin typeface="Arial"/>
+              </a:rPr>
+              <a:t>form</a:t>
+            </a:r>
+            <a:r>
+              <a:rPr b="0" lang="en-GB" sz="4400" spc="-1" strike="noStrike">
+                <a:solidFill>
+                  <a:srgbClr val="000000"/>
+                </a:solidFill>
+                <a:uFill>
+                  <a:solidFill>
+                    <a:srgbClr val="ffffff"/>
+                  </a:solidFill>
+                </a:uFill>
+                <a:latin typeface="Arial"/>
+              </a:rPr>
+              <a:t>at</a:t>
+            </a:r>
+            <a:endParaRPr b="0" lang="en-GB" sz="4400" spc="-1" strike="noStrike">
               <a:solidFill>
                 <a:srgbClr val="000000"/>
               </a:solidFill>
@@ -3051,7 +3170,7 @@
               <a:buChar char=""/>
             </a:pPr>
             <a:r>
-              <a:rPr b="0" lang="en-US" sz="2800" spc="-1" strike="noStrike">
+              <a:rPr b="0" lang="en-GB" sz="3200" spc="-1" strike="noStrike">
                 <a:solidFill>
                   <a:srgbClr val="000000"/>
                 </a:solidFill>
@@ -3064,7 +3183,7 @@
               </a:rPr>
               <a:t>Click to edit the outline text format</a:t>
             </a:r>
-            <a:endParaRPr b="0" lang="en-US" sz="2800" spc="-1" strike="noStrike">
+            <a:endParaRPr b="0" lang="en-GB" sz="3200" spc="-1" strike="noStrike">
               <a:solidFill>
                 <a:srgbClr val="000000"/>
               </a:solidFill>
@@ -3086,7 +3205,7 @@
               <a:buChar char=""/>
             </a:pPr>
             <a:r>
-              <a:rPr b="0" lang="en-US" sz="2000" spc="-1" strike="noStrike">
+              <a:rPr b="0" lang="en-GB" sz="2800" spc="-1" strike="noStrike">
                 <a:solidFill>
                   <a:srgbClr val="000000"/>
                 </a:solidFill>
@@ -3099,7 +3218,7 @@
               </a:rPr>
               <a:t>Second Outline Level</a:t>
             </a:r>
-            <a:endParaRPr b="0" lang="en-US" sz="2000" spc="-1" strike="noStrike">
+            <a:endParaRPr b="0" lang="en-GB" sz="2800" spc="-1" strike="noStrike">
               <a:solidFill>
                 <a:srgbClr val="000000"/>
               </a:solidFill>
@@ -3121,7 +3240,7 @@
               <a:buChar char=""/>
             </a:pPr>
             <a:r>
-              <a:rPr b="0" lang="en-US" sz="1800" spc="-1" strike="noStrike">
+              <a:rPr b="0" lang="en-GB" sz="2400" spc="-1" strike="noStrike">
                 <a:solidFill>
                   <a:srgbClr val="000000"/>
                 </a:solidFill>
@@ -3134,7 +3253,7 @@
               </a:rPr>
               <a:t>Third Outline Level</a:t>
             </a:r>
-            <a:endParaRPr b="0" lang="en-US" sz="1800" spc="-1" strike="noStrike">
+            <a:endParaRPr b="0" lang="en-GB" sz="2400" spc="-1" strike="noStrike">
               <a:solidFill>
                 <a:srgbClr val="000000"/>
               </a:solidFill>
@@ -3156,7 +3275,7 @@
               <a:buChar char=""/>
             </a:pPr>
             <a:r>
-              <a:rPr b="0" lang="en-US" sz="1800" spc="-1" strike="noStrike">
+              <a:rPr b="0" lang="en-GB" sz="2000" spc="-1" strike="noStrike">
                 <a:solidFill>
                   <a:srgbClr val="000000"/>
                 </a:solidFill>
@@ -3169,7 +3288,7 @@
               </a:rPr>
               <a:t>Fourth Outline Level</a:t>
             </a:r>
-            <a:endParaRPr b="0" lang="en-US" sz="1800" spc="-1" strike="noStrike">
+            <a:endParaRPr b="0" lang="en-GB" sz="2000" spc="-1" strike="noStrike">
               <a:solidFill>
                 <a:srgbClr val="000000"/>
               </a:solidFill>
@@ -3191,7 +3310,7 @@
               <a:buChar char=""/>
             </a:pPr>
             <a:r>
-              <a:rPr b="0" lang="en-US" sz="2000" spc="-1" strike="noStrike">
+              <a:rPr b="0" lang="en-GB" sz="2000" spc="-1" strike="noStrike">
                 <a:solidFill>
                   <a:srgbClr val="000000"/>
                 </a:solidFill>
@@ -3204,7 +3323,7 @@
               </a:rPr>
               <a:t>Fifth Outline Level</a:t>
             </a:r>
-            <a:endParaRPr b="0" lang="en-US" sz="2000" spc="-1" strike="noStrike">
+            <a:endParaRPr b="0" lang="en-GB" sz="2000" spc="-1" strike="noStrike">
               <a:solidFill>
                 <a:srgbClr val="000000"/>
               </a:solidFill>
@@ -3226,7 +3345,7 @@
               <a:buChar char=""/>
             </a:pPr>
             <a:r>
-              <a:rPr b="0" lang="en-US" sz="2000" spc="-1" strike="noStrike">
+              <a:rPr b="0" lang="en-GB" sz="2000" spc="-1" strike="noStrike">
                 <a:solidFill>
                   <a:srgbClr val="000000"/>
                 </a:solidFill>
@@ -3239,7 +3358,7 @@
               </a:rPr>
               <a:t>Sixth Outline Level</a:t>
             </a:r>
-            <a:endParaRPr b="0" lang="en-US" sz="2000" spc="-1" strike="noStrike">
+            <a:endParaRPr b="0" lang="en-GB" sz="2000" spc="-1" strike="noStrike">
               <a:solidFill>
                 <a:srgbClr val="000000"/>
               </a:solidFill>
@@ -3261,7 +3380,7 @@
               <a:buChar char=""/>
             </a:pPr>
             <a:r>
-              <a:rPr b="0" lang="en-US" sz="2000" spc="-1" strike="noStrike">
+              <a:rPr b="0" lang="en-GB" sz="2000" spc="-1" strike="noStrike">
                 <a:solidFill>
                   <a:srgbClr val="000000"/>
                 </a:solidFill>
@@ -3274,7 +3393,7 @@
               </a:rPr>
               <a:t>Seventh Outline Level</a:t>
             </a:r>
-            <a:endParaRPr b="0" lang="en-US" sz="2000" spc="-1" strike="noStrike">
+            <a:endParaRPr b="0" lang="en-GB" sz="2000" spc="-1" strike="noStrike">
               <a:solidFill>
                 <a:srgbClr val="000000"/>
               </a:solidFill>
@@ -3354,8 +3473,9 @@
         <p:txBody>
           <a:bodyPr lIns="0" rIns="0" tIns="0" bIns="0" anchor="ctr"/>
           <a:p>
+            <a:pPr algn="ctr"/>
             <a:r>
-              <a:rPr b="0" lang="en-US" sz="1800" spc="-1" strike="noStrike">
+              <a:rPr b="0" lang="en-GB" sz="4400" spc="-1" strike="noStrike">
                 <a:solidFill>
                   <a:srgbClr val="000000"/>
                 </a:solidFill>
@@ -3366,9 +3486,107 @@
                 </a:uFill>
                 <a:latin typeface="Arial"/>
               </a:rPr>
-              <a:t>Click to edit the title text format</a:t>
+              <a:t>Click </a:t>
             </a:r>
-            <a:endParaRPr b="0" lang="en-US" sz="1800" spc="-1" strike="noStrike">
+            <a:r>
+              <a:rPr b="0" lang="en-GB" sz="4400" spc="-1" strike="noStrike">
+                <a:solidFill>
+                  <a:srgbClr val="000000"/>
+                </a:solidFill>
+                <a:uFill>
+                  <a:solidFill>
+                    <a:srgbClr val="ffffff"/>
+                  </a:solidFill>
+                </a:uFill>
+                <a:latin typeface="Arial"/>
+              </a:rPr>
+              <a:t>to </a:t>
+            </a:r>
+            <a:r>
+              <a:rPr b="0" lang="en-GB" sz="4400" spc="-1" strike="noStrike">
+                <a:solidFill>
+                  <a:srgbClr val="000000"/>
+                </a:solidFill>
+                <a:uFill>
+                  <a:solidFill>
+                    <a:srgbClr val="ffffff"/>
+                  </a:solidFill>
+                </a:uFill>
+                <a:latin typeface="Arial"/>
+              </a:rPr>
+              <a:t>edit </a:t>
+            </a:r>
+            <a:r>
+              <a:rPr b="0" lang="en-GB" sz="4400" spc="-1" strike="noStrike">
+                <a:solidFill>
+                  <a:srgbClr val="000000"/>
+                </a:solidFill>
+                <a:uFill>
+                  <a:solidFill>
+                    <a:srgbClr val="ffffff"/>
+                  </a:solidFill>
+                </a:uFill>
+                <a:latin typeface="Arial"/>
+              </a:rPr>
+              <a:t>the </a:t>
+            </a:r>
+            <a:r>
+              <a:rPr b="0" lang="en-GB" sz="4400" spc="-1" strike="noStrike">
+                <a:solidFill>
+                  <a:srgbClr val="000000"/>
+                </a:solidFill>
+                <a:uFill>
+                  <a:solidFill>
+                    <a:srgbClr val="ffffff"/>
+                  </a:solidFill>
+                </a:uFill>
+                <a:latin typeface="Arial"/>
+              </a:rPr>
+              <a:t>title </a:t>
+            </a:r>
+            <a:r>
+              <a:rPr b="0" lang="en-GB" sz="4400" spc="-1" strike="noStrike">
+                <a:solidFill>
+                  <a:srgbClr val="000000"/>
+                </a:solidFill>
+                <a:uFill>
+                  <a:solidFill>
+                    <a:srgbClr val="ffffff"/>
+                  </a:solidFill>
+                </a:uFill>
+                <a:latin typeface="Arial"/>
+              </a:rPr>
+              <a:t>text </a:t>
+            </a:r>
+            <a:r>
+              <a:rPr b="0" lang="en-GB" sz="4400" spc="-1" strike="noStrike">
+                <a:solidFill>
+                  <a:srgbClr val="000000"/>
+                </a:solidFill>
+                <a:uFill>
+                  <a:solidFill>
+                    <a:srgbClr val="ffffff"/>
+                  </a:solidFill>
+                </a:uFill>
+                <a:latin typeface="Arial"/>
+              </a:rPr>
+              <a:t>form</a:t>
+            </a:r>
+            <a:r>
+              <a:rPr b="0" lang="en-GB" sz="4400" spc="-1" strike="noStrike">
+                <a:solidFill>
+                  <a:srgbClr val="000000"/>
+                </a:solidFill>
+                <a:uFill>
+                  <a:solidFill>
+                    <a:srgbClr val="ffffff"/>
+                  </a:solidFill>
+                </a:uFill>
+                <a:latin typeface="Arial"/>
+              </a:rPr>
+              <a:t>at</a:t>
+            </a:r>
+            <a:endParaRPr b="0" lang="en-GB" sz="4400" spc="-1" strike="noStrike">
               <a:solidFill>
                 <a:srgbClr val="000000"/>
               </a:solidFill>
@@ -3413,7 +3631,7 @@
               <a:buChar char=""/>
             </a:pPr>
             <a:r>
-              <a:rPr b="0" lang="en-US" sz="2800" spc="-1" strike="noStrike">
+              <a:rPr b="0" lang="en-GB" sz="3200" spc="-1" strike="noStrike">
                 <a:solidFill>
                   <a:srgbClr val="000000"/>
                 </a:solidFill>
@@ -3426,7 +3644,7 @@
               </a:rPr>
               <a:t>Click to edit the outline text format</a:t>
             </a:r>
-            <a:endParaRPr b="0" lang="en-US" sz="2800" spc="-1" strike="noStrike">
+            <a:endParaRPr b="0" lang="en-GB" sz="3200" spc="-1" strike="noStrike">
               <a:solidFill>
                 <a:srgbClr val="000000"/>
               </a:solidFill>
@@ -3448,7 +3666,7 @@
               <a:buChar char=""/>
             </a:pPr>
             <a:r>
-              <a:rPr b="0" lang="en-US" sz="2000" spc="-1" strike="noStrike">
+              <a:rPr b="0" lang="en-GB" sz="2800" spc="-1" strike="noStrike">
                 <a:solidFill>
                   <a:srgbClr val="000000"/>
                 </a:solidFill>
@@ -3461,7 +3679,7 @@
               </a:rPr>
               <a:t>Second Outline Level</a:t>
             </a:r>
-            <a:endParaRPr b="0" lang="en-US" sz="2000" spc="-1" strike="noStrike">
+            <a:endParaRPr b="0" lang="en-GB" sz="2800" spc="-1" strike="noStrike">
               <a:solidFill>
                 <a:srgbClr val="000000"/>
               </a:solidFill>
@@ -3483,7 +3701,7 @@
               <a:buChar char=""/>
             </a:pPr>
             <a:r>
-              <a:rPr b="0" lang="en-US" sz="1800" spc="-1" strike="noStrike">
+              <a:rPr b="0" lang="en-GB" sz="2400" spc="-1" strike="noStrike">
                 <a:solidFill>
                   <a:srgbClr val="000000"/>
                 </a:solidFill>
@@ -3496,7 +3714,7 @@
               </a:rPr>
               <a:t>Third Outline Level</a:t>
             </a:r>
-            <a:endParaRPr b="0" lang="en-US" sz="1800" spc="-1" strike="noStrike">
+            <a:endParaRPr b="0" lang="en-GB" sz="2400" spc="-1" strike="noStrike">
               <a:solidFill>
                 <a:srgbClr val="000000"/>
               </a:solidFill>
@@ -3518,7 +3736,7 @@
               <a:buChar char=""/>
             </a:pPr>
             <a:r>
-              <a:rPr b="0" lang="en-US" sz="1800" spc="-1" strike="noStrike">
+              <a:rPr b="0" lang="en-GB" sz="2000" spc="-1" strike="noStrike">
                 <a:solidFill>
                   <a:srgbClr val="000000"/>
                 </a:solidFill>
@@ -3531,7 +3749,7 @@
               </a:rPr>
               <a:t>Fourth Outline Level</a:t>
             </a:r>
-            <a:endParaRPr b="0" lang="en-US" sz="1800" spc="-1" strike="noStrike">
+            <a:endParaRPr b="0" lang="en-GB" sz="2000" spc="-1" strike="noStrike">
               <a:solidFill>
                 <a:srgbClr val="000000"/>
               </a:solidFill>
@@ -3553,7 +3771,7 @@
               <a:buChar char=""/>
             </a:pPr>
             <a:r>
-              <a:rPr b="0" lang="en-US" sz="2000" spc="-1" strike="noStrike">
+              <a:rPr b="0" lang="en-GB" sz="2000" spc="-1" strike="noStrike">
                 <a:solidFill>
                   <a:srgbClr val="000000"/>
                 </a:solidFill>
@@ -3566,7 +3784,7 @@
               </a:rPr>
               <a:t>Fifth Outline Level</a:t>
             </a:r>
-            <a:endParaRPr b="0" lang="en-US" sz="2000" spc="-1" strike="noStrike">
+            <a:endParaRPr b="0" lang="en-GB" sz="2000" spc="-1" strike="noStrike">
               <a:solidFill>
                 <a:srgbClr val="000000"/>
               </a:solidFill>
@@ -3588,7 +3806,7 @@
               <a:buChar char=""/>
             </a:pPr>
             <a:r>
-              <a:rPr b="0" lang="en-US" sz="2000" spc="-1" strike="noStrike">
+              <a:rPr b="0" lang="en-GB" sz="2000" spc="-1" strike="noStrike">
                 <a:solidFill>
                   <a:srgbClr val="000000"/>
                 </a:solidFill>
@@ -3601,7 +3819,7 @@
               </a:rPr>
               <a:t>Sixth Outline Level</a:t>
             </a:r>
-            <a:endParaRPr b="0" lang="en-US" sz="2000" spc="-1" strike="noStrike">
+            <a:endParaRPr b="0" lang="en-GB" sz="2000" spc="-1" strike="noStrike">
               <a:solidFill>
                 <a:srgbClr val="000000"/>
               </a:solidFill>
@@ -3623,7 +3841,7 @@
               <a:buChar char=""/>
             </a:pPr>
             <a:r>
-              <a:rPr b="0" lang="en-US" sz="2000" spc="-1" strike="noStrike">
+              <a:rPr b="0" lang="en-GB" sz="2000" spc="-1" strike="noStrike">
                 <a:solidFill>
                   <a:srgbClr val="000000"/>
                 </a:solidFill>
@@ -3636,7 +3854,7 @@
               </a:rPr>
               <a:t>Seventh Outline Level</a:t>
             </a:r>
-            <a:endParaRPr b="0" lang="en-US" sz="2000" spc="-1" strike="noStrike">
+            <a:endParaRPr b="0" lang="en-GB" sz="2000" spc="-1" strike="noStrike">
               <a:solidFill>
                 <a:srgbClr val="000000"/>
               </a:solidFill>
@@ -3695,8 +3913,8 @@
         </p:nvSpPr>
         <p:spPr>
           <a:xfrm rot="21575400">
-            <a:off x="956160" y="360720"/>
-            <a:ext cx="10150560" cy="6151680"/>
+            <a:off x="955800" y="360360"/>
+            <a:ext cx="10150200" cy="6151320"/>
           </a:xfrm>
           <a:prstGeom prst="rect">
             <a:avLst/>
@@ -3751,7 +3969,7 @@
               <a:tr h="977760">
                 <a:tc>
                   <a:txBody>
-                    <a:bodyPr anchor="ctr"/>
+                    <a:bodyPr/>
                     <a:p>
                       <a:pPr algn="ctr">
                         <a:lnSpc>
@@ -3924,7 +4142,7 @@
                 </a:tc>
                 <a:tc>
                   <a:txBody>
-                    <a:bodyPr anchor="ctr"/>
+                    <a:bodyPr/>
                     <a:p>
                       <a:pPr algn="ctr">
                         <a:lnSpc>
@@ -4097,7 +4315,7 @@
                 </a:tc>
                 <a:tc>
                   <a:txBody>
-                    <a:bodyPr anchor="ctr"/>
+                    <a:bodyPr/>
                     <a:p>
                       <a:pPr algn="ctr">
                         <a:lnSpc>
@@ -4270,7 +4488,7 @@
                 </a:tc>
                 <a:tc>
                   <a:txBody>
-                    <a:bodyPr anchor="ctr"/>
+                    <a:bodyPr/>
                     <a:p>
                       <a:pPr algn="ctr">
                         <a:lnSpc>
@@ -4356,7 +4574,7 @@
               <a:tr h="879120">
                 <a:tc>
                   <a:txBody>
-                    <a:bodyPr anchor="ctr"/>
+                    <a:bodyPr/>
                     <a:p>
                       <a:pPr algn="ctr">
                         <a:lnSpc>
@@ -4421,7 +4639,7 @@
               <a:tr h="1034640">
                 <a:tc>
                   <a:txBody>
-                    <a:bodyPr anchor="ctr"/>
+                    <a:bodyPr/>
                     <a:p>
                       <a:pPr algn="ctr">
                         <a:lnSpc>
@@ -4486,7 +4704,7 @@
               <a:tr h="1034640">
                 <a:tc>
                   <a:txBody>
-                    <a:bodyPr anchor="ctr"/>
+                    <a:bodyPr/>
                     <a:p>
                       <a:pPr algn="ctr">
                         <a:lnSpc>
@@ -4551,7 +4769,7 @@
               <a:tr h="1035720">
                 <a:tc>
                   <a:txBody>
-                    <a:bodyPr anchor="ctr"/>
+                    <a:bodyPr/>
                     <a:p>
                       <a:pPr algn="ctr">
                         <a:lnSpc>
@@ -4903,8 +5121,8 @@
         </p:nvSpPr>
         <p:spPr>
           <a:xfrm rot="16200000">
-            <a:off x="106200" y="2841120"/>
-            <a:ext cx="2675520" cy="583920"/>
+            <a:off x="106200" y="2841480"/>
+            <a:ext cx="2675160" cy="583560"/>
           </a:xfrm>
           <a:prstGeom prst="rect">
             <a:avLst/>
@@ -4971,7 +5189,7 @@
         <p:spPr>
           <a:xfrm>
             <a:off x="5114880" y="5949720"/>
-            <a:ext cx="3112200" cy="492120"/>
+            <a:ext cx="3111840" cy="491760"/>
           </a:xfrm>
           <a:prstGeom prst="rect">
             <a:avLst/>
@@ -5038,7 +5256,7 @@
         <p:spPr>
           <a:xfrm>
             <a:off x="1239480" y="596160"/>
-            <a:ext cx="9565920" cy="294840"/>
+            <a:ext cx="9565560" cy="294480"/>
           </a:xfrm>
           <a:prstGeom prst="rect">
             <a:avLst/>
@@ -5153,8 +5371,8 @@
         </p:nvSpPr>
         <p:spPr>
           <a:xfrm rot="2400">
-            <a:off x="1582200" y="499680"/>
-            <a:ext cx="8998560" cy="1366560"/>
+            <a:off x="1581840" y="499320"/>
+            <a:ext cx="8998200" cy="1366200"/>
           </a:xfrm>
           <a:prstGeom prst="rect">
             <a:avLst/>
@@ -5194,7 +5412,7 @@
               <a:tr h="668160">
                 <a:tc>
                   <a:txBody>
-                    <a:bodyPr lIns="90000" rIns="90000" anchor="ctr"/>
+                    <a:bodyPr lIns="90000" rIns="90000"/>
                     <a:p>
                       <a:pPr algn="ctr">
                         <a:lnSpc>
@@ -5257,7 +5475,7 @@
                 </a:tc>
                 <a:tc>
                   <a:txBody>
-                    <a:bodyPr lIns="90000" rIns="90000" anchor="ctr"/>
+                    <a:bodyPr lIns="90000" rIns="90000"/>
                     <a:p>
                       <a:pPr algn="ctr">
                         <a:lnSpc>
@@ -5320,7 +5538,7 @@
                 </a:tc>
                 <a:tc>
                   <a:txBody>
-                    <a:bodyPr lIns="90000" rIns="90000" anchor="ctr"/>
+                    <a:bodyPr lIns="90000" rIns="90000"/>
                     <a:p>
                       <a:pPr algn="ctr">
                         <a:lnSpc>
@@ -5383,7 +5601,7 @@
                 </a:tc>
                 <a:tc>
                   <a:txBody>
-                    <a:bodyPr lIns="90000" rIns="90000" anchor="ctr"/>
+                    <a:bodyPr lIns="90000" rIns="90000"/>
                     <a:p>
                       <a:pPr algn="ctr">
                         <a:lnSpc>
@@ -5448,7 +5666,7 @@
               <a:tr h="668160">
                 <a:tc>
                   <a:txBody>
-                    <a:bodyPr lIns="90000" rIns="90000" anchor="ctr"/>
+                    <a:bodyPr lIns="90000" rIns="90000"/>
                     <a:p>
                       <a:pPr algn="ctr">
                         <a:lnSpc>
@@ -5594,7 +5812,7 @@
               <a:tr h="668160">
                 <a:tc>
                   <a:txBody>
-                    <a:bodyPr lIns="90000" rIns="90000" anchor="ctr"/>
+                    <a:bodyPr lIns="90000" rIns="90000"/>
                     <a:p>
                       <a:pPr algn="ctr">
                         <a:lnSpc>
@@ -5740,7 +5958,7 @@
               <a:tr h="668160">
                 <a:tc>
                   <a:txBody>
-                    <a:bodyPr lIns="90000" rIns="90000" anchor="ctr"/>
+                    <a:bodyPr lIns="90000" rIns="90000"/>
                     <a:p>
                       <a:pPr algn="ctr">
                         <a:lnSpc>
@@ -5886,7 +6104,7 @@
               <a:tr h="668160">
                 <a:tc>
                   <a:txBody>
-                    <a:bodyPr lIns="90000" rIns="90000" anchor="ctr"/>
+                    <a:bodyPr lIns="90000" rIns="90000"/>
                     <a:p>
                       <a:pPr algn="ctr">
                         <a:lnSpc>
@@ -6032,7 +6250,7 @@
               <a:tr h="668160">
                 <a:tc>
                   <a:txBody>
-                    <a:bodyPr lIns="90000" rIns="90000" anchor="ctr"/>
+                    <a:bodyPr lIns="90000" rIns="90000"/>
                     <a:p>
                       <a:pPr algn="ctr">
                         <a:lnSpc>
@@ -6178,7 +6396,7 @@
               <a:tr h="668160">
                 <a:tc>
                   <a:txBody>
-                    <a:bodyPr lIns="90000" rIns="90000" anchor="ctr"/>
+                    <a:bodyPr lIns="90000" rIns="90000"/>
                     <a:p>
                       <a:pPr algn="ctr">
                         <a:lnSpc>
@@ -6339,7 +6557,7 @@
               <a:tr h="668160">
                 <a:tc>
                   <a:txBody>
-                    <a:bodyPr lIns="90000" rIns="90000" anchor="ctr"/>
+                    <a:bodyPr lIns="90000" rIns="90000"/>
                     <a:p>
                       <a:pPr algn="ctr">
                         <a:lnSpc>
@@ -6485,7 +6703,7 @@
               <a:tr h="668160">
                 <a:tc gridSpan="4">
                   <a:txBody>
-                    <a:bodyPr lIns="90000" rIns="90000" anchor="ctr"/>
+                    <a:bodyPr lIns="90000" rIns="90000"/>
                     <a:p>
                       <a:pPr algn="ctr">
                         <a:lnSpc>
@@ -6571,7 +6789,7 @@
               <a:tr h="670320">
                 <a:tc>
                   <a:txBody>
-                    <a:bodyPr lIns="90000" rIns="90000" anchor="ctr"/>
+                    <a:bodyPr lIns="90000" rIns="90000"/>
                     <a:p>
                       <a:pPr algn="ctr">
                         <a:lnSpc>
@@ -6726,7 +6944,7 @@
         </p:nvGraphicFramePr>
         <p:xfrm>
           <a:off x="6082200" y="72000"/>
-          <a:ext cx="5686560" cy="6683400"/>
+          <a:ext cx="5686560" cy="6683040"/>
         </p:xfrm>
         <a:graphic>
           <a:graphicData uri="http://schemas.openxmlformats.org/drawingml/2006/table">
@@ -6741,7 +6959,7 @@
               <a:tr h="668160">
                 <a:tc>
                   <a:txBody>
-                    <a:bodyPr lIns="90000" rIns="90000" anchor="ctr"/>
+                    <a:bodyPr lIns="90000" rIns="90000"/>
                     <a:p>
                       <a:pPr algn="ctr">
                         <a:lnSpc>
@@ -6804,7 +7022,7 @@
                 </a:tc>
                 <a:tc>
                   <a:txBody>
-                    <a:bodyPr lIns="90000" rIns="90000" anchor="ctr"/>
+                    <a:bodyPr lIns="90000" rIns="90000"/>
                     <a:p>
                       <a:pPr algn="ctr">
                         <a:lnSpc>
@@ -6867,7 +7085,7 @@
                 </a:tc>
                 <a:tc>
                   <a:txBody>
-                    <a:bodyPr lIns="90000" rIns="90000" anchor="ctr"/>
+                    <a:bodyPr lIns="90000" rIns="90000"/>
                     <a:p>
                       <a:pPr algn="ctr">
                         <a:lnSpc>
@@ -6930,7 +7148,7 @@
                 </a:tc>
                 <a:tc>
                   <a:txBody>
-                    <a:bodyPr lIns="90000" rIns="90000" anchor="ctr"/>
+                    <a:bodyPr lIns="90000" rIns="90000"/>
                     <a:p>
                       <a:pPr algn="ctr">
                         <a:lnSpc>
@@ -7022,7 +7240,7 @@
                 </a:tc>
                 <a:tc>
                   <a:txBody>
-                    <a:bodyPr lIns="90000" rIns="90000" anchor="ctr"/>
+                    <a:bodyPr lIns="90000" rIns="90000"/>
                     <a:p>
                       <a:pPr algn="ctr">
                         <a:lnSpc>
@@ -7168,7 +7386,7 @@
                 </a:tc>
                 <a:tc>
                   <a:txBody>
-                    <a:bodyPr lIns="90000" rIns="90000" anchor="ctr"/>
+                    <a:bodyPr lIns="90000" rIns="90000"/>
                     <a:p>
                       <a:pPr algn="ctr">
                         <a:lnSpc>
@@ -7314,7 +7532,7 @@
                 </a:tc>
                 <a:tc>
                   <a:txBody>
-                    <a:bodyPr lIns="90000" rIns="90000" anchor="ctr"/>
+                    <a:bodyPr lIns="90000" rIns="90000"/>
                     <a:p>
                       <a:pPr algn="ctr">
                         <a:lnSpc>
@@ -7460,7 +7678,7 @@
                 </a:tc>
                 <a:tc>
                   <a:txBody>
-                    <a:bodyPr lIns="90000" rIns="90000" anchor="ctr"/>
+                    <a:bodyPr lIns="90000" rIns="90000"/>
                     <a:p>
                       <a:pPr algn="ctr">
                         <a:lnSpc>
@@ -7606,7 +7824,7 @@
                 </a:tc>
                 <a:tc>
                   <a:txBody>
-                    <a:bodyPr lIns="90000" rIns="90000" anchor="ctr"/>
+                    <a:bodyPr lIns="90000" rIns="90000"/>
                     <a:p>
                       <a:pPr algn="ctr">
                         <a:lnSpc>
@@ -7752,7 +7970,7 @@
                 </a:tc>
                 <a:tc>
                   <a:txBody>
-                    <a:bodyPr lIns="90000" rIns="90000" anchor="ctr"/>
+                    <a:bodyPr lIns="90000" rIns="90000"/>
                     <a:p>
                       <a:pPr algn="ctr">
                         <a:lnSpc>
@@ -7898,7 +8116,7 @@
                 </a:tc>
                 <a:tc>
                   <a:txBody>
-                    <a:bodyPr lIns="90000" rIns="90000" anchor="ctr"/>
+                    <a:bodyPr lIns="90000" rIns="90000"/>
                     <a:p>
                       <a:pPr algn="ctr">
                         <a:lnSpc>
@@ -8017,7 +8235,7 @@
               <a:tr h="668160">
                 <a:tc gridSpan="4">
                   <a:txBody>
-                    <a:bodyPr lIns="90000" rIns="90000" anchor="ctr"/>
+                    <a:bodyPr lIns="90000" rIns="90000"/>
                     <a:p>
                       <a:pPr algn="ctr">
                         <a:lnSpc>
@@ -8130,7 +8348,7 @@
                 </a:tc>
                 <a:tc>
                   <a:txBody>
-                    <a:bodyPr lIns="90000" rIns="90000" anchor="ctr"/>
+                    <a:bodyPr lIns="90000" rIns="90000"/>
                     <a:p>
                       <a:pPr algn="ctr">
                         <a:lnSpc>
@@ -8307,8 +8525,8 @@
         </p:nvSpPr>
         <p:spPr>
           <a:xfrm rot="2400">
-            <a:off x="1582200" y="499680"/>
-            <a:ext cx="8998560" cy="1366560"/>
+            <a:off x="1581840" y="499320"/>
+            <a:ext cx="8998200" cy="1366200"/>
           </a:xfrm>
           <a:prstGeom prst="rect">
             <a:avLst/>
@@ -8334,7 +8552,7 @@
         <p:spPr>
           <a:xfrm>
             <a:off x="609480" y="2160000"/>
-            <a:ext cx="10971000" cy="3958560"/>
+            <a:ext cx="10970640" cy="3958200"/>
           </a:xfrm>
           <a:prstGeom prst="rect">
             <a:avLst/>
@@ -8353,7 +8571,7 @@
         <p:txBody>
           <a:bodyPr lIns="0" rIns="0" tIns="0" bIns="0"/>
           <a:p>
-            <a:pPr marL="432000" indent="-322560">
+            <a:pPr marL="432000" indent="-322200">
               <a:lnSpc>
                 <a:spcPct val="100000"/>
               </a:lnSpc>
@@ -8392,7 +8610,7 @@
             </a:endParaRPr>
           </a:p>
           <a:p>
-            <a:pPr marL="432000" indent="-322560">
+            <a:pPr marL="432000" indent="-322200">
               <a:lnSpc>
                 <a:spcPct val="100000"/>
               </a:lnSpc>
@@ -8431,7 +8649,7 @@
             </a:endParaRPr>
           </a:p>
           <a:p>
-            <a:pPr marL="432000" indent="-322560">
+            <a:pPr marL="432000" indent="-322200">
               <a:lnSpc>
                 <a:spcPct val="100000"/>
               </a:lnSpc>
@@ -8494,7 +8712,7 @@
               <a:tr h="662400">
                 <a:tc>
                   <a:txBody>
-                    <a:bodyPr lIns="90000" rIns="90000" anchor="ctr"/>
+                    <a:bodyPr lIns="90000" rIns="90000"/>
                     <a:p>
                       <a:pPr algn="ctr">
                         <a:lnSpc>
@@ -8557,7 +8775,7 @@
                 </a:tc>
                 <a:tc>
                   <a:txBody>
-                    <a:bodyPr lIns="90000" rIns="90000" anchor="ctr"/>
+                    <a:bodyPr lIns="90000" rIns="90000"/>
                     <a:p>
                       <a:pPr algn="ctr">
                         <a:lnSpc>
@@ -8620,7 +8838,7 @@
                 </a:tc>
                 <a:tc>
                   <a:txBody>
-                    <a:bodyPr lIns="90000" rIns="90000" anchor="ctr"/>
+                    <a:bodyPr lIns="90000" rIns="90000"/>
                     <a:p>
                       <a:pPr algn="ctr">
                         <a:lnSpc>
@@ -8683,7 +8901,7 @@
                 </a:tc>
                 <a:tc>
                   <a:txBody>
-                    <a:bodyPr lIns="90000" rIns="90000" anchor="ctr"/>
+                    <a:bodyPr lIns="90000" rIns="90000"/>
                     <a:p>
                       <a:pPr algn="ctr">
                         <a:lnSpc>
@@ -8802,7 +9020,7 @@
                 </a:tc>
                 <a:tc>
                   <a:txBody>
-                    <a:bodyPr lIns="90000" rIns="90000" anchor="ctr"/>
+                    <a:bodyPr lIns="90000" rIns="90000"/>
                     <a:p>
                       <a:pPr algn="ctr">
                         <a:lnSpc>
@@ -8948,7 +9166,7 @@
                 </a:tc>
                 <a:tc>
                   <a:txBody>
-                    <a:bodyPr lIns="90000" rIns="90000" anchor="ctr"/>
+                    <a:bodyPr lIns="90000" rIns="90000"/>
                     <a:p>
                       <a:pPr algn="ctr">
                         <a:lnSpc>
@@ -9094,7 +9312,7 @@
                 </a:tc>
                 <a:tc>
                   <a:txBody>
-                    <a:bodyPr lIns="90000" rIns="90000" anchor="ctr"/>
+                    <a:bodyPr lIns="90000" rIns="90000"/>
                     <a:p>
                       <a:pPr algn="ctr">
                         <a:lnSpc>
@@ -9240,7 +9458,7 @@
                 </a:tc>
                 <a:tc>
                   <a:txBody>
-                    <a:bodyPr lIns="90000" rIns="90000" anchor="ctr"/>
+                    <a:bodyPr lIns="90000" rIns="90000"/>
                     <a:p>
                       <a:pPr algn="ctr">
                         <a:lnSpc>
@@ -9386,7 +9604,7 @@
                 </a:tc>
                 <a:tc>
                   <a:txBody>
-                    <a:bodyPr lIns="90000" rIns="90000" anchor="ctr"/>
+                    <a:bodyPr lIns="90000" rIns="90000"/>
                     <a:p>
                       <a:pPr algn="ctr">
                         <a:lnSpc>
@@ -9532,7 +9750,7 @@
                 </a:tc>
                 <a:tc>
                   <a:txBody>
-                    <a:bodyPr lIns="90000" rIns="90000" anchor="ctr"/>
+                    <a:bodyPr lIns="90000" rIns="90000"/>
                     <a:p>
                       <a:pPr algn="ctr">
                         <a:lnSpc>
@@ -9678,7 +9896,7 @@
                 </a:tc>
                 <a:tc>
                   <a:txBody>
-                    <a:bodyPr lIns="90000" rIns="90000" anchor="ctr"/>
+                    <a:bodyPr lIns="90000" rIns="90000"/>
                     <a:p>
                       <a:pPr algn="ctr">
                         <a:lnSpc>
@@ -9770,7 +9988,7 @@
               <a:tr h="662400">
                 <a:tc gridSpan="4">
                   <a:txBody>
-                    <a:bodyPr lIns="90000" rIns="90000" anchor="ctr"/>
+                    <a:bodyPr lIns="90000" rIns="90000"/>
                     <a:p>
                       <a:pPr algn="ctr">
                         <a:lnSpc>
@@ -9910,7 +10128,7 @@
                 </a:tc>
                 <a:tc>
                   <a:txBody>
-                    <a:bodyPr lIns="90000" rIns="90000" anchor="ctr"/>
+                    <a:bodyPr lIns="90000" rIns="90000"/>
                     <a:p>
                       <a:pPr algn="ctr">
                         <a:lnSpc>
@@ -10011,7 +10229,7 @@
         </p:nvGraphicFramePr>
         <p:xfrm>
           <a:off x="5979240" y="97200"/>
-          <a:ext cx="5830560" cy="6637320"/>
+          <a:ext cx="5830560" cy="6636960"/>
         </p:xfrm>
         <a:graphic>
           <a:graphicData uri="http://schemas.openxmlformats.org/drawingml/2006/table">
@@ -10026,7 +10244,7 @@
               <a:tr h="663480">
                 <a:tc>
                   <a:txBody>
-                    <a:bodyPr lIns="90000" rIns="90000" anchor="ctr"/>
+                    <a:bodyPr lIns="90000" rIns="90000"/>
                     <a:p>
                       <a:pPr algn="ctr">
                         <a:lnSpc>
@@ -10089,7 +10307,7 @@
                 </a:tc>
                 <a:tc>
                   <a:txBody>
-                    <a:bodyPr lIns="90000" rIns="90000" anchor="ctr"/>
+                    <a:bodyPr lIns="90000" rIns="90000"/>
                     <a:p>
                       <a:pPr algn="ctr">
                         <a:lnSpc>
@@ -10152,7 +10370,7 @@
                 </a:tc>
                 <a:tc>
                   <a:txBody>
-                    <a:bodyPr lIns="90000" rIns="90000" anchor="ctr"/>
+                    <a:bodyPr lIns="90000" rIns="90000"/>
                     <a:p>
                       <a:pPr algn="ctr">
                         <a:lnSpc>
@@ -10215,7 +10433,7 @@
                 </a:tc>
                 <a:tc>
                   <a:txBody>
-                    <a:bodyPr lIns="90000" rIns="90000" anchor="ctr"/>
+                    <a:bodyPr lIns="90000" rIns="90000"/>
                     <a:p>
                       <a:pPr algn="ctr">
                         <a:lnSpc>
@@ -10361,7 +10579,7 @@
                 </a:tc>
                 <a:tc>
                   <a:txBody>
-                    <a:bodyPr lIns="90000" rIns="90000" anchor="ctr"/>
+                    <a:bodyPr lIns="90000" rIns="90000"/>
                     <a:p>
                       <a:pPr algn="ctr">
                         <a:lnSpc>
@@ -10507,7 +10725,7 @@
                 </a:tc>
                 <a:tc>
                   <a:txBody>
-                    <a:bodyPr lIns="90000" rIns="90000" anchor="ctr"/>
+                    <a:bodyPr lIns="90000" rIns="90000"/>
                     <a:p>
                       <a:pPr algn="ctr">
                         <a:lnSpc>
@@ -10653,7 +10871,7 @@
                 </a:tc>
                 <a:tc>
                   <a:txBody>
-                    <a:bodyPr lIns="90000" rIns="90000" anchor="ctr"/>
+                    <a:bodyPr lIns="90000" rIns="90000"/>
                     <a:p>
                       <a:pPr algn="ctr">
                         <a:lnSpc>
@@ -10799,7 +11017,7 @@
                 </a:tc>
                 <a:tc>
                   <a:txBody>
-                    <a:bodyPr lIns="90000" rIns="90000" anchor="ctr"/>
+                    <a:bodyPr lIns="90000" rIns="90000"/>
                     <a:p>
                       <a:pPr algn="ctr">
                         <a:lnSpc>
@@ -10945,7 +11163,7 @@
                 </a:tc>
                 <a:tc>
                   <a:txBody>
-                    <a:bodyPr lIns="90000" rIns="90000" anchor="ctr"/>
+                    <a:bodyPr lIns="90000" rIns="90000"/>
                     <a:p>
                       <a:pPr algn="ctr">
                         <a:lnSpc>
@@ -11091,7 +11309,7 @@
                 </a:tc>
                 <a:tc>
                   <a:txBody>
-                    <a:bodyPr lIns="90000" rIns="90000" anchor="ctr"/>
+                    <a:bodyPr lIns="90000" rIns="90000"/>
                     <a:p>
                       <a:pPr algn="ctr">
                         <a:lnSpc>
@@ -11237,7 +11455,7 @@
                 </a:tc>
                 <a:tc>
                   <a:txBody>
-                    <a:bodyPr lIns="90000" rIns="90000" anchor="ctr"/>
+                    <a:bodyPr lIns="90000" rIns="90000"/>
                     <a:p>
                       <a:pPr algn="ctr">
                         <a:lnSpc>
@@ -11302,7 +11520,7 @@
               <a:tr h="663480">
                 <a:tc gridSpan="4">
                   <a:txBody>
-                    <a:bodyPr lIns="90000" rIns="90000" anchor="ctr"/>
+                    <a:bodyPr lIns="90000" rIns="90000"/>
                     <a:p>
                       <a:pPr algn="ctr">
                         <a:lnSpc>
@@ -11469,7 +11687,7 @@
                 </a:tc>
                 <a:tc>
                   <a:txBody>
-                    <a:bodyPr lIns="90000" rIns="90000" anchor="ctr"/>
+                    <a:bodyPr lIns="90000" rIns="90000"/>
                     <a:p>
                       <a:pPr algn="ctr">
                         <a:lnSpc>
@@ -11592,8 +11810,8 @@
         </p:nvSpPr>
         <p:spPr>
           <a:xfrm rot="21575400">
-            <a:off x="719280" y="397800"/>
-            <a:ext cx="10387440" cy="6151680"/>
+            <a:off x="718920" y="397440"/>
+            <a:ext cx="10387080" cy="6151320"/>
           </a:xfrm>
           <a:prstGeom prst="rect">
             <a:avLst/>
@@ -11647,64 +11865,130 @@
               </a:tblGrid>
               <a:tr h="977760">
                 <a:tc>
-                  <a:tcPr marL="91440" marR="91440">
-                    <a:lnL w="12240">
-                      <a:solidFill>
-                        <a:srgbClr val="000000"/>
-                      </a:solidFill>
-                    </a:lnL>
-                    <a:lnR w="12240">
-                      <a:solidFill>
-                        <a:srgbClr val="000000"/>
-                      </a:solidFill>
-                    </a:lnR>
-                    <a:lnT w="12240">
-                      <a:solidFill>
-                        <a:srgbClr val="000000"/>
-                      </a:solidFill>
-                    </a:lnT>
-                    <a:lnB w="12240">
-                      <a:solidFill>
-                        <a:srgbClr val="000000"/>
-                      </a:solidFill>
-                    </a:lnB>
-                    <a:solidFill>
-                      <a:srgbClr val="ffffff"/>
-                    </a:solidFill>
-                  </a:tcPr>
-                </a:tc>
-                <a:tc>
-                  <a:tcPr marL="91440" marR="91440">
-                    <a:lnL w="12240">
-                      <a:solidFill>
-                        <a:srgbClr val="000000"/>
-                      </a:solidFill>
-                    </a:lnL>
-                    <a:lnR w="12240">
-                      <a:solidFill>
-                        <a:srgbClr val="000000"/>
-                      </a:solidFill>
-                    </a:lnR>
-                    <a:lnT w="12240">
-                      <a:solidFill>
-                        <a:srgbClr val="000000"/>
-                      </a:solidFill>
-                    </a:lnT>
-                    <a:lnB w="12240">
-                      <a:solidFill>
-                        <a:srgbClr val="000000"/>
-                      </a:solidFill>
-                    </a:lnB>
-                    <a:solidFill>
-                      <a:srgbClr val="ffffff"/>
-                    </a:solidFill>
-                  </a:tcPr>
-                </a:tc>
-                <a:tc>
                   <a:txBody>
                     <a:bodyPr anchor="ctr"/>
                     <a:p>
                       <a:pPr algn="ctr"/>
+                      <a:r>
+                        <a:rPr b="0" lang="en-GB" sz="1800" spc="-1" strike="noStrike">
+                          <a:solidFill>
+                            <a:srgbClr val="000000"/>
+                          </a:solidFill>
+                          <a:uFill>
+                            <a:solidFill>
+                              <a:srgbClr val="ffffff"/>
+                            </a:solidFill>
+                          </a:uFill>
+                          <a:latin typeface="Times New Roman"/>
+                        </a:rPr>
+                        <a:t>08:16</a:t>
+                      </a:r>
+                      <a:endParaRPr b="0" lang="en-GB" sz="1800" spc="-1" strike="noStrike">
+                        <a:solidFill>
+                          <a:srgbClr val="000000"/>
+                        </a:solidFill>
+                        <a:uFill>
+                          <a:solidFill>
+                            <a:srgbClr val="ffffff"/>
+                          </a:solidFill>
+                        </a:uFill>
+                        <a:latin typeface="Times New Roman"/>
+                      </a:endParaRPr>
+                    </a:p>
+                  </a:txBody>
+                  <a:tcPr marL="91440" marR="91440">
+                    <a:lnL w="12240">
+                      <a:solidFill>
+                        <a:srgbClr val="000000"/>
+                      </a:solidFill>
+                    </a:lnL>
+                    <a:lnR w="12240">
+                      <a:solidFill>
+                        <a:srgbClr val="000000"/>
+                      </a:solidFill>
+                    </a:lnR>
+                    <a:lnT w="12240">
+                      <a:solidFill>
+                        <a:srgbClr val="000000"/>
+                      </a:solidFill>
+                    </a:lnT>
+                    <a:lnB w="12240">
+                      <a:solidFill>
+                        <a:srgbClr val="000000"/>
+                      </a:solidFill>
+                    </a:lnB>
+                    <a:solidFill>
+                      <a:srgbClr val="ffffff"/>
+                    </a:solidFill>
+                  </a:tcPr>
+                </a:tc>
+                <a:tc>
+                  <a:txBody>
+                    <a:bodyPr anchor="ctr"/>
+                    <a:p>
+                      <a:pPr algn="ctr"/>
+                      <a:r>
+                        <a:rPr b="0" lang="en-GB" sz="1800" spc="-1" strike="noStrike">
+                          <a:solidFill>
+                            <a:srgbClr val="000000"/>
+                          </a:solidFill>
+                          <a:uFill>
+                            <a:solidFill>
+                              <a:srgbClr val="ffffff"/>
+                            </a:solidFill>
+                          </a:uFill>
+                          <a:latin typeface="Times New Roman"/>
+                        </a:rPr>
+                        <a:t>06:30</a:t>
+                      </a:r>
+                      <a:endParaRPr b="0" lang="en-GB" sz="1800" spc="-1" strike="noStrike">
+                        <a:solidFill>
+                          <a:srgbClr val="000000"/>
+                        </a:solidFill>
+                        <a:uFill>
+                          <a:solidFill>
+                            <a:srgbClr val="ffffff"/>
+                          </a:solidFill>
+                        </a:uFill>
+                        <a:latin typeface="Times New Roman"/>
+                      </a:endParaRPr>
+                    </a:p>
+                  </a:txBody>
+                  <a:tcPr marL="91440" marR="91440">
+                    <a:lnL w="12240">
+                      <a:solidFill>
+                        <a:srgbClr val="000000"/>
+                      </a:solidFill>
+                    </a:lnL>
+                    <a:lnR w="12240">
+                      <a:solidFill>
+                        <a:srgbClr val="000000"/>
+                      </a:solidFill>
+                    </a:lnR>
+                    <a:lnT w="12240">
+                      <a:solidFill>
+                        <a:srgbClr val="000000"/>
+                      </a:solidFill>
+                    </a:lnT>
+                    <a:lnB w="12240">
+                      <a:solidFill>
+                        <a:srgbClr val="000000"/>
+                      </a:solidFill>
+                    </a:lnB>
+                    <a:solidFill>
+                      <a:srgbClr val="ffffff"/>
+                    </a:solidFill>
+                  </a:tcPr>
+                </a:tc>
+                <a:tc>
+                  <a:txBody>
+                    <a:bodyPr anchor="ctr"/>
+                    <a:p>
+                      <a:pPr algn="ctr">
+                        <a:lnSpc>
+                          <a:spcPct val="100000"/>
+                        </a:lnSpc>
+                      </a:pPr>
                       <a:r>
                         <a:rPr b="0" lang="en-GB" sz="1800" spc="-1" strike="noStrike">
                           <a:solidFill>
@@ -11762,7 +12046,11 @@
                   <a:txBody>
                     <a:bodyPr anchor="ctr"/>
                     <a:p>
-                      <a:pPr algn="ctr"/>
+                      <a:pPr algn="ctr">
+                        <a:lnSpc>
+                          <a:spcPct val="100000"/>
+                        </a:lnSpc>
+                      </a:pPr>
                       <a:r>
                         <a:rPr b="0" lang="en-GB" sz="1800" spc="-1" strike="noStrike">
                           <a:solidFill>
@@ -11840,7 +12128,7 @@
                           <a:latin typeface="Arial"/>
                           <a:ea typeface="DejaVu Sans"/>
                         </a:rPr>
-                        <a:t>8:45</a:t>
+                        <a:t>08:45</a:t>
                       </a:r>
                       <a:endParaRPr b="0" lang="en-GB" sz="1800" spc="-1" strike="noStrike">
                         <a:solidFill>
@@ -12073,64 +12361,130 @@
               </a:tr>
               <a:tr h="977760">
                 <a:tc>
-                  <a:tcPr marL="91440" marR="91440">
-                    <a:lnL w="12240">
-                      <a:solidFill>
-                        <a:srgbClr val="000000"/>
-                      </a:solidFill>
-                    </a:lnL>
-                    <a:lnR w="12240">
-                      <a:solidFill>
-                        <a:srgbClr val="000000"/>
-                      </a:solidFill>
-                    </a:lnR>
-                    <a:lnT w="12240">
-                      <a:solidFill>
-                        <a:srgbClr val="000000"/>
-                      </a:solidFill>
-                    </a:lnT>
-                    <a:lnB w="12240">
-                      <a:solidFill>
-                        <a:srgbClr val="000000"/>
-                      </a:solidFill>
-                    </a:lnB>
-                    <a:solidFill>
-                      <a:srgbClr val="ffffff"/>
-                    </a:solidFill>
-                  </a:tcPr>
-                </a:tc>
-                <a:tc>
-                  <a:tcPr marL="91440" marR="91440">
-                    <a:lnL w="12240">
-                      <a:solidFill>
-                        <a:srgbClr val="000000"/>
-                      </a:solidFill>
-                    </a:lnL>
-                    <a:lnR w="12240">
-                      <a:solidFill>
-                        <a:srgbClr val="000000"/>
-                      </a:solidFill>
-                    </a:lnR>
-                    <a:lnT w="12240">
-                      <a:solidFill>
-                        <a:srgbClr val="000000"/>
-                      </a:solidFill>
-                    </a:lnT>
-                    <a:lnB w="12240">
-                      <a:solidFill>
-                        <a:srgbClr val="000000"/>
-                      </a:solidFill>
-                    </a:lnB>
-                    <a:solidFill>
-                      <a:srgbClr val="ffffff"/>
-                    </a:solidFill>
-                  </a:tcPr>
-                </a:tc>
-                <a:tc>
                   <a:txBody>
                     <a:bodyPr anchor="ctr"/>
                     <a:p>
                       <a:pPr algn="ctr"/>
+                      <a:r>
+                        <a:rPr b="0" lang="en-GB" sz="1800" spc="-1" strike="noStrike">
+                          <a:solidFill>
+                            <a:srgbClr val="000000"/>
+                          </a:solidFill>
+                          <a:uFill>
+                            <a:solidFill>
+                              <a:srgbClr val="ffffff"/>
+                            </a:solidFill>
+                          </a:uFill>
+                          <a:latin typeface="Times New Roman"/>
+                        </a:rPr>
+                        <a:t>11:14</a:t>
+                      </a:r>
+                      <a:endParaRPr b="0" lang="en-GB" sz="1800" spc="-1" strike="noStrike">
+                        <a:solidFill>
+                          <a:srgbClr val="000000"/>
+                        </a:solidFill>
+                        <a:uFill>
+                          <a:solidFill>
+                            <a:srgbClr val="ffffff"/>
+                          </a:solidFill>
+                        </a:uFill>
+                        <a:latin typeface="Times New Roman"/>
+                      </a:endParaRPr>
+                    </a:p>
+                  </a:txBody>
+                  <a:tcPr marL="91440" marR="91440">
+                    <a:lnL w="12240">
+                      <a:solidFill>
+                        <a:srgbClr val="000000"/>
+                      </a:solidFill>
+                    </a:lnL>
+                    <a:lnR w="12240">
+                      <a:solidFill>
+                        <a:srgbClr val="000000"/>
+                      </a:solidFill>
+                    </a:lnR>
+                    <a:lnT w="12240">
+                      <a:solidFill>
+                        <a:srgbClr val="000000"/>
+                      </a:solidFill>
+                    </a:lnT>
+                    <a:lnB w="12240">
+                      <a:solidFill>
+                        <a:srgbClr val="000000"/>
+                      </a:solidFill>
+                    </a:lnB>
+                    <a:solidFill>
+                      <a:srgbClr val="ffffff"/>
+                    </a:solidFill>
+                  </a:tcPr>
+                </a:tc>
+                <a:tc>
+                  <a:txBody>
+                    <a:bodyPr anchor="ctr"/>
+                    <a:p>
+                      <a:pPr algn="ctr"/>
+                      <a:r>
+                        <a:rPr b="0" lang="en-GB" sz="1800" spc="-1" strike="noStrike">
+                          <a:solidFill>
+                            <a:srgbClr val="000000"/>
+                          </a:solidFill>
+                          <a:uFill>
+                            <a:solidFill>
+                              <a:srgbClr val="ffffff"/>
+                            </a:solidFill>
+                          </a:uFill>
+                          <a:latin typeface="Times New Roman"/>
+                        </a:rPr>
+                        <a:t>13:36</a:t>
+                      </a:r>
+                      <a:endParaRPr b="0" lang="en-GB" sz="1800" spc="-1" strike="noStrike">
+                        <a:solidFill>
+                          <a:srgbClr val="000000"/>
+                        </a:solidFill>
+                        <a:uFill>
+                          <a:solidFill>
+                            <a:srgbClr val="ffffff"/>
+                          </a:solidFill>
+                        </a:uFill>
+                        <a:latin typeface="Times New Roman"/>
+                      </a:endParaRPr>
+                    </a:p>
+                  </a:txBody>
+                  <a:tcPr marL="91440" marR="91440">
+                    <a:lnL w="12240">
+                      <a:solidFill>
+                        <a:srgbClr val="000000"/>
+                      </a:solidFill>
+                    </a:lnL>
+                    <a:lnR w="12240">
+                      <a:solidFill>
+                        <a:srgbClr val="000000"/>
+                      </a:solidFill>
+                    </a:lnR>
+                    <a:lnT w="12240">
+                      <a:solidFill>
+                        <a:srgbClr val="000000"/>
+                      </a:solidFill>
+                    </a:lnT>
+                    <a:lnB w="12240">
+                      <a:solidFill>
+                        <a:srgbClr val="000000"/>
+                      </a:solidFill>
+                    </a:lnB>
+                    <a:solidFill>
+                      <a:srgbClr val="ffffff"/>
+                    </a:solidFill>
+                  </a:tcPr>
+                </a:tc>
+                <a:tc>
+                  <a:txBody>
+                    <a:bodyPr anchor="ctr"/>
+                    <a:p>
+                      <a:pPr algn="ctr">
+                        <a:lnSpc>
+                          <a:spcPct val="100000"/>
+                        </a:lnSpc>
+                      </a:pPr>
                       <a:r>
                         <a:rPr b="0" lang="en-GB" sz="1800" spc="-1" strike="noStrike">
                           <a:solidFill>
@@ -12188,7 +12542,11 @@
                   <a:txBody>
                     <a:bodyPr anchor="ctr"/>
                     <a:p>
-                      <a:pPr algn="ctr"/>
+                      <a:pPr algn="ctr">
+                        <a:lnSpc>
+                          <a:spcPct val="100000"/>
+                        </a:lnSpc>
+                      </a:pPr>
                       <a:r>
                         <a:rPr b="0" lang="en-GB" sz="1800" spc="-1" strike="noStrike">
                           <a:solidFill>
@@ -12245,64 +12603,130 @@
               </a:tr>
               <a:tr h="978840">
                 <a:tc>
-                  <a:tcPr marL="91440" marR="91440">
-                    <a:lnL w="12240">
-                      <a:solidFill>
-                        <a:srgbClr val="000000"/>
-                      </a:solidFill>
-                    </a:lnL>
-                    <a:lnR w="12240">
-                      <a:solidFill>
-                        <a:srgbClr val="000000"/>
-                      </a:solidFill>
-                    </a:lnR>
-                    <a:lnT w="12240">
-                      <a:solidFill>
-                        <a:srgbClr val="000000"/>
-                      </a:solidFill>
-                    </a:lnT>
-                    <a:lnB w="12240">
-                      <a:solidFill>
-                        <a:srgbClr val="000000"/>
-                      </a:solidFill>
-                    </a:lnB>
-                    <a:solidFill>
-                      <a:srgbClr val="ffffff"/>
-                    </a:solidFill>
-                  </a:tcPr>
-                </a:tc>
-                <a:tc>
-                  <a:tcPr marL="91440" marR="91440">
-                    <a:lnL w="12240">
-                      <a:solidFill>
-                        <a:srgbClr val="000000"/>
-                      </a:solidFill>
-                    </a:lnL>
-                    <a:lnR w="12240">
-                      <a:solidFill>
-                        <a:srgbClr val="000000"/>
-                      </a:solidFill>
-                    </a:lnR>
-                    <a:lnT w="12240">
-                      <a:solidFill>
-                        <a:srgbClr val="000000"/>
-                      </a:solidFill>
-                    </a:lnT>
-                    <a:lnB w="12240">
-                      <a:solidFill>
-                        <a:srgbClr val="000000"/>
-                      </a:solidFill>
-                    </a:lnB>
-                    <a:solidFill>
-                      <a:srgbClr val="ffffff"/>
-                    </a:solidFill>
-                  </a:tcPr>
-                </a:tc>
-                <a:tc>
                   <a:txBody>
                     <a:bodyPr anchor="ctr"/>
                     <a:p>
                       <a:pPr algn="ctr"/>
+                      <a:r>
+                        <a:rPr b="0" lang="en-GB" sz="1800" spc="-1" strike="noStrike">
+                          <a:solidFill>
+                            <a:srgbClr val="000000"/>
+                          </a:solidFill>
+                          <a:uFill>
+                            <a:solidFill>
+                              <a:srgbClr val="ffffff"/>
+                            </a:solidFill>
+                          </a:uFill>
+                          <a:latin typeface="Times New Roman"/>
+                        </a:rPr>
+                        <a:t>11:15</a:t>
+                      </a:r>
+                      <a:endParaRPr b="0" lang="en-GB" sz="1800" spc="-1" strike="noStrike">
+                        <a:solidFill>
+                          <a:srgbClr val="000000"/>
+                        </a:solidFill>
+                        <a:uFill>
+                          <a:solidFill>
+                            <a:srgbClr val="ffffff"/>
+                          </a:solidFill>
+                        </a:uFill>
+                        <a:latin typeface="Times New Roman"/>
+                      </a:endParaRPr>
+                    </a:p>
+                  </a:txBody>
+                  <a:tcPr marL="91440" marR="91440">
+                    <a:lnL w="12240">
+                      <a:solidFill>
+                        <a:srgbClr val="000000"/>
+                      </a:solidFill>
+                    </a:lnL>
+                    <a:lnR w="12240">
+                      <a:solidFill>
+                        <a:srgbClr val="000000"/>
+                      </a:solidFill>
+                    </a:lnR>
+                    <a:lnT w="12240">
+                      <a:solidFill>
+                        <a:srgbClr val="000000"/>
+                      </a:solidFill>
+                    </a:lnT>
+                    <a:lnB w="12240">
+                      <a:solidFill>
+                        <a:srgbClr val="000000"/>
+                      </a:solidFill>
+                    </a:lnB>
+                    <a:solidFill>
+                      <a:srgbClr val="ffffff"/>
+                    </a:solidFill>
+                  </a:tcPr>
+                </a:tc>
+                <a:tc>
+                  <a:txBody>
+                    <a:bodyPr anchor="ctr"/>
+                    <a:p>
+                      <a:pPr algn="ctr"/>
+                      <a:r>
+                        <a:rPr b="0" lang="en-GB" sz="1800" spc="-1" strike="noStrike">
+                          <a:solidFill>
+                            <a:srgbClr val="000000"/>
+                          </a:solidFill>
+                          <a:uFill>
+                            <a:solidFill>
+                              <a:srgbClr val="ffffff"/>
+                            </a:solidFill>
+                          </a:uFill>
+                          <a:latin typeface="Times New Roman"/>
+                        </a:rPr>
+                        <a:t>7:29</a:t>
+                      </a:r>
+                      <a:endParaRPr b="0" lang="en-GB" sz="1800" spc="-1" strike="noStrike">
+                        <a:solidFill>
+                          <a:srgbClr val="000000"/>
+                        </a:solidFill>
+                        <a:uFill>
+                          <a:solidFill>
+                            <a:srgbClr val="ffffff"/>
+                          </a:solidFill>
+                        </a:uFill>
+                        <a:latin typeface="Times New Roman"/>
+                      </a:endParaRPr>
+                    </a:p>
+                  </a:txBody>
+                  <a:tcPr marL="91440" marR="91440">
+                    <a:lnL w="12240">
+                      <a:solidFill>
+                        <a:srgbClr val="000000"/>
+                      </a:solidFill>
+                    </a:lnL>
+                    <a:lnR w="12240">
+                      <a:solidFill>
+                        <a:srgbClr val="000000"/>
+                      </a:solidFill>
+                    </a:lnR>
+                    <a:lnT w="12240">
+                      <a:solidFill>
+                        <a:srgbClr val="000000"/>
+                      </a:solidFill>
+                    </a:lnT>
+                    <a:lnB w="12240">
+                      <a:solidFill>
+                        <a:srgbClr val="000000"/>
+                      </a:solidFill>
+                    </a:lnB>
+                    <a:solidFill>
+                      <a:srgbClr val="ffffff"/>
+                    </a:solidFill>
+                  </a:tcPr>
+                </a:tc>
+                <a:tc>
+                  <a:txBody>
+                    <a:bodyPr anchor="ctr"/>
+                    <a:p>
+                      <a:pPr algn="ctr">
+                        <a:lnSpc>
+                          <a:spcPct val="100000"/>
+                        </a:lnSpc>
+                      </a:pPr>
                       <a:r>
                         <a:rPr b="0" lang="en-GB" sz="1800" spc="-1" strike="noStrike">
                           <a:solidFill>
@@ -12360,7 +12784,11 @@
                   <a:txBody>
                     <a:bodyPr anchor="ctr"/>
                     <a:p>
-                      <a:pPr algn="ctr"/>
+                      <a:pPr algn="ctr">
+                        <a:lnSpc>
+                          <a:spcPct val="100000"/>
+                        </a:lnSpc>
+                      </a:pPr>
                       <a:r>
                         <a:rPr b="0" lang="en-GB" sz="1800" spc="-1" strike="noStrike">
                           <a:solidFill>
@@ -12427,7 +12855,7 @@
         </p:nvGraphicFramePr>
         <p:xfrm>
           <a:off x="1800000" y="1127880"/>
-          <a:ext cx="612360" cy="3983760"/>
+          <a:ext cx="612000" cy="3983760"/>
         </p:xfrm>
         <a:graphic>
           <a:graphicData uri="http://schemas.openxmlformats.org/drawingml/2006/table">
@@ -12986,8 +13414,8 @@
         </p:nvSpPr>
         <p:spPr>
           <a:xfrm rot="16200000">
-            <a:off x="-189360" y="2773800"/>
-            <a:ext cx="2675520" cy="583920"/>
+            <a:off x="-189000" y="2774160"/>
+            <a:ext cx="2675160" cy="583560"/>
           </a:xfrm>
           <a:prstGeom prst="rect">
             <a:avLst/>
@@ -13069,7 +13497,7 @@
         <p:spPr>
           <a:xfrm>
             <a:off x="4703760" y="5949720"/>
-            <a:ext cx="3934800" cy="492120"/>
+            <a:ext cx="3934440" cy="491760"/>
           </a:xfrm>
           <a:prstGeom prst="rect">
             <a:avLst/>
@@ -13136,7 +13564,7 @@
         <p:spPr>
           <a:xfrm>
             <a:off x="1239480" y="596160"/>
-            <a:ext cx="9565920" cy="294840"/>
+            <a:ext cx="9565560" cy="294480"/>
           </a:xfrm>
           <a:prstGeom prst="rect">
             <a:avLst/>
@@ -13251,8 +13679,8 @@
         </p:nvSpPr>
         <p:spPr>
           <a:xfrm rot="2400">
-            <a:off x="1582200" y="499680"/>
-            <a:ext cx="8998560" cy="1366560"/>
+            <a:off x="1581840" y="499320"/>
+            <a:ext cx="8998200" cy="1366200"/>
           </a:xfrm>
           <a:prstGeom prst="rect">
             <a:avLst/>
@@ -13545,6 +13973,37 @@
               </a:tr>
               <a:tr h="668160">
                 <a:tc>
+                  <a:txBody>
+                    <a:bodyPr lIns="90000" rIns="90000" anchor="ctr"/>
+                    <a:p>
+                      <a:pPr algn="ctr"/>
+                      <a:r>
+                        <a:rPr b="0" lang="en-GB" sz="1800" spc="-1" strike="noStrike">
+                          <a:solidFill>
+                            <a:srgbClr val="000000"/>
+                          </a:solidFill>
+                          <a:uFill>
+                            <a:solidFill>
+                              <a:srgbClr val="ffffff"/>
+                            </a:solidFill>
+                          </a:uFill>
+                          <a:latin typeface="Times New Roman"/>
+                        </a:rPr>
+                        <a:t>09:42</a:t>
+                      </a:r>
+                      <a:endParaRPr b="0" lang="en-GB" sz="1800" spc="-1" strike="noStrike">
+                        <a:solidFill>
+                          <a:srgbClr val="000000"/>
+                        </a:solidFill>
+                        <a:uFill>
+                          <a:solidFill>
+                            <a:srgbClr val="ffffff"/>
+                          </a:solidFill>
+                        </a:uFill>
+                        <a:latin typeface="Times New Roman"/>
+                      </a:endParaRPr>
+                    </a:p>
+                  </a:txBody>
                   <a:tcPr marL="90000" marR="90000">
                     <a:lnL w="9360">
                       <a:solidFill>
@@ -13635,33 +14094,95 @@
                   </a:tcPr>
                 </a:tc>
                 <a:tc>
-                  <a:tcPr marL="90000" marR="90000">
-                    <a:lnL w="9360">
-                      <a:solidFill>
-                        <a:srgbClr val="7d5fa0"/>
-                      </a:solidFill>
-                    </a:lnL>
-                    <a:lnR w="9360">
-                      <a:solidFill>
-                        <a:srgbClr val="7d5fa0"/>
-                      </a:solidFill>
-                    </a:lnR>
-                    <a:lnT w="9360">
-                      <a:solidFill>
-                        <a:srgbClr val="7d5fa0"/>
-                      </a:solidFill>
-                    </a:lnT>
-                    <a:lnB w="9360">
-                      <a:solidFill>
-                        <a:srgbClr val="7d5fa0"/>
-                      </a:solidFill>
-                    </a:lnB>
-                    <a:solidFill>
-                      <a:srgbClr val="d9caee"/>
-                    </a:solidFill>
-                  </a:tcPr>
-                </a:tc>
-                <a:tc>
+                  <a:txBody>
+                    <a:bodyPr lIns="90000" rIns="90000" anchor="ctr"/>
+                    <a:p>
+                      <a:pPr algn="ctr"/>
+                      <a:r>
+                        <a:rPr b="0" lang="en-GB" sz="1800" spc="-1" strike="noStrike">
+                          <a:solidFill>
+                            <a:srgbClr val="000000"/>
+                          </a:solidFill>
+                          <a:uFill>
+                            <a:solidFill>
+                              <a:srgbClr val="ffffff"/>
+                            </a:solidFill>
+                          </a:uFill>
+                          <a:latin typeface="Times New Roman"/>
+                        </a:rPr>
+                        <a:t>04:05</a:t>
+                      </a:r>
+                      <a:endParaRPr b="0" lang="en-GB" sz="1800" spc="-1" strike="noStrike">
+                        <a:solidFill>
+                          <a:srgbClr val="000000"/>
+                        </a:solidFill>
+                        <a:uFill>
+                          <a:solidFill>
+                            <a:srgbClr val="ffffff"/>
+                          </a:solidFill>
+                        </a:uFill>
+                        <a:latin typeface="Times New Roman"/>
+                      </a:endParaRPr>
+                    </a:p>
+                  </a:txBody>
+                  <a:tcPr marL="90000" marR="90000">
+                    <a:lnL w="9360">
+                      <a:solidFill>
+                        <a:srgbClr val="7d5fa0"/>
+                      </a:solidFill>
+                    </a:lnL>
+                    <a:lnR w="9360">
+                      <a:solidFill>
+                        <a:srgbClr val="7d5fa0"/>
+                      </a:solidFill>
+                    </a:lnR>
+                    <a:lnT w="9360">
+                      <a:solidFill>
+                        <a:srgbClr val="7d5fa0"/>
+                      </a:solidFill>
+                    </a:lnT>
+                    <a:lnB w="9360">
+                      <a:solidFill>
+                        <a:srgbClr val="7d5fa0"/>
+                      </a:solidFill>
+                    </a:lnB>
+                    <a:solidFill>
+                      <a:srgbClr val="d9caee"/>
+                    </a:solidFill>
+                  </a:tcPr>
+                </a:tc>
+                <a:tc>
+                  <a:txBody>
+                    <a:bodyPr lIns="90000" rIns="90000" anchor="ctr"/>
+                    <a:p>
+                      <a:pPr algn="ctr"/>
+                      <a:r>
+                        <a:rPr b="0" lang="en-GB" sz="1800" spc="-1" strike="noStrike">
+                          <a:solidFill>
+                            <a:srgbClr val="000000"/>
+                          </a:solidFill>
+                          <a:uFill>
+                            <a:solidFill>
+                              <a:srgbClr val="ffffff"/>
+                            </a:solidFill>
+                          </a:uFill>
+                          <a:latin typeface="Times New Roman"/>
+                        </a:rPr>
+                        <a:t>10:04</a:t>
+                      </a:r>
+                      <a:endParaRPr b="0" lang="en-GB" sz="1800" spc="-1" strike="noStrike">
+                        <a:solidFill>
+                          <a:srgbClr val="000000"/>
+                        </a:solidFill>
+                        <a:uFill>
+                          <a:solidFill>
+                            <a:srgbClr val="ffffff"/>
+                          </a:solidFill>
+                        </a:uFill>
+                        <a:latin typeface="Times New Roman"/>
+                      </a:endParaRPr>
+                    </a:p>
+                  </a:txBody>
                   <a:tcPr marL="90000" marR="90000">
                     <a:lnL w="9360">
                       <a:solidFill>
@@ -13691,6 +14212,37 @@
               </a:tr>
               <a:tr h="668160">
                 <a:tc>
+                  <a:txBody>
+                    <a:bodyPr lIns="90000" rIns="90000" anchor="ctr"/>
+                    <a:p>
+                      <a:pPr algn="ctr"/>
+                      <a:r>
+                        <a:rPr b="0" lang="en-GB" sz="1800" spc="-1" strike="noStrike">
+                          <a:solidFill>
+                            <a:srgbClr val="000000"/>
+                          </a:solidFill>
+                          <a:uFill>
+                            <a:solidFill>
+                              <a:srgbClr val="ffffff"/>
+                            </a:solidFill>
+                          </a:uFill>
+                          <a:latin typeface="Times New Roman"/>
+                        </a:rPr>
+                        <a:t>13:49</a:t>
+                      </a:r>
+                      <a:endParaRPr b="0" lang="en-GB" sz="1800" spc="-1" strike="noStrike">
+                        <a:solidFill>
+                          <a:srgbClr val="000000"/>
+                        </a:solidFill>
+                        <a:uFill>
+                          <a:solidFill>
+                            <a:srgbClr val="ffffff"/>
+                          </a:solidFill>
+                        </a:uFill>
+                        <a:latin typeface="Times New Roman"/>
+                      </a:endParaRPr>
+                    </a:p>
+                  </a:txBody>
                   <a:tcPr marL="90000" marR="90000">
                     <a:lnL w="9360">
                       <a:solidFill>
@@ -13781,33 +14333,95 @@
                   </a:tcPr>
                 </a:tc>
                 <a:tc>
-                  <a:tcPr marL="90000" marR="90000">
-                    <a:lnL w="9360">
-                      <a:solidFill>
-                        <a:srgbClr val="7d5fa0"/>
-                      </a:solidFill>
-                    </a:lnL>
-                    <a:lnR w="9360">
-                      <a:solidFill>
-                        <a:srgbClr val="7d5fa0"/>
-                      </a:solidFill>
-                    </a:lnR>
-                    <a:lnT w="9360">
-                      <a:solidFill>
-                        <a:srgbClr val="7d5fa0"/>
-                      </a:solidFill>
-                    </a:lnT>
-                    <a:lnB w="9360">
-                      <a:solidFill>
-                        <a:srgbClr val="7d5fa0"/>
-                      </a:solidFill>
-                    </a:lnB>
-                    <a:solidFill>
-                      <a:srgbClr val="d9caee"/>
-                    </a:solidFill>
-                  </a:tcPr>
-                </a:tc>
-                <a:tc>
+                  <a:txBody>
+                    <a:bodyPr lIns="90000" rIns="90000" anchor="ctr"/>
+                    <a:p>
+                      <a:pPr algn="ctr"/>
+                      <a:r>
+                        <a:rPr b="0" lang="en-GB" sz="1800" spc="-1" strike="noStrike">
+                          <a:solidFill>
+                            <a:srgbClr val="000000"/>
+                          </a:solidFill>
+                          <a:uFill>
+                            <a:solidFill>
+                              <a:srgbClr val="ffffff"/>
+                            </a:solidFill>
+                          </a:uFill>
+                          <a:latin typeface="Times New Roman"/>
+                        </a:rPr>
+                        <a:t>2:46</a:t>
+                      </a:r>
+                      <a:endParaRPr b="0" lang="en-GB" sz="1800" spc="-1" strike="noStrike">
+                        <a:solidFill>
+                          <a:srgbClr val="000000"/>
+                        </a:solidFill>
+                        <a:uFill>
+                          <a:solidFill>
+                            <a:srgbClr val="ffffff"/>
+                          </a:solidFill>
+                        </a:uFill>
+                        <a:latin typeface="Times New Roman"/>
+                      </a:endParaRPr>
+                    </a:p>
+                  </a:txBody>
+                  <a:tcPr marL="90000" marR="90000">
+                    <a:lnL w="9360">
+                      <a:solidFill>
+                        <a:srgbClr val="7d5fa0"/>
+                      </a:solidFill>
+                    </a:lnL>
+                    <a:lnR w="9360">
+                      <a:solidFill>
+                        <a:srgbClr val="7d5fa0"/>
+                      </a:solidFill>
+                    </a:lnR>
+                    <a:lnT w="9360">
+                      <a:solidFill>
+                        <a:srgbClr val="7d5fa0"/>
+                      </a:solidFill>
+                    </a:lnT>
+                    <a:lnB w="9360">
+                      <a:solidFill>
+                        <a:srgbClr val="7d5fa0"/>
+                      </a:solidFill>
+                    </a:lnB>
+                    <a:solidFill>
+                      <a:srgbClr val="d9caee"/>
+                    </a:solidFill>
+                  </a:tcPr>
+                </a:tc>
+                <a:tc>
+                  <a:txBody>
+                    <a:bodyPr lIns="90000" rIns="90000" anchor="ctr"/>
+                    <a:p>
+                      <a:pPr algn="ctr"/>
+                      <a:r>
+                        <a:rPr b="0" lang="en-GB" sz="1800" spc="-1" strike="noStrike">
+                          <a:solidFill>
+                            <a:srgbClr val="000000"/>
+                          </a:solidFill>
+                          <a:uFill>
+                            <a:solidFill>
+                              <a:srgbClr val="ffffff"/>
+                            </a:solidFill>
+                          </a:uFill>
+                          <a:latin typeface="Times New Roman"/>
+                        </a:rPr>
+                        <a:t>13:43</a:t>
+                      </a:r>
+                      <a:endParaRPr b="0" lang="en-GB" sz="1800" spc="-1" strike="noStrike">
+                        <a:solidFill>
+                          <a:srgbClr val="000000"/>
+                        </a:solidFill>
+                        <a:uFill>
+                          <a:solidFill>
+                            <a:srgbClr val="ffffff"/>
+                          </a:solidFill>
+                        </a:uFill>
+                        <a:latin typeface="Times New Roman"/>
+                      </a:endParaRPr>
+                    </a:p>
+                  </a:txBody>
                   <a:tcPr marL="90000" marR="90000">
                     <a:lnL w="9360">
                       <a:solidFill>
@@ -13837,6 +14451,37 @@
               </a:tr>
               <a:tr h="668160">
                 <a:tc>
+                  <a:txBody>
+                    <a:bodyPr lIns="90000" rIns="90000" anchor="ctr"/>
+                    <a:p>
+                      <a:pPr algn="ctr"/>
+                      <a:r>
+                        <a:rPr b="0" lang="en-GB" sz="1800" spc="-1" strike="noStrike">
+                          <a:solidFill>
+                            <a:srgbClr val="000000"/>
+                          </a:solidFill>
+                          <a:uFill>
+                            <a:solidFill>
+                              <a:srgbClr val="ffffff"/>
+                            </a:solidFill>
+                          </a:uFill>
+                          <a:latin typeface="Times New Roman"/>
+                        </a:rPr>
+                        <a:t>05:04</a:t>
+                      </a:r>
+                      <a:endParaRPr b="0" lang="en-GB" sz="1800" spc="-1" strike="noStrike">
+                        <a:solidFill>
+                          <a:srgbClr val="000000"/>
+                        </a:solidFill>
+                        <a:uFill>
+                          <a:solidFill>
+                            <a:srgbClr val="ffffff"/>
+                          </a:solidFill>
+                        </a:uFill>
+                        <a:latin typeface="Times New Roman"/>
+                      </a:endParaRPr>
+                    </a:p>
+                  </a:txBody>
                   <a:tcPr marL="90000" marR="90000">
                     <a:lnL w="9360">
                       <a:solidFill>
@@ -13927,33 +14572,95 @@
                   </a:tcPr>
                 </a:tc>
                 <a:tc>
-                  <a:tcPr marL="90000" marR="90000">
-                    <a:lnL w="9360">
-                      <a:solidFill>
-                        <a:srgbClr val="7d5fa0"/>
-                      </a:solidFill>
-                    </a:lnL>
-                    <a:lnR w="9360">
-                      <a:solidFill>
-                        <a:srgbClr val="7d5fa0"/>
-                      </a:solidFill>
-                    </a:lnR>
-                    <a:lnT w="9360">
-                      <a:solidFill>
-                        <a:srgbClr val="7d5fa0"/>
-                      </a:solidFill>
-                    </a:lnT>
-                    <a:lnB w="9360">
-                      <a:solidFill>
-                        <a:srgbClr val="7d5fa0"/>
-                      </a:solidFill>
-                    </a:lnB>
-                    <a:solidFill>
-                      <a:srgbClr val="d9caee"/>
-                    </a:solidFill>
-                  </a:tcPr>
-                </a:tc>
-                <a:tc>
+                  <a:txBody>
+                    <a:bodyPr lIns="90000" rIns="90000" anchor="ctr"/>
+                    <a:p>
+                      <a:pPr algn="ctr"/>
+                      <a:r>
+                        <a:rPr b="0" lang="en-GB" sz="1800" spc="-1" strike="noStrike">
+                          <a:solidFill>
+                            <a:srgbClr val="000000"/>
+                          </a:solidFill>
+                          <a:uFill>
+                            <a:solidFill>
+                              <a:srgbClr val="ffffff"/>
+                            </a:solidFill>
+                          </a:uFill>
+                          <a:latin typeface="Times New Roman"/>
+                        </a:rPr>
+                        <a:t>13:21</a:t>
+                      </a:r>
+                      <a:endParaRPr b="0" lang="en-GB" sz="1800" spc="-1" strike="noStrike">
+                        <a:solidFill>
+                          <a:srgbClr val="000000"/>
+                        </a:solidFill>
+                        <a:uFill>
+                          <a:solidFill>
+                            <a:srgbClr val="ffffff"/>
+                          </a:solidFill>
+                        </a:uFill>
+                        <a:latin typeface="Times New Roman"/>
+                      </a:endParaRPr>
+                    </a:p>
+                  </a:txBody>
+                  <a:tcPr marL="90000" marR="90000">
+                    <a:lnL w="9360">
+                      <a:solidFill>
+                        <a:srgbClr val="7d5fa0"/>
+                      </a:solidFill>
+                    </a:lnL>
+                    <a:lnR w="9360">
+                      <a:solidFill>
+                        <a:srgbClr val="7d5fa0"/>
+                      </a:solidFill>
+                    </a:lnR>
+                    <a:lnT w="9360">
+                      <a:solidFill>
+                        <a:srgbClr val="7d5fa0"/>
+                      </a:solidFill>
+                    </a:lnT>
+                    <a:lnB w="9360">
+                      <a:solidFill>
+                        <a:srgbClr val="7d5fa0"/>
+                      </a:solidFill>
+                    </a:lnB>
+                    <a:solidFill>
+                      <a:srgbClr val="d9caee"/>
+                    </a:solidFill>
+                  </a:tcPr>
+                </a:tc>
+                <a:tc>
+                  <a:txBody>
+                    <a:bodyPr lIns="90000" rIns="90000" anchor="ctr"/>
+                    <a:p>
+                      <a:pPr algn="ctr"/>
+                      <a:r>
+                        <a:rPr b="0" lang="en-GB" sz="1800" spc="-1" strike="noStrike">
+                          <a:solidFill>
+                            <a:srgbClr val="000000"/>
+                          </a:solidFill>
+                          <a:uFill>
+                            <a:solidFill>
+                              <a:srgbClr val="ffffff"/>
+                            </a:solidFill>
+                          </a:uFill>
+                          <a:latin typeface="Times New Roman"/>
+                        </a:rPr>
+                        <a:t>09:08</a:t>
+                      </a:r>
+                      <a:endParaRPr b="0" lang="en-GB" sz="1800" spc="-1" strike="noStrike">
+                        <a:solidFill>
+                          <a:srgbClr val="000000"/>
+                        </a:solidFill>
+                        <a:uFill>
+                          <a:solidFill>
+                            <a:srgbClr val="ffffff"/>
+                          </a:solidFill>
+                        </a:uFill>
+                        <a:latin typeface="Times New Roman"/>
+                      </a:endParaRPr>
+                    </a:p>
+                  </a:txBody>
                   <a:tcPr marL="90000" marR="90000">
                     <a:lnL w="9360">
                       <a:solidFill>
@@ -13983,6 +14690,37 @@
               </a:tr>
               <a:tr h="668160">
                 <a:tc>
+                  <a:txBody>
+                    <a:bodyPr lIns="90000" rIns="90000" anchor="ctr"/>
+                    <a:p>
+                      <a:pPr algn="ctr"/>
+                      <a:r>
+                        <a:rPr b="0" lang="en-GB" sz="1800" spc="-1" strike="noStrike">
+                          <a:solidFill>
+                            <a:srgbClr val="000000"/>
+                          </a:solidFill>
+                          <a:uFill>
+                            <a:solidFill>
+                              <a:srgbClr val="ffffff"/>
+                            </a:solidFill>
+                          </a:uFill>
+                          <a:latin typeface="Times New Roman"/>
+                        </a:rPr>
+                        <a:t>02:27</a:t>
+                      </a:r>
+                      <a:endParaRPr b="0" lang="en-GB" sz="1800" spc="-1" strike="noStrike">
+                        <a:solidFill>
+                          <a:srgbClr val="000000"/>
+                        </a:solidFill>
+                        <a:uFill>
+                          <a:solidFill>
+                            <a:srgbClr val="ffffff"/>
+                          </a:solidFill>
+                        </a:uFill>
+                        <a:latin typeface="Times New Roman"/>
+                      </a:endParaRPr>
+                    </a:p>
+                  </a:txBody>
                   <a:tcPr marL="90000" marR="90000">
                     <a:lnL w="9360">
                       <a:solidFill>
@@ -14073,33 +14811,95 @@
                   </a:tcPr>
                 </a:tc>
                 <a:tc>
-                  <a:tcPr marL="90000" marR="90000">
-                    <a:lnL w="9360">
-                      <a:solidFill>
-                        <a:srgbClr val="7d5fa0"/>
-                      </a:solidFill>
-                    </a:lnL>
-                    <a:lnR w="9360">
-                      <a:solidFill>
-                        <a:srgbClr val="7d5fa0"/>
-                      </a:solidFill>
-                    </a:lnR>
-                    <a:lnT w="9360">
-                      <a:solidFill>
-                        <a:srgbClr val="7d5fa0"/>
-                      </a:solidFill>
-                    </a:lnT>
-                    <a:lnB w="9360">
-                      <a:solidFill>
-                        <a:srgbClr val="7d5fa0"/>
-                      </a:solidFill>
-                    </a:lnB>
-                    <a:solidFill>
-                      <a:srgbClr val="d9caee"/>
-                    </a:solidFill>
-                  </a:tcPr>
-                </a:tc>
-                <a:tc>
+                  <a:txBody>
+                    <a:bodyPr lIns="90000" rIns="90000" anchor="ctr"/>
+                    <a:p>
+                      <a:pPr algn="ctr"/>
+                      <a:r>
+                        <a:rPr b="0" lang="en-GB" sz="1800" spc="-1" strike="noStrike">
+                          <a:solidFill>
+                            <a:srgbClr val="000000"/>
+                          </a:solidFill>
+                          <a:uFill>
+                            <a:solidFill>
+                              <a:srgbClr val="ffffff"/>
+                            </a:solidFill>
+                          </a:uFill>
+                          <a:latin typeface="Times New Roman"/>
+                        </a:rPr>
+                        <a:t>17:13</a:t>
+                      </a:r>
+                      <a:endParaRPr b="0" lang="en-GB" sz="1800" spc="-1" strike="noStrike">
+                        <a:solidFill>
+                          <a:srgbClr val="000000"/>
+                        </a:solidFill>
+                        <a:uFill>
+                          <a:solidFill>
+                            <a:srgbClr val="ffffff"/>
+                          </a:solidFill>
+                        </a:uFill>
+                        <a:latin typeface="Times New Roman"/>
+                      </a:endParaRPr>
+                    </a:p>
+                  </a:txBody>
+                  <a:tcPr marL="90000" marR="90000">
+                    <a:lnL w="9360">
+                      <a:solidFill>
+                        <a:srgbClr val="7d5fa0"/>
+                      </a:solidFill>
+                    </a:lnL>
+                    <a:lnR w="9360">
+                      <a:solidFill>
+                        <a:srgbClr val="7d5fa0"/>
+                      </a:solidFill>
+                    </a:lnR>
+                    <a:lnT w="9360">
+                      <a:solidFill>
+                        <a:srgbClr val="7d5fa0"/>
+                      </a:solidFill>
+                    </a:lnT>
+                    <a:lnB w="9360">
+                      <a:solidFill>
+                        <a:srgbClr val="7d5fa0"/>
+                      </a:solidFill>
+                    </a:lnB>
+                    <a:solidFill>
+                      <a:srgbClr val="d9caee"/>
+                    </a:solidFill>
+                  </a:tcPr>
+                </a:tc>
+                <a:tc>
+                  <a:txBody>
+                    <a:bodyPr lIns="90000" rIns="90000" anchor="ctr"/>
+                    <a:p>
+                      <a:pPr algn="ctr"/>
+                      <a:r>
+                        <a:rPr b="0" lang="en-GB" sz="1800" spc="-1" strike="noStrike">
+                          <a:solidFill>
+                            <a:srgbClr val="000000"/>
+                          </a:solidFill>
+                          <a:uFill>
+                            <a:solidFill>
+                              <a:srgbClr val="ffffff"/>
+                            </a:solidFill>
+                          </a:uFill>
+                          <a:latin typeface="Times New Roman"/>
+                        </a:rPr>
+                        <a:t>04:34</a:t>
+                      </a:r>
+                      <a:endParaRPr b="0" lang="en-GB" sz="1800" spc="-1" strike="noStrike">
+                        <a:solidFill>
+                          <a:srgbClr val="000000"/>
+                        </a:solidFill>
+                        <a:uFill>
+                          <a:solidFill>
+                            <a:srgbClr val="ffffff"/>
+                          </a:solidFill>
+                        </a:uFill>
+                        <a:latin typeface="Times New Roman"/>
+                      </a:endParaRPr>
+                    </a:p>
+                  </a:txBody>
                   <a:tcPr marL="90000" marR="90000">
                     <a:lnL w="9360">
                       <a:solidFill>
@@ -14129,6 +14929,37 @@
               </a:tr>
               <a:tr h="668160">
                 <a:tc>
+                  <a:txBody>
+                    <a:bodyPr lIns="90000" rIns="90000" anchor="ctr"/>
+                    <a:p>
+                      <a:pPr algn="ctr"/>
+                      <a:r>
+                        <a:rPr b="0" lang="en-GB" sz="1800" spc="-1" strike="noStrike">
+                          <a:solidFill>
+                            <a:srgbClr val="000000"/>
+                          </a:solidFill>
+                          <a:uFill>
+                            <a:solidFill>
+                              <a:srgbClr val="ffffff"/>
+                            </a:solidFill>
+                          </a:uFill>
+                          <a:latin typeface="Times New Roman"/>
+                        </a:rPr>
+                        <a:t>17:47</a:t>
+                      </a:r>
+                      <a:endParaRPr b="0" lang="en-GB" sz="1800" spc="-1" strike="noStrike">
+                        <a:solidFill>
+                          <a:srgbClr val="000000"/>
+                        </a:solidFill>
+                        <a:uFill>
+                          <a:solidFill>
+                            <a:srgbClr val="ffffff"/>
+                          </a:solidFill>
+                        </a:uFill>
+                        <a:latin typeface="Times New Roman"/>
+                      </a:endParaRPr>
+                    </a:p>
+                  </a:txBody>
                   <a:tcPr marL="90000" marR="90000">
                     <a:lnL w="9360">
                       <a:solidFill>
@@ -14219,33 +15050,95 @@
                   </a:tcPr>
                 </a:tc>
                 <a:tc>
-                  <a:tcPr marL="90000" marR="90000">
-                    <a:lnL w="9360">
-                      <a:solidFill>
-                        <a:srgbClr val="7d5fa0"/>
-                      </a:solidFill>
-                    </a:lnL>
-                    <a:lnR w="9360">
-                      <a:solidFill>
-                        <a:srgbClr val="7d5fa0"/>
-                      </a:solidFill>
-                    </a:lnR>
-                    <a:lnT w="9360">
-                      <a:solidFill>
-                        <a:srgbClr val="7d5fa0"/>
-                      </a:solidFill>
-                    </a:lnT>
-                    <a:lnB w="9360">
-                      <a:solidFill>
-                        <a:srgbClr val="7d5fa0"/>
-                      </a:solidFill>
-                    </a:lnB>
-                    <a:solidFill>
-                      <a:srgbClr val="d9caee"/>
-                    </a:solidFill>
-                  </a:tcPr>
-                </a:tc>
-                <a:tc>
+                  <a:txBody>
+                    <a:bodyPr lIns="90000" rIns="90000" anchor="ctr"/>
+                    <a:p>
+                      <a:pPr algn="ctr"/>
+                      <a:r>
+                        <a:rPr b="0" lang="en-GB" sz="1800" spc="-1" strike="noStrike">
+                          <a:solidFill>
+                            <a:srgbClr val="000000"/>
+                          </a:solidFill>
+                          <a:uFill>
+                            <a:solidFill>
+                              <a:srgbClr val="ffffff"/>
+                            </a:solidFill>
+                          </a:uFill>
+                          <a:latin typeface="Times New Roman"/>
+                        </a:rPr>
+                        <a:t>31:40</a:t>
+                      </a:r>
+                      <a:endParaRPr b="0" lang="en-GB" sz="1800" spc="-1" strike="noStrike">
+                        <a:solidFill>
+                          <a:srgbClr val="000000"/>
+                        </a:solidFill>
+                        <a:uFill>
+                          <a:solidFill>
+                            <a:srgbClr val="ffffff"/>
+                          </a:solidFill>
+                        </a:uFill>
+                        <a:latin typeface="Times New Roman"/>
+                      </a:endParaRPr>
+                    </a:p>
+                  </a:txBody>
+                  <a:tcPr marL="90000" marR="90000">
+                    <a:lnL w="9360">
+                      <a:solidFill>
+                        <a:srgbClr val="7d5fa0"/>
+                      </a:solidFill>
+                    </a:lnL>
+                    <a:lnR w="9360">
+                      <a:solidFill>
+                        <a:srgbClr val="7d5fa0"/>
+                      </a:solidFill>
+                    </a:lnR>
+                    <a:lnT w="9360">
+                      <a:solidFill>
+                        <a:srgbClr val="7d5fa0"/>
+                      </a:solidFill>
+                    </a:lnT>
+                    <a:lnB w="9360">
+                      <a:solidFill>
+                        <a:srgbClr val="7d5fa0"/>
+                      </a:solidFill>
+                    </a:lnB>
+                    <a:solidFill>
+                      <a:srgbClr val="d9caee"/>
+                    </a:solidFill>
+                  </a:tcPr>
+                </a:tc>
+                <a:tc>
+                  <a:txBody>
+                    <a:bodyPr lIns="90000" rIns="90000" anchor="ctr"/>
+                    <a:p>
+                      <a:pPr algn="ctr"/>
+                      <a:r>
+                        <a:rPr b="0" lang="en-GB" sz="1800" spc="-1" strike="noStrike">
+                          <a:solidFill>
+                            <a:srgbClr val="000000"/>
+                          </a:solidFill>
+                          <a:uFill>
+                            <a:solidFill>
+                              <a:srgbClr val="ffffff"/>
+                            </a:solidFill>
+                          </a:uFill>
+                          <a:latin typeface="Times New Roman"/>
+                        </a:rPr>
+                        <a:t>15:04</a:t>
+                      </a:r>
+                      <a:endParaRPr b="0" lang="en-GB" sz="1800" spc="-1" strike="noStrike">
+                        <a:solidFill>
+                          <a:srgbClr val="000000"/>
+                        </a:solidFill>
+                        <a:uFill>
+                          <a:solidFill>
+                            <a:srgbClr val="ffffff"/>
+                          </a:solidFill>
+                        </a:uFill>
+                        <a:latin typeface="Times New Roman"/>
+                      </a:endParaRPr>
+                    </a:p>
+                  </a:txBody>
                   <a:tcPr marL="90000" marR="90000">
                     <a:lnL w="9360">
                       <a:solidFill>
@@ -14275,6 +15168,37 @@
               </a:tr>
               <a:tr h="668160">
                 <a:tc>
+                  <a:txBody>
+                    <a:bodyPr lIns="90000" rIns="90000" anchor="ctr"/>
+                    <a:p>
+                      <a:pPr algn="ctr"/>
+                      <a:r>
+                        <a:rPr b="0" lang="en-GB" sz="1800" spc="-1" strike="noStrike">
+                          <a:solidFill>
+                            <a:srgbClr val="000000"/>
+                          </a:solidFill>
+                          <a:uFill>
+                            <a:solidFill>
+                              <a:srgbClr val="ffffff"/>
+                            </a:solidFill>
+                          </a:uFill>
+                          <a:latin typeface="Times New Roman"/>
+                        </a:rPr>
+                        <a:t>02:07</a:t>
+                      </a:r>
+                      <a:endParaRPr b="0" lang="en-GB" sz="1800" spc="-1" strike="noStrike">
+                        <a:solidFill>
+                          <a:srgbClr val="000000"/>
+                        </a:solidFill>
+                        <a:uFill>
+                          <a:solidFill>
+                            <a:srgbClr val="ffffff"/>
+                          </a:solidFill>
+                        </a:uFill>
+                        <a:latin typeface="Times New Roman"/>
+                      </a:endParaRPr>
+                    </a:p>
+                  </a:txBody>
                   <a:tcPr marL="90000" marR="90000">
                     <a:lnL w="9360">
                       <a:solidFill>
@@ -14380,33 +15304,95 @@
                   </a:tcPr>
                 </a:tc>
                 <a:tc>
-                  <a:tcPr marL="90000" marR="90000">
-                    <a:lnL w="9360">
-                      <a:solidFill>
-                        <a:srgbClr val="7d5fa0"/>
-                      </a:solidFill>
-                    </a:lnL>
-                    <a:lnR w="9360">
-                      <a:solidFill>
-                        <a:srgbClr val="7d5fa0"/>
-                      </a:solidFill>
-                    </a:lnR>
-                    <a:lnT w="9360">
-                      <a:solidFill>
-                        <a:srgbClr val="7d5fa0"/>
-                      </a:solidFill>
-                    </a:lnT>
-                    <a:lnB w="9360">
-                      <a:solidFill>
-                        <a:srgbClr val="7d5fa0"/>
-                      </a:solidFill>
-                    </a:lnB>
-                    <a:solidFill>
-                      <a:srgbClr val="d9caee"/>
-                    </a:solidFill>
-                  </a:tcPr>
-                </a:tc>
-                <a:tc>
+                  <a:txBody>
+                    <a:bodyPr lIns="90000" rIns="90000" anchor="ctr"/>
+                    <a:p>
+                      <a:pPr algn="ctr"/>
+                      <a:r>
+                        <a:rPr b="0" lang="en-GB" sz="1800" spc="-1" strike="noStrike">
+                          <a:solidFill>
+                            <a:srgbClr val="000000"/>
+                          </a:solidFill>
+                          <a:uFill>
+                            <a:solidFill>
+                              <a:srgbClr val="ffffff"/>
+                            </a:solidFill>
+                          </a:uFill>
+                          <a:latin typeface="Times New Roman"/>
+                        </a:rPr>
+                        <a:t>05:08</a:t>
+                      </a:r>
+                      <a:endParaRPr b="0" lang="en-GB" sz="1800" spc="-1" strike="noStrike">
+                        <a:solidFill>
+                          <a:srgbClr val="000000"/>
+                        </a:solidFill>
+                        <a:uFill>
+                          <a:solidFill>
+                            <a:srgbClr val="ffffff"/>
+                          </a:solidFill>
+                        </a:uFill>
+                        <a:latin typeface="Times New Roman"/>
+                      </a:endParaRPr>
+                    </a:p>
+                  </a:txBody>
+                  <a:tcPr marL="90000" marR="90000">
+                    <a:lnL w="9360">
+                      <a:solidFill>
+                        <a:srgbClr val="7d5fa0"/>
+                      </a:solidFill>
+                    </a:lnL>
+                    <a:lnR w="9360">
+                      <a:solidFill>
+                        <a:srgbClr val="7d5fa0"/>
+                      </a:solidFill>
+                    </a:lnR>
+                    <a:lnT w="9360">
+                      <a:solidFill>
+                        <a:srgbClr val="7d5fa0"/>
+                      </a:solidFill>
+                    </a:lnT>
+                    <a:lnB w="9360">
+                      <a:solidFill>
+                        <a:srgbClr val="7d5fa0"/>
+                      </a:solidFill>
+                    </a:lnB>
+                    <a:solidFill>
+                      <a:srgbClr val="d9caee"/>
+                    </a:solidFill>
+                  </a:tcPr>
+                </a:tc>
+                <a:tc>
+                  <a:txBody>
+                    <a:bodyPr lIns="90000" rIns="90000" anchor="ctr"/>
+                    <a:p>
+                      <a:pPr algn="ctr"/>
+                      <a:r>
+                        <a:rPr b="0" lang="en-GB" sz="1800" spc="-1" strike="noStrike">
+                          <a:solidFill>
+                            <a:srgbClr val="000000"/>
+                          </a:solidFill>
+                          <a:uFill>
+                            <a:solidFill>
+                              <a:srgbClr val="ffffff"/>
+                            </a:solidFill>
+                          </a:uFill>
+                          <a:latin typeface="Times New Roman"/>
+                        </a:rPr>
+                        <a:t>06:12</a:t>
+                      </a:r>
+                      <a:endParaRPr b="0" lang="en-GB" sz="1800" spc="-1" strike="noStrike">
+                        <a:solidFill>
+                          <a:srgbClr val="000000"/>
+                        </a:solidFill>
+                        <a:uFill>
+                          <a:solidFill>
+                            <a:srgbClr val="ffffff"/>
+                          </a:solidFill>
+                        </a:uFill>
+                        <a:latin typeface="Times New Roman"/>
+                      </a:endParaRPr>
+                    </a:p>
+                  </a:txBody>
                   <a:tcPr marL="90000" marR="90000">
                     <a:lnL w="9360">
                       <a:solidFill>
@@ -14436,6 +15422,37 @@
               </a:tr>
               <a:tr h="668160">
                 <a:tc>
+                  <a:txBody>
+                    <a:bodyPr lIns="90000" rIns="90000" anchor="ctr"/>
+                    <a:p>
+                      <a:pPr algn="ctr"/>
+                      <a:r>
+                        <a:rPr b="0" lang="en-GB" sz="1800" spc="-1" strike="noStrike">
+                          <a:solidFill>
+                            <a:srgbClr val="000000"/>
+                          </a:solidFill>
+                          <a:uFill>
+                            <a:solidFill>
+                              <a:srgbClr val="ffffff"/>
+                            </a:solidFill>
+                          </a:uFill>
+                          <a:latin typeface="Times New Roman"/>
+                        </a:rPr>
+                        <a:t>06:59</a:t>
+                      </a:r>
+                      <a:endParaRPr b="0" lang="en-GB" sz="1800" spc="-1" strike="noStrike">
+                        <a:solidFill>
+                          <a:srgbClr val="000000"/>
+                        </a:solidFill>
+                        <a:uFill>
+                          <a:solidFill>
+                            <a:srgbClr val="ffffff"/>
+                          </a:solidFill>
+                        </a:uFill>
+                        <a:latin typeface="Times New Roman"/>
+                      </a:endParaRPr>
+                    </a:p>
+                  </a:txBody>
                   <a:tcPr marL="90000" marR="90000">
                     <a:lnL w="9360">
                       <a:solidFill>
@@ -14526,33 +15543,95 @@
                   </a:tcPr>
                 </a:tc>
                 <a:tc>
-                  <a:tcPr marL="90000" marR="90000">
-                    <a:lnL w="9360">
-                      <a:solidFill>
-                        <a:srgbClr val="7d5fa0"/>
-                      </a:solidFill>
-                    </a:lnL>
-                    <a:lnR w="9360">
-                      <a:solidFill>
-                        <a:srgbClr val="7d5fa0"/>
-                      </a:solidFill>
-                    </a:lnR>
-                    <a:lnT w="9360">
-                      <a:solidFill>
-                        <a:srgbClr val="7d5fa0"/>
-                      </a:solidFill>
-                    </a:lnT>
-                    <a:lnB w="9360">
-                      <a:solidFill>
-                        <a:srgbClr val="7d5fa0"/>
-                      </a:solidFill>
-                    </a:lnB>
-                    <a:solidFill>
-                      <a:srgbClr val="d9caee"/>
-                    </a:solidFill>
-                  </a:tcPr>
-                </a:tc>
-                <a:tc>
+                  <a:txBody>
+                    <a:bodyPr lIns="90000" rIns="90000" anchor="ctr"/>
+                    <a:p>
+                      <a:pPr algn="ctr"/>
+                      <a:r>
+                        <a:rPr b="0" lang="en-GB" sz="1800" spc="-1" strike="noStrike">
+                          <a:solidFill>
+                            <a:srgbClr val="000000"/>
+                          </a:solidFill>
+                          <a:uFill>
+                            <a:solidFill>
+                              <a:srgbClr val="ffffff"/>
+                            </a:solidFill>
+                          </a:uFill>
+                          <a:latin typeface="Times New Roman"/>
+                        </a:rPr>
+                        <a:t>04:27</a:t>
+                      </a:r>
+                      <a:endParaRPr b="0" lang="en-GB" sz="1800" spc="-1" strike="noStrike">
+                        <a:solidFill>
+                          <a:srgbClr val="000000"/>
+                        </a:solidFill>
+                        <a:uFill>
+                          <a:solidFill>
+                            <a:srgbClr val="ffffff"/>
+                          </a:solidFill>
+                        </a:uFill>
+                        <a:latin typeface="Times New Roman"/>
+                      </a:endParaRPr>
+                    </a:p>
+                  </a:txBody>
+                  <a:tcPr marL="90000" marR="90000">
+                    <a:lnL w="9360">
+                      <a:solidFill>
+                        <a:srgbClr val="7d5fa0"/>
+                      </a:solidFill>
+                    </a:lnL>
+                    <a:lnR w="9360">
+                      <a:solidFill>
+                        <a:srgbClr val="7d5fa0"/>
+                      </a:solidFill>
+                    </a:lnR>
+                    <a:lnT w="9360">
+                      <a:solidFill>
+                        <a:srgbClr val="7d5fa0"/>
+                      </a:solidFill>
+                    </a:lnT>
+                    <a:lnB w="9360">
+                      <a:solidFill>
+                        <a:srgbClr val="7d5fa0"/>
+                      </a:solidFill>
+                    </a:lnB>
+                    <a:solidFill>
+                      <a:srgbClr val="d9caee"/>
+                    </a:solidFill>
+                  </a:tcPr>
+                </a:tc>
+                <a:tc>
+                  <a:txBody>
+                    <a:bodyPr lIns="90000" rIns="90000" anchor="ctr"/>
+                    <a:p>
+                      <a:pPr algn="ctr"/>
+                      <a:r>
+                        <a:rPr b="0" lang="en-GB" sz="1800" spc="-1" strike="noStrike">
+                          <a:solidFill>
+                            <a:srgbClr val="000000"/>
+                          </a:solidFill>
+                          <a:uFill>
+                            <a:solidFill>
+                              <a:srgbClr val="ffffff"/>
+                            </a:solidFill>
+                          </a:uFill>
+                          <a:latin typeface="Times New Roman"/>
+                        </a:rPr>
+                        <a:t>20:01</a:t>
+                      </a:r>
+                      <a:endParaRPr b="0" lang="en-GB" sz="1800" spc="-1" strike="noStrike">
+                        <a:solidFill>
+                          <a:srgbClr val="000000"/>
+                        </a:solidFill>
+                        <a:uFill>
+                          <a:solidFill>
+                            <a:srgbClr val="ffffff"/>
+                          </a:solidFill>
+                        </a:uFill>
+                        <a:latin typeface="Times New Roman"/>
+                      </a:endParaRPr>
+                    </a:p>
+                  </a:txBody>
                   <a:tcPr marL="90000" marR="90000">
                     <a:lnL w="9360">
                       <a:solidFill>
@@ -14591,7 +15670,7 @@
                         </a:lnSpc>
                       </a:pPr>
                       <a:r>
-                        <a:rPr b="0" lang="en-GB" sz="2600" spc="-1" strike="noStrike">
+                        <a:rPr b="0" lang="en-GB" sz="1800" spc="-1" strike="noStrike">
                           <a:solidFill>
                             <a:srgbClr val="000000"/>
                           </a:solidFill>
@@ -14668,6 +15747,37 @@
               </a:tr>
               <a:tr h="670320">
                 <a:tc>
+                  <a:txBody>
+                    <a:bodyPr lIns="90000" rIns="90000" anchor="ctr"/>
+                    <a:p>
+                      <a:pPr algn="ctr"/>
+                      <a:r>
+                        <a:rPr b="0" lang="en-GB" sz="1800" spc="-1" strike="noStrike">
+                          <a:solidFill>
+                            <a:srgbClr val="000000"/>
+                          </a:solidFill>
+                          <a:uFill>
+                            <a:solidFill>
+                              <a:srgbClr val="ffffff"/>
+                            </a:solidFill>
+                          </a:uFill>
+                          <a:latin typeface="Times New Roman"/>
+                        </a:rPr>
+                        <a:t>08:16</a:t>
+                      </a:r>
+                      <a:endParaRPr b="0" lang="en-GB" sz="1800" spc="-1" strike="noStrike">
+                        <a:solidFill>
+                          <a:srgbClr val="000000"/>
+                        </a:solidFill>
+                        <a:uFill>
+                          <a:solidFill>
+                            <a:srgbClr val="ffffff"/>
+                          </a:solidFill>
+                        </a:uFill>
+                        <a:latin typeface="Times New Roman"/>
+                      </a:endParaRPr>
+                    </a:p>
+                  </a:txBody>
                   <a:tcPr marL="90000" marR="90000">
                     <a:lnL w="9360">
                       <a:solidFill>
@@ -14758,33 +15868,95 @@
                   </a:tcPr>
                 </a:tc>
                 <a:tc>
-                  <a:tcPr marL="90000" marR="90000">
-                    <a:lnL w="9360">
-                      <a:solidFill>
-                        <a:srgbClr val="7d5fa0"/>
-                      </a:solidFill>
-                    </a:lnL>
-                    <a:lnR w="9360">
-                      <a:solidFill>
-                        <a:srgbClr val="7d5fa0"/>
-                      </a:solidFill>
-                    </a:lnR>
-                    <a:lnT w="9360">
-                      <a:solidFill>
-                        <a:srgbClr val="7d5fa0"/>
-                      </a:solidFill>
-                    </a:lnT>
-                    <a:lnB w="9360">
-                      <a:solidFill>
-                        <a:srgbClr val="7d5fa0"/>
-                      </a:solidFill>
-                    </a:lnB>
-                    <a:solidFill>
-                      <a:srgbClr val="d9caee"/>
-                    </a:solidFill>
-                  </a:tcPr>
-                </a:tc>
-                <a:tc>
+                  <a:txBody>
+                    <a:bodyPr lIns="90000" rIns="90000" anchor="ctr"/>
+                    <a:p>
+                      <a:pPr algn="ctr"/>
+                      <a:r>
+                        <a:rPr b="0" lang="en-GB" sz="1800" spc="-1" strike="noStrike">
+                          <a:solidFill>
+                            <a:srgbClr val="000000"/>
+                          </a:solidFill>
+                          <a:uFill>
+                            <a:solidFill>
+                              <a:srgbClr val="ffffff"/>
+                            </a:solidFill>
+                          </a:uFill>
+                          <a:latin typeface="Times New Roman"/>
+                        </a:rPr>
+                        <a:t>11:14</a:t>
+                      </a:r>
+                      <a:endParaRPr b="0" lang="en-GB" sz="1800" spc="-1" strike="noStrike">
+                        <a:solidFill>
+                          <a:srgbClr val="000000"/>
+                        </a:solidFill>
+                        <a:uFill>
+                          <a:solidFill>
+                            <a:srgbClr val="ffffff"/>
+                          </a:solidFill>
+                        </a:uFill>
+                        <a:latin typeface="Times New Roman"/>
+                      </a:endParaRPr>
+                    </a:p>
+                  </a:txBody>
+                  <a:tcPr marL="90000" marR="90000">
+                    <a:lnL w="9360">
+                      <a:solidFill>
+                        <a:srgbClr val="7d5fa0"/>
+                      </a:solidFill>
+                    </a:lnL>
+                    <a:lnR w="9360">
+                      <a:solidFill>
+                        <a:srgbClr val="7d5fa0"/>
+                      </a:solidFill>
+                    </a:lnR>
+                    <a:lnT w="9360">
+                      <a:solidFill>
+                        <a:srgbClr val="7d5fa0"/>
+                      </a:solidFill>
+                    </a:lnT>
+                    <a:lnB w="9360">
+                      <a:solidFill>
+                        <a:srgbClr val="7d5fa0"/>
+                      </a:solidFill>
+                    </a:lnB>
+                    <a:solidFill>
+                      <a:srgbClr val="d9caee"/>
+                    </a:solidFill>
+                  </a:tcPr>
+                </a:tc>
+                <a:tc>
+                  <a:txBody>
+                    <a:bodyPr lIns="90000" rIns="90000" anchor="ctr"/>
+                    <a:p>
+                      <a:pPr algn="ctr"/>
+                      <a:r>
+                        <a:rPr b="0" lang="en-GB" sz="1800" spc="-1" strike="noStrike">
+                          <a:solidFill>
+                            <a:srgbClr val="000000"/>
+                          </a:solidFill>
+                          <a:uFill>
+                            <a:solidFill>
+                              <a:srgbClr val="ffffff"/>
+                            </a:solidFill>
+                          </a:uFill>
+                          <a:latin typeface="Arial"/>
+                        </a:rPr>
+                        <a:t>11:15</a:t>
+                      </a:r>
+                      <a:endParaRPr b="0" lang="en-GB" sz="1800" spc="-1" strike="noStrike">
+                        <a:solidFill>
+                          <a:srgbClr val="000000"/>
+                        </a:solidFill>
+                        <a:uFill>
+                          <a:solidFill>
+                            <a:srgbClr val="ffffff"/>
+                          </a:solidFill>
+                        </a:uFill>
+                        <a:latin typeface="Arial"/>
+                      </a:endParaRPr>
+                    </a:p>
+                  </a:txBody>
                   <a:tcPr marL="90000" marR="90000">
                     <a:lnL w="9360">
                       <a:solidFill>
@@ -14824,7 +15996,7 @@
         </p:nvGraphicFramePr>
         <p:xfrm>
           <a:off x="6082200" y="72000"/>
-          <a:ext cx="5686560" cy="6683400"/>
+          <a:ext cx="5686560" cy="6683040"/>
         </p:xfrm>
         <a:graphic>
           <a:graphicData uri="http://schemas.openxmlformats.org/drawingml/2006/table">
@@ -15095,7 +16267,11 @@
                   <a:txBody>
                     <a:bodyPr lIns="90000" rIns="90000" anchor="ctr"/>
                     <a:p>
-                      <a:pPr algn="ctr"/>
+                      <a:pPr algn="ctr">
+                        <a:lnSpc>
+                          <a:spcPct val="100000"/>
+                        </a:lnSpc>
+                      </a:pPr>
                       <a:r>
                         <a:rPr b="0" lang="en-GB" sz="1800" spc="-1" strike="noStrike">
                           <a:solidFill>
@@ -15216,7 +16392,11 @@
                   <a:txBody>
                     <a:bodyPr lIns="90000" rIns="90000" anchor="ctr"/>
                     <a:p>
-                      <a:pPr algn="ctr"/>
+                      <a:pPr algn="ctr">
+                        <a:lnSpc>
+                          <a:spcPct val="100000"/>
+                        </a:lnSpc>
+                      </a:pPr>
                       <a:r>
                         <a:rPr b="0" lang="en-GB" sz="1800" spc="-1" strike="noStrike">
                           <a:solidFill>
@@ -15274,7 +16454,11 @@
                   <a:txBody>
                     <a:bodyPr lIns="90000" rIns="90000" anchor="ctr"/>
                     <a:p>
-                      <a:pPr algn="ctr"/>
+                      <a:pPr algn="ctr">
+                        <a:lnSpc>
+                          <a:spcPct val="100000"/>
+                        </a:lnSpc>
+                      </a:pPr>
                       <a:r>
                         <a:rPr b="0" lang="en-GB" sz="1800" spc="-1" strike="noStrike">
                           <a:solidFill>
@@ -15334,7 +16518,11 @@
                   <a:txBody>
                     <a:bodyPr lIns="90000" rIns="90000" anchor="ctr"/>
                     <a:p>
-                      <a:pPr algn="ctr"/>
+                      <a:pPr algn="ctr">
+                        <a:lnSpc>
+                          <a:spcPct val="100000"/>
+                        </a:lnSpc>
+                      </a:pPr>
                       <a:r>
                         <a:rPr b="0" lang="en-GB" sz="1800" spc="-1" strike="noStrike">
                           <a:solidFill>
@@ -15455,7 +16643,11 @@
                   <a:txBody>
                     <a:bodyPr lIns="90000" rIns="90000" anchor="ctr"/>
                     <a:p>
-                      <a:pPr algn="ctr"/>
+                      <a:pPr algn="ctr">
+                        <a:lnSpc>
+                          <a:spcPct val="100000"/>
+                        </a:lnSpc>
+                      </a:pPr>
                       <a:r>
                         <a:rPr b="0" lang="en-GB" sz="1800" spc="-1" strike="noStrike">
                           <a:solidFill>
@@ -15513,7 +16705,11 @@
                   <a:txBody>
                     <a:bodyPr lIns="90000" rIns="90000" anchor="ctr"/>
                     <a:p>
-                      <a:pPr algn="ctr"/>
+                      <a:pPr algn="ctr">
+                        <a:lnSpc>
+                          <a:spcPct val="100000"/>
+                        </a:lnSpc>
+                      </a:pPr>
                       <a:r>
                         <a:rPr b="0" lang="en-GB" sz="1800" spc="-1" strike="noStrike">
                           <a:solidFill>
@@ -15573,7 +16769,11 @@
                   <a:txBody>
                     <a:bodyPr lIns="90000" rIns="90000" anchor="ctr"/>
                     <a:p>
-                      <a:pPr algn="ctr"/>
+                      <a:pPr algn="ctr">
+                        <a:lnSpc>
+                          <a:spcPct val="100000"/>
+                        </a:lnSpc>
+                      </a:pPr>
                       <a:r>
                         <a:rPr b="0" lang="en-GB" sz="1800" spc="-1" strike="noStrike">
                           <a:solidFill>
@@ -15694,7 +16894,11 @@
                   <a:txBody>
                     <a:bodyPr lIns="90000" rIns="90000" anchor="ctr"/>
                     <a:p>
-                      <a:pPr algn="ctr"/>
+                      <a:pPr algn="ctr">
+                        <a:lnSpc>
+                          <a:spcPct val="100000"/>
+                        </a:lnSpc>
+                      </a:pPr>
                       <a:r>
                         <a:rPr b="0" lang="en-GB" sz="1800" spc="-1" strike="noStrike">
                           <a:solidFill>
@@ -15707,7 +16911,7 @@
                           </a:uFill>
                           <a:latin typeface="Arial"/>
                         </a:rPr>
-                        <a:t>2212:52</a:t>
+                        <a:t>12:52</a:t>
                       </a:r>
                       <a:endParaRPr b="0" lang="en-GB" sz="1800" spc="-1" strike="noStrike">
                         <a:solidFill>
@@ -15752,7 +16956,11 @@
                   <a:txBody>
                     <a:bodyPr lIns="90000" rIns="90000" anchor="ctr"/>
                     <a:p>
-                      <a:pPr algn="ctr"/>
+                      <a:pPr algn="ctr">
+                        <a:lnSpc>
+                          <a:spcPct val="100000"/>
+                        </a:lnSpc>
+                      </a:pPr>
                       <a:r>
                         <a:rPr b="0" lang="en-GB" sz="1800" spc="-1" strike="noStrike">
                           <a:solidFill>
@@ -15812,7 +17020,11 @@
                   <a:txBody>
                     <a:bodyPr lIns="90000" rIns="90000" anchor="ctr"/>
                     <a:p>
-                      <a:pPr algn="ctr"/>
+                      <a:pPr algn="ctr">
+                        <a:lnSpc>
+                          <a:spcPct val="100000"/>
+                        </a:lnSpc>
+                      </a:pPr>
                       <a:r>
                         <a:rPr b="0" lang="en-GB" sz="1800" spc="-1" strike="noStrike">
                           <a:solidFill>
@@ -15933,7 +17145,11 @@
                   <a:txBody>
                     <a:bodyPr lIns="90000" rIns="90000" anchor="ctr"/>
                     <a:p>
-                      <a:pPr algn="ctr"/>
+                      <a:pPr algn="ctr">
+                        <a:lnSpc>
+                          <a:spcPct val="100000"/>
+                        </a:lnSpc>
+                      </a:pPr>
                       <a:r>
                         <a:rPr b="0" lang="en-GB" sz="1800" spc="-1" strike="noStrike">
                           <a:solidFill>
@@ -15991,7 +17207,11 @@
                   <a:txBody>
                     <a:bodyPr lIns="90000" rIns="90000" anchor="ctr"/>
                     <a:p>
-                      <a:pPr algn="ctr"/>
+                      <a:pPr algn="ctr">
+                        <a:lnSpc>
+                          <a:spcPct val="100000"/>
+                        </a:lnSpc>
+                      </a:pPr>
                       <a:r>
                         <a:rPr b="0" lang="en-GB" sz="1800" spc="-1" strike="noStrike">
                           <a:solidFill>
@@ -16051,7 +17271,11 @@
                   <a:txBody>
                     <a:bodyPr lIns="90000" rIns="90000" anchor="ctr"/>
                     <a:p>
-                      <a:pPr algn="ctr"/>
+                      <a:pPr algn="ctr">
+                        <a:lnSpc>
+                          <a:spcPct val="100000"/>
+                        </a:lnSpc>
+                      </a:pPr>
                       <a:r>
                         <a:rPr b="0" lang="en-GB" sz="1800" spc="-1" strike="noStrike">
                           <a:solidFill>
@@ -16172,7 +17396,11 @@
                   <a:txBody>
                     <a:bodyPr lIns="90000" rIns="90000" anchor="ctr"/>
                     <a:p>
-                      <a:pPr algn="ctr"/>
+                      <a:pPr algn="ctr">
+                        <a:lnSpc>
+                          <a:spcPct val="100000"/>
+                        </a:lnSpc>
+                      </a:pPr>
                       <a:r>
                         <a:rPr b="0" lang="en-GB" sz="1800" spc="-1" strike="noStrike">
                           <a:solidFill>
@@ -16230,7 +17458,11 @@
                   <a:txBody>
                     <a:bodyPr lIns="90000" rIns="90000" anchor="ctr"/>
                     <a:p>
-                      <a:pPr algn="ctr"/>
+                      <a:pPr algn="ctr">
+                        <a:lnSpc>
+                          <a:spcPct val="100000"/>
+                        </a:lnSpc>
+                      </a:pPr>
                       <a:r>
                         <a:rPr b="0" lang="en-GB" sz="1800" spc="-1" strike="noStrike">
                           <a:solidFill>
@@ -16290,7 +17522,11 @@
                   <a:txBody>
                     <a:bodyPr lIns="90000" rIns="90000" anchor="ctr"/>
                     <a:p>
-                      <a:pPr algn="ctr"/>
+                      <a:pPr algn="ctr">
+                        <a:lnSpc>
+                          <a:spcPct val="100000"/>
+                        </a:lnSpc>
+                      </a:pPr>
                       <a:r>
                         <a:rPr b="0" lang="en-GB" sz="1800" spc="-1" strike="noStrike">
                           <a:solidFill>
@@ -16411,7 +17647,11 @@
                   <a:txBody>
                     <a:bodyPr lIns="90000" rIns="90000" anchor="ctr"/>
                     <a:p>
-                      <a:pPr algn="ctr"/>
+                      <a:pPr algn="ctr">
+                        <a:lnSpc>
+                          <a:spcPct val="100000"/>
+                        </a:lnSpc>
+                      </a:pPr>
                       <a:r>
                         <a:rPr b="0" lang="en-GB" sz="1800" spc="-1" strike="noStrike">
                           <a:solidFill>
@@ -16469,7 +17709,11 @@
                   <a:txBody>
                     <a:bodyPr lIns="90000" rIns="90000" anchor="ctr"/>
                     <a:p>
-                      <a:pPr algn="ctr"/>
+                      <a:pPr algn="ctr">
+                        <a:lnSpc>
+                          <a:spcPct val="100000"/>
+                        </a:lnSpc>
+                      </a:pPr>
                       <a:r>
                         <a:rPr b="0" lang="en-GB" sz="1800" spc="-1" strike="noStrike">
                           <a:solidFill>
@@ -16529,7 +17773,11 @@
                   <a:txBody>
                     <a:bodyPr lIns="90000" rIns="90000" anchor="ctr"/>
                     <a:p>
-                      <a:pPr algn="ctr"/>
+                      <a:pPr algn="ctr">
+                        <a:lnSpc>
+                          <a:spcPct val="100000"/>
+                        </a:lnSpc>
+                      </a:pPr>
                       <a:r>
                         <a:rPr b="0" lang="en-GB" sz="1800" spc="-1" strike="noStrike">
                           <a:solidFill>
@@ -16650,7 +17898,11 @@
                   <a:txBody>
                     <a:bodyPr lIns="90000" rIns="90000" anchor="ctr"/>
                     <a:p>
-                      <a:pPr algn="ctr"/>
+                      <a:pPr algn="ctr">
+                        <a:lnSpc>
+                          <a:spcPct val="100000"/>
+                        </a:lnSpc>
+                      </a:pPr>
                       <a:r>
                         <a:rPr b="0" lang="en-GB" sz="1800" spc="-1" strike="noStrike">
                           <a:solidFill>
@@ -16708,7 +17960,11 @@
                   <a:txBody>
                     <a:bodyPr lIns="90000" rIns="90000" anchor="ctr"/>
                     <a:p>
-                      <a:pPr algn="ctr"/>
+                      <a:pPr algn="ctr">
+                        <a:lnSpc>
+                          <a:spcPct val="100000"/>
+                        </a:lnSpc>
+                      </a:pPr>
                       <a:r>
                         <a:rPr b="0" lang="en-GB" sz="1800" spc="-1" strike="noStrike">
                           <a:solidFill>
@@ -16854,7 +18110,11 @@
                   <a:txBody>
                     <a:bodyPr lIns="90000" rIns="90000" anchor="ctr"/>
                     <a:p>
-                      <a:pPr algn="ctr"/>
+                      <a:pPr algn="ctr">
+                        <a:lnSpc>
+                          <a:spcPct val="100000"/>
+                        </a:lnSpc>
+                      </a:pPr>
                       <a:r>
                         <a:rPr b="0" lang="en-GB" sz="1800" spc="-1" strike="noStrike">
                           <a:solidFill>
@@ -16975,7 +18235,11 @@
                   <a:txBody>
                     <a:bodyPr lIns="90000" rIns="90000" anchor="ctr"/>
                     <a:p>
-                      <a:pPr algn="ctr"/>
+                      <a:pPr algn="ctr">
+                        <a:lnSpc>
+                          <a:spcPct val="100000"/>
+                        </a:lnSpc>
+                      </a:pPr>
                       <a:r>
                         <a:rPr b="0" lang="en-GB" sz="1800" spc="-1" strike="noStrike">
                           <a:solidFill>
@@ -17033,7 +18297,11 @@
                   <a:txBody>
                     <a:bodyPr lIns="90000" rIns="90000" anchor="ctr"/>
                     <a:p>
-                      <a:pPr algn="ctr"/>
+                      <a:pPr algn="ctr">
+                        <a:lnSpc>
+                          <a:spcPct val="100000"/>
+                        </a:lnSpc>
+                      </a:pPr>
                       <a:r>
                         <a:rPr b="0" lang="en-GB" sz="1800" spc="-1" strike="noStrike">
                           <a:solidFill>
@@ -17149,8 +18417,8 @@
         </p:nvSpPr>
         <p:spPr>
           <a:xfrm rot="2400">
-            <a:off x="1582200" y="499680"/>
-            <a:ext cx="8998560" cy="1366560"/>
+            <a:off x="1581840" y="499320"/>
+            <a:ext cx="8998200" cy="1366200"/>
           </a:xfrm>
           <a:prstGeom prst="rect">
             <a:avLst/>
@@ -17176,7 +18444,7 @@
         <p:spPr>
           <a:xfrm>
             <a:off x="609480" y="2160000"/>
-            <a:ext cx="10971000" cy="3958560"/>
+            <a:ext cx="10970640" cy="3958200"/>
           </a:xfrm>
           <a:prstGeom prst="rect">
             <a:avLst/>
@@ -17195,7 +18463,7 @@
         <p:txBody>
           <a:bodyPr lIns="0" rIns="0" tIns="0" bIns="0"/>
           <a:p>
-            <a:pPr marL="432000" indent="-322560">
+            <a:pPr marL="432000" indent="-322200">
               <a:lnSpc>
                 <a:spcPct val="100000"/>
               </a:lnSpc>
@@ -17234,7 +18502,7 @@
             </a:endParaRPr>
           </a:p>
           <a:p>
-            <a:pPr marL="432000" indent="-322560">
+            <a:pPr marL="432000" indent="-322200">
               <a:lnSpc>
                 <a:spcPct val="100000"/>
               </a:lnSpc>
@@ -17273,7 +18541,7 @@
             </a:endParaRPr>
           </a:p>
           <a:p>
-            <a:pPr marL="432000" indent="-322560">
+            <a:pPr marL="432000" indent="-322200">
               <a:lnSpc>
                 <a:spcPct val="100000"/>
               </a:lnSpc>
@@ -17592,7 +18860,11 @@
                   <a:txBody>
                     <a:bodyPr lIns="90000" rIns="90000" anchor="ctr"/>
                     <a:p>
-                      <a:pPr algn="ctr"/>
+                      <a:pPr algn="ctr">
+                        <a:lnSpc>
+                          <a:spcPct val="100000"/>
+                        </a:lnSpc>
+                      </a:pPr>
                       <a:r>
                         <a:rPr b="0" lang="en-GB" sz="1800" spc="-1" strike="noStrike">
                           <a:solidFill>
@@ -17713,7 +18985,11 @@
                   <a:txBody>
                     <a:bodyPr lIns="90000" rIns="90000" anchor="ctr"/>
                     <a:p>
-                      <a:pPr algn="ctr"/>
+                      <a:pPr algn="ctr">
+                        <a:lnSpc>
+                          <a:spcPct val="100000"/>
+                        </a:lnSpc>
+                      </a:pPr>
                       <a:r>
                         <a:rPr b="0" lang="en-GB" sz="1800" spc="-1" strike="noStrike">
                           <a:solidFill>
@@ -17771,7 +19047,11 @@
                   <a:txBody>
                     <a:bodyPr lIns="90000" rIns="90000" anchor="ctr"/>
                     <a:p>
-                      <a:pPr algn="ctr"/>
+                      <a:pPr algn="ctr">
+                        <a:lnSpc>
+                          <a:spcPct val="100000"/>
+                        </a:lnSpc>
+                      </a:pPr>
                       <a:r>
                         <a:rPr b="0" lang="en-GB" sz="1800" spc="-1" strike="noStrike">
                           <a:solidFill>
@@ -17831,7 +19111,11 @@
                   <a:txBody>
                     <a:bodyPr lIns="90000" rIns="90000" anchor="ctr"/>
                     <a:p>
-                      <a:pPr algn="ctr"/>
+                      <a:pPr algn="ctr">
+                        <a:lnSpc>
+                          <a:spcPct val="100000"/>
+                        </a:lnSpc>
+                      </a:pPr>
                       <a:r>
                         <a:rPr b="0" lang="en-GB" sz="1800" spc="-1" strike="noStrike">
                           <a:solidFill>
@@ -17952,7 +19236,11 @@
                   <a:txBody>
                     <a:bodyPr lIns="90000" rIns="90000" anchor="ctr"/>
                     <a:p>
-                      <a:pPr algn="ctr"/>
+                      <a:pPr algn="ctr">
+                        <a:lnSpc>
+                          <a:spcPct val="100000"/>
+                        </a:lnSpc>
+                      </a:pPr>
                       <a:r>
                         <a:rPr b="0" lang="en-GB" sz="1800" spc="-1" strike="noStrike">
                           <a:solidFill>
@@ -18010,7 +19298,11 @@
                   <a:txBody>
                     <a:bodyPr lIns="90000" rIns="90000" anchor="ctr"/>
                     <a:p>
-                      <a:pPr algn="ctr"/>
+                      <a:pPr algn="ctr">
+                        <a:lnSpc>
+                          <a:spcPct val="100000"/>
+                        </a:lnSpc>
+                      </a:pPr>
                       <a:r>
                         <a:rPr b="0" lang="en-GB" sz="1800" spc="-1" strike="noStrike">
                           <a:solidFill>
@@ -18070,7 +19362,11 @@
                   <a:txBody>
                     <a:bodyPr lIns="90000" rIns="90000" anchor="ctr"/>
                     <a:p>
-                      <a:pPr algn="ctr"/>
+                      <a:pPr algn="ctr">
+                        <a:lnSpc>
+                          <a:spcPct val="100000"/>
+                        </a:lnSpc>
+                      </a:pPr>
                       <a:r>
                         <a:rPr b="0" lang="en-GB" sz="1800" spc="-1" strike="noStrike">
                           <a:solidFill>
@@ -18191,7 +19487,11 @@
                   <a:txBody>
                     <a:bodyPr lIns="90000" rIns="90000" anchor="ctr"/>
                     <a:p>
-                      <a:pPr algn="ctr"/>
+                      <a:pPr algn="ctr">
+                        <a:lnSpc>
+                          <a:spcPct val="100000"/>
+                        </a:lnSpc>
+                      </a:pPr>
                       <a:r>
                         <a:rPr b="0" lang="en-GB" sz="1800" spc="-1" strike="noStrike">
                           <a:solidFill>
@@ -18249,7 +19549,11 @@
                   <a:txBody>
                     <a:bodyPr lIns="90000" rIns="90000" anchor="ctr"/>
                     <a:p>
-                      <a:pPr algn="ctr"/>
+                      <a:pPr algn="ctr">
+                        <a:lnSpc>
+                          <a:spcPct val="100000"/>
+                        </a:lnSpc>
+                      </a:pPr>
                       <a:r>
                         <a:rPr b="0" lang="en-GB" sz="1800" spc="-1" strike="noStrike">
                           <a:solidFill>
@@ -18309,7 +19613,11 @@
                   <a:txBody>
                     <a:bodyPr lIns="90000" rIns="90000" anchor="ctr"/>
                     <a:p>
-                      <a:pPr algn="ctr"/>
+                      <a:pPr algn="ctr">
+                        <a:lnSpc>
+                          <a:spcPct val="100000"/>
+                        </a:lnSpc>
+                      </a:pPr>
                       <a:r>
                         <a:rPr b="0" lang="en-GB" sz="1800" spc="-1" strike="noStrike">
                           <a:solidFill>
@@ -18430,7 +19738,11 @@
                   <a:txBody>
                     <a:bodyPr lIns="90000" rIns="90000" anchor="ctr"/>
                     <a:p>
-                      <a:pPr algn="ctr"/>
+                      <a:pPr algn="ctr">
+                        <a:lnSpc>
+                          <a:spcPct val="100000"/>
+                        </a:lnSpc>
+                      </a:pPr>
                       <a:r>
                         <a:rPr b="0" lang="en-GB" sz="1800" spc="-1" strike="noStrike">
                           <a:solidFill>
@@ -18488,7 +19800,11 @@
                   <a:txBody>
                     <a:bodyPr lIns="90000" rIns="90000" anchor="ctr"/>
                     <a:p>
-                      <a:pPr algn="ctr"/>
+                      <a:pPr algn="ctr">
+                        <a:lnSpc>
+                          <a:spcPct val="100000"/>
+                        </a:lnSpc>
+                      </a:pPr>
                       <a:r>
                         <a:rPr b="0" lang="en-GB" sz="1800" spc="-1" strike="noStrike">
                           <a:solidFill>
@@ -18548,7 +19864,11 @@
                   <a:txBody>
                     <a:bodyPr lIns="90000" rIns="90000" anchor="ctr"/>
                     <a:p>
-                      <a:pPr algn="ctr"/>
+                      <a:pPr algn="ctr">
+                        <a:lnSpc>
+                          <a:spcPct val="100000"/>
+                        </a:lnSpc>
+                      </a:pPr>
                       <a:r>
                         <a:rPr b="0" lang="en-GB" sz="1800" spc="-1" strike="noStrike">
                           <a:solidFill>
@@ -18669,7 +19989,11 @@
                   <a:txBody>
                     <a:bodyPr lIns="90000" rIns="90000" anchor="ctr"/>
                     <a:p>
-                      <a:pPr algn="ctr"/>
+                      <a:pPr algn="ctr">
+                        <a:lnSpc>
+                          <a:spcPct val="100000"/>
+                        </a:lnSpc>
+                      </a:pPr>
                       <a:r>
                         <a:rPr b="0" lang="en-GB" sz="1800" spc="-1" strike="noStrike">
                           <a:solidFill>
@@ -18727,7 +20051,11 @@
                   <a:txBody>
                     <a:bodyPr lIns="90000" rIns="90000" anchor="ctr"/>
                     <a:p>
-                      <a:pPr algn="ctr"/>
+                      <a:pPr algn="ctr">
+                        <a:lnSpc>
+                          <a:spcPct val="100000"/>
+                        </a:lnSpc>
+                      </a:pPr>
                       <a:r>
                         <a:rPr b="0" lang="en-GB" sz="1800" spc="-1" strike="noStrike">
                           <a:solidFill>
@@ -18787,7 +20115,11 @@
                   <a:txBody>
                     <a:bodyPr lIns="90000" rIns="90000" anchor="ctr"/>
                     <a:p>
-                      <a:pPr algn="ctr"/>
+                      <a:pPr algn="ctr">
+                        <a:lnSpc>
+                          <a:spcPct val="100000"/>
+                        </a:lnSpc>
+                      </a:pPr>
                       <a:r>
                         <a:rPr b="0" lang="en-GB" sz="1800" spc="-1" strike="noStrike">
                           <a:solidFill>
@@ -18908,7 +20240,11 @@
                   <a:txBody>
                     <a:bodyPr lIns="90000" rIns="90000" anchor="ctr"/>
                     <a:p>
-                      <a:pPr algn="ctr"/>
+                      <a:pPr algn="ctr">
+                        <a:lnSpc>
+                          <a:spcPct val="100000"/>
+                        </a:lnSpc>
+                      </a:pPr>
                       <a:r>
                         <a:rPr b="0" lang="en-GB" sz="1800" spc="-1" strike="noStrike">
                           <a:solidFill>
@@ -18966,7 +20302,11 @@
                   <a:txBody>
                     <a:bodyPr lIns="90000" rIns="90000" anchor="ctr"/>
                     <a:p>
-                      <a:pPr algn="ctr"/>
+                      <a:pPr algn="ctr">
+                        <a:lnSpc>
+                          <a:spcPct val="100000"/>
+                        </a:lnSpc>
+                      </a:pPr>
                       <a:r>
                         <a:rPr b="0" lang="en-GB" sz="1800" spc="-1" strike="noStrike">
                           <a:solidFill>
@@ -19026,7 +20366,11 @@
                   <a:txBody>
                     <a:bodyPr lIns="90000" rIns="90000" anchor="ctr"/>
                     <a:p>
-                      <a:pPr algn="ctr"/>
+                      <a:pPr algn="ctr">
+                        <a:lnSpc>
+                          <a:spcPct val="100000"/>
+                        </a:lnSpc>
+                      </a:pPr>
                       <a:r>
                         <a:rPr b="0" lang="en-GB" sz="1800" spc="-1" strike="noStrike">
                           <a:solidFill>
@@ -19147,7 +20491,11 @@
                   <a:txBody>
                     <a:bodyPr lIns="90000" rIns="90000" anchor="ctr"/>
                     <a:p>
-                      <a:pPr algn="ctr"/>
+                      <a:pPr algn="ctr">
+                        <a:lnSpc>
+                          <a:spcPct val="100000"/>
+                        </a:lnSpc>
+                      </a:pPr>
                       <a:r>
                         <a:rPr b="0" lang="en-GB" sz="1800" spc="-1" strike="noStrike">
                           <a:solidFill>
@@ -19205,7 +20553,11 @@
                   <a:txBody>
                     <a:bodyPr lIns="90000" rIns="90000" anchor="ctr"/>
                     <a:p>
-                      <a:pPr algn="ctr"/>
+                      <a:pPr algn="ctr">
+                        <a:lnSpc>
+                          <a:spcPct val="100000"/>
+                        </a:lnSpc>
+                      </a:pPr>
                       <a:r>
                         <a:rPr b="0" lang="en-GB" sz="1800" spc="-1" strike="noStrike">
                           <a:solidFill>
@@ -19351,7 +20703,11 @@
                   <a:txBody>
                     <a:bodyPr lIns="90000" rIns="90000" anchor="ctr"/>
                     <a:p>
-                      <a:pPr algn="ctr"/>
+                      <a:pPr algn="ctr">
+                        <a:lnSpc>
+                          <a:spcPct val="100000"/>
+                        </a:lnSpc>
+                      </a:pPr>
                       <a:r>
                         <a:rPr b="0" lang="en-GB" sz="1800" spc="-1" strike="noStrike">
                           <a:solidFill>
@@ -19472,7 +20828,11 @@
                   <a:txBody>
                     <a:bodyPr lIns="90000" rIns="90000" anchor="ctr"/>
                     <a:p>
-                      <a:pPr algn="ctr"/>
+                      <a:pPr algn="ctr">
+                        <a:lnSpc>
+                          <a:spcPct val="100000"/>
+                        </a:lnSpc>
+                      </a:pPr>
                       <a:r>
                         <a:rPr b="0" lang="en-GB" sz="1800" spc="-1" strike="noStrike">
                           <a:solidFill>
@@ -19530,7 +20890,11 @@
                   <a:txBody>
                     <a:bodyPr lIns="90000" rIns="90000" anchor="ctr"/>
                     <a:p>
-                      <a:pPr algn="ctr"/>
+                      <a:pPr algn="ctr">
+                        <a:lnSpc>
+                          <a:spcPct val="100000"/>
+                        </a:lnSpc>
+                      </a:pPr>
                       <a:r>
                         <a:rPr b="0" lang="en-GB" sz="1800" spc="-1" strike="noStrike">
                           <a:solidFill>
@@ -19597,7 +20961,7 @@
         </p:nvGraphicFramePr>
         <p:xfrm>
           <a:off x="5979240" y="97200"/>
-          <a:ext cx="5830560" cy="6637320"/>
+          <a:ext cx="5830560" cy="6636960"/>
         </p:xfrm>
         <a:graphic>
           <a:graphicData uri="http://schemas.openxmlformats.org/drawingml/2006/table">
@@ -19868,7 +21232,11 @@
                   <a:txBody>
                     <a:bodyPr lIns="90000" rIns="90000" anchor="ctr"/>
                     <a:p>
-                      <a:pPr algn="ctr"/>
+                      <a:pPr algn="ctr">
+                        <a:lnSpc>
+                          <a:spcPct val="100000"/>
+                        </a:lnSpc>
+                      </a:pPr>
                       <a:r>
                         <a:rPr b="0" lang="en-GB" sz="1800" spc="-1" strike="noStrike">
                           <a:solidFill>
@@ -19989,7 +21357,11 @@
                   <a:txBody>
                     <a:bodyPr lIns="90000" rIns="90000" anchor="ctr"/>
                     <a:p>
-                      <a:pPr algn="ctr"/>
+                      <a:pPr algn="ctr">
+                        <a:lnSpc>
+                          <a:spcPct val="100000"/>
+                        </a:lnSpc>
+                      </a:pPr>
                       <a:r>
                         <a:rPr b="0" lang="en-GB" sz="1800" spc="-1" strike="noStrike">
                           <a:solidFill>
@@ -20047,7 +21419,11 @@
                   <a:txBody>
                     <a:bodyPr lIns="90000" rIns="90000" anchor="ctr"/>
                     <a:p>
-                      <a:pPr algn="ctr"/>
+                      <a:pPr algn="ctr">
+                        <a:lnSpc>
+                          <a:spcPct val="100000"/>
+                        </a:lnSpc>
+                      </a:pPr>
                       <a:r>
                         <a:rPr b="0" lang="en-GB" sz="1800" spc="-1" strike="noStrike">
                           <a:solidFill>
@@ -20107,7 +21483,11 @@
                   <a:txBody>
                     <a:bodyPr lIns="90000" rIns="90000" anchor="ctr"/>
                     <a:p>
-                      <a:pPr algn="ctr"/>
+                      <a:pPr algn="ctr">
+                        <a:lnSpc>
+                          <a:spcPct val="100000"/>
+                        </a:lnSpc>
+                      </a:pPr>
                       <a:r>
                         <a:rPr b="0" lang="en-GB" sz="1800" spc="-1" strike="noStrike">
                           <a:solidFill>
@@ -20228,7 +21608,11 @@
                   <a:txBody>
                     <a:bodyPr lIns="90000" rIns="90000" anchor="ctr"/>
                     <a:p>
-                      <a:pPr algn="ctr"/>
+                      <a:pPr algn="ctr">
+                        <a:lnSpc>
+                          <a:spcPct val="100000"/>
+                        </a:lnSpc>
+                      </a:pPr>
                       <a:r>
                         <a:rPr b="0" lang="en-GB" sz="1800" spc="-1" strike="noStrike">
                           <a:solidFill>
@@ -20286,7 +21670,11 @@
                   <a:txBody>
                     <a:bodyPr lIns="90000" rIns="90000" anchor="ctr"/>
                     <a:p>
-                      <a:pPr algn="ctr"/>
+                      <a:pPr algn="ctr">
+                        <a:lnSpc>
+                          <a:spcPct val="100000"/>
+                        </a:lnSpc>
+                      </a:pPr>
                       <a:r>
                         <a:rPr b="0" lang="en-GB" sz="1800" spc="-1" strike="noStrike">
                           <a:solidFill>
@@ -20346,7 +21734,11 @@
                   <a:txBody>
                     <a:bodyPr lIns="90000" rIns="90000" anchor="ctr"/>
                     <a:p>
-                      <a:pPr algn="ctr"/>
+                      <a:pPr algn="ctr">
+                        <a:lnSpc>
+                          <a:spcPct val="100000"/>
+                        </a:lnSpc>
+                      </a:pPr>
                       <a:r>
                         <a:rPr b="0" lang="en-GB" sz="1800" spc="-1" strike="noStrike">
                           <a:solidFill>
@@ -20467,7 +21859,11 @@
                   <a:txBody>
                     <a:bodyPr lIns="90000" rIns="90000" anchor="ctr"/>
                     <a:p>
-                      <a:pPr algn="ctr"/>
+                      <a:pPr algn="ctr">
+                        <a:lnSpc>
+                          <a:spcPct val="100000"/>
+                        </a:lnSpc>
+                      </a:pPr>
                       <a:r>
                         <a:rPr b="0" lang="en-GB" sz="1800" spc="-1" strike="noStrike">
                           <a:solidFill>
@@ -20525,7 +21921,11 @@
                   <a:txBody>
                     <a:bodyPr lIns="90000" rIns="90000" anchor="ctr"/>
                     <a:p>
-                      <a:pPr algn="ctr"/>
+                      <a:pPr algn="ctr">
+                        <a:lnSpc>
+                          <a:spcPct val="100000"/>
+                        </a:lnSpc>
+                      </a:pPr>
                       <a:r>
                         <a:rPr b="0" lang="en-GB" sz="1800" spc="-1" strike="noStrike">
                           <a:solidFill>
@@ -20585,7 +21985,11 @@
                   <a:txBody>
                     <a:bodyPr lIns="90000" rIns="90000" anchor="ctr"/>
                     <a:p>
-                      <a:pPr algn="ctr"/>
+                      <a:pPr algn="ctr">
+                        <a:lnSpc>
+                          <a:spcPct val="100000"/>
+                        </a:lnSpc>
+                      </a:pPr>
                       <a:r>
                         <a:rPr b="0" lang="en-GB" sz="1800" spc="-1" strike="noStrike">
                           <a:solidFill>
@@ -20706,7 +22110,11 @@
                   <a:txBody>
                     <a:bodyPr lIns="90000" rIns="90000" anchor="ctr"/>
                     <a:p>
-                      <a:pPr algn="ctr"/>
+                      <a:pPr algn="ctr">
+                        <a:lnSpc>
+                          <a:spcPct val="100000"/>
+                        </a:lnSpc>
+                      </a:pPr>
                       <a:r>
                         <a:rPr b="0" lang="en-GB" sz="1800" spc="-1" strike="noStrike">
                           <a:solidFill>
@@ -20764,7 +22172,11 @@
                   <a:txBody>
                     <a:bodyPr lIns="90000" rIns="90000" anchor="ctr"/>
                     <a:p>
-                      <a:pPr algn="ctr"/>
+                      <a:pPr algn="ctr">
+                        <a:lnSpc>
+                          <a:spcPct val="100000"/>
+                        </a:lnSpc>
+                      </a:pPr>
                       <a:r>
                         <a:rPr b="0" lang="en-GB" sz="1800" spc="-1" strike="noStrike">
                           <a:solidFill>
@@ -20824,7 +22236,11 @@
                   <a:txBody>
                     <a:bodyPr lIns="90000" rIns="90000" anchor="ctr"/>
                     <a:p>
-                      <a:pPr algn="ctr"/>
+                      <a:pPr algn="ctr">
+                        <a:lnSpc>
+                          <a:spcPct val="100000"/>
+                        </a:lnSpc>
+                      </a:pPr>
                       <a:r>
                         <a:rPr b="0" lang="en-GB" sz="1800" spc="-1" strike="noStrike">
                           <a:solidFill>
@@ -20945,7 +22361,11 @@
                   <a:txBody>
                     <a:bodyPr lIns="90000" rIns="90000" anchor="ctr"/>
                     <a:p>
-                      <a:pPr algn="ctr"/>
+                      <a:pPr algn="ctr">
+                        <a:lnSpc>
+                          <a:spcPct val="100000"/>
+                        </a:lnSpc>
+                      </a:pPr>
                       <a:r>
                         <a:rPr b="0" lang="en-GB" sz="1800" spc="-1" strike="noStrike">
                           <a:solidFill>
@@ -21003,7 +22423,11 @@
                   <a:txBody>
                     <a:bodyPr lIns="90000" rIns="90000" anchor="ctr"/>
                     <a:p>
-                      <a:pPr algn="ctr"/>
+                      <a:pPr algn="ctr">
+                        <a:lnSpc>
+                          <a:spcPct val="100000"/>
+                        </a:lnSpc>
+                      </a:pPr>
                       <a:r>
                         <a:rPr b="0" lang="en-GB" sz="1800" spc="-1" strike="noStrike">
                           <a:solidFill>
@@ -21063,7 +22487,11 @@
                   <a:txBody>
                     <a:bodyPr lIns="90000" rIns="90000" anchor="ctr"/>
                     <a:p>
-                      <a:pPr algn="ctr"/>
+                      <a:pPr algn="ctr">
+                        <a:lnSpc>
+                          <a:spcPct val="100000"/>
+                        </a:lnSpc>
+                      </a:pPr>
                       <a:r>
                         <a:rPr b="0" lang="en-GB" sz="1800" spc="-1" strike="noStrike">
                           <a:solidFill>
@@ -21184,7 +22612,11 @@
                   <a:txBody>
                     <a:bodyPr lIns="90000" rIns="90000" anchor="ctr"/>
                     <a:p>
-                      <a:pPr algn="ctr"/>
+                      <a:pPr algn="ctr">
+                        <a:lnSpc>
+                          <a:spcPct val="100000"/>
+                        </a:lnSpc>
+                      </a:pPr>
                       <a:r>
                         <a:rPr b="0" lang="en-GB" sz="1800" spc="-1" strike="noStrike">
                           <a:solidFill>
@@ -21242,7 +22674,11 @@
                   <a:txBody>
                     <a:bodyPr lIns="90000" rIns="90000" anchor="ctr"/>
                     <a:p>
-                      <a:pPr algn="ctr"/>
+                      <a:pPr algn="ctr">
+                        <a:lnSpc>
+                          <a:spcPct val="100000"/>
+                        </a:lnSpc>
+                      </a:pPr>
                       <a:r>
                         <a:rPr b="0" lang="en-GB" sz="1800" spc="-1" strike="noStrike">
                           <a:solidFill>
@@ -21302,7 +22738,11 @@
                   <a:txBody>
                     <a:bodyPr lIns="90000" rIns="90000" anchor="ctr"/>
                     <a:p>
-                      <a:pPr algn="ctr"/>
+                      <a:pPr algn="ctr">
+                        <a:lnSpc>
+                          <a:spcPct val="100000"/>
+                        </a:lnSpc>
+                      </a:pPr>
                       <a:r>
                         <a:rPr b="0" lang="en-GB" sz="1800" spc="-1" strike="noStrike">
                           <a:solidFill>
@@ -21423,7 +22863,11 @@
                   <a:txBody>
                     <a:bodyPr lIns="90000" rIns="90000" anchor="ctr"/>
                     <a:p>
-                      <a:pPr algn="ctr"/>
+                      <a:pPr algn="ctr">
+                        <a:lnSpc>
+                          <a:spcPct val="100000"/>
+                        </a:lnSpc>
+                      </a:pPr>
                       <a:r>
                         <a:rPr b="0" lang="en-GB" sz="1800" spc="-1" strike="noStrike">
                           <a:solidFill>
@@ -21481,7 +22925,11 @@
                   <a:txBody>
                     <a:bodyPr lIns="90000" rIns="90000" anchor="ctr"/>
                     <a:p>
-                      <a:pPr algn="ctr"/>
+                      <a:pPr algn="ctr">
+                        <a:lnSpc>
+                          <a:spcPct val="100000"/>
+                        </a:lnSpc>
+                      </a:pPr>
                       <a:r>
                         <a:rPr b="0" lang="en-GB" sz="1800" spc="-1" strike="noStrike">
                           <a:solidFill>
@@ -21561,7 +23009,7 @@
                         </a:rPr>
                         <a:t>Total</a:t>
                       </a:r>
-                      <a:endParaRPr b="0" lang="en-GB" sz="2200" spc="-1" strike="noStrike">
+                      <a:endParaRPr b="0" lang="en-GB" sz="1800" spc="-1" strike="noStrike">
                         <a:solidFill>
                           <a:srgbClr val="000000"/>
                         </a:solidFill>
@@ -21627,7 +23075,11 @@
                   <a:txBody>
                     <a:bodyPr lIns="90000" rIns="90000" anchor="ctr"/>
                     <a:p>
-                      <a:pPr algn="ctr"/>
+                      <a:pPr algn="ctr">
+                        <a:lnSpc>
+                          <a:spcPct val="100000"/>
+                        </a:lnSpc>
+                      </a:pPr>
                       <a:r>
                         <a:rPr b="0" lang="en-GB" sz="1800" spc="-1" strike="noStrike">
                           <a:solidFill>
@@ -21748,7 +23200,11 @@
                   <a:txBody>
                     <a:bodyPr lIns="90000" rIns="90000" anchor="ctr"/>
                     <a:p>
-                      <a:pPr algn="ctr"/>
+                      <a:pPr algn="ctr">
+                        <a:lnSpc>
+                          <a:spcPct val="100000"/>
+                        </a:lnSpc>
+                      </a:pPr>
                       <a:r>
                         <a:rPr b="0" lang="en-GB" sz="1800" spc="-1" strike="noStrike">
                           <a:solidFill>
@@ -21806,7 +23262,11 @@
                   <a:txBody>
                     <a:bodyPr lIns="90000" rIns="90000" anchor="ctr"/>
                     <a:p>
-                      <a:pPr algn="ctr"/>
+                      <a:pPr algn="ctr">
+                        <a:lnSpc>
+                          <a:spcPct val="100000"/>
+                        </a:lnSpc>
+                      </a:pPr>
                       <a:r>
                         <a:rPr b="0" lang="en-GB" sz="1800" spc="-1" strike="noStrike">
                           <a:solidFill>
